--- a/soft skills journey ppt.pptx
+++ b/soft skills journey ppt.pptx
@@ -5,10 +5,10 @@
     <p:sldMasterId id="2147483648" r:id="rId4"/>
   </p:sldMasterIdLst>
   <p:notesMasterIdLst>
-    <p:notesMasterId r:id="rId25"/>
+    <p:notesMasterId r:id="rId18"/>
   </p:notesMasterIdLst>
   <p:handoutMasterIdLst>
-    <p:handoutMasterId r:id="rId26"/>
+    <p:handoutMasterId r:id="rId19"/>
   </p:handoutMasterIdLst>
   <p:sldIdLst>
     <p:sldId id="256" r:id="rId5"/>
@@ -21,21 +21,14 @@
     <p:sldId id="2147375603" r:id="rId12"/>
     <p:sldId id="2147375604" r:id="rId13"/>
     <p:sldId id="2147375605" r:id="rId14"/>
-    <p:sldId id="2147375606" r:id="rId15"/>
-    <p:sldId id="2147375607" r:id="rId16"/>
-    <p:sldId id="2147375608" r:id="rId17"/>
-    <p:sldId id="2147375609" r:id="rId18"/>
-    <p:sldId id="2147375610" r:id="rId19"/>
-    <p:sldId id="2147375611" r:id="rId20"/>
-    <p:sldId id="2147375612" r:id="rId21"/>
-    <p:sldId id="2147375613" r:id="rId22"/>
-    <p:sldId id="2147375614" r:id="rId23"/>
-    <p:sldId id="1633" r:id="rId24"/>
+    <p:sldId id="2147375612" r:id="rId15"/>
+    <p:sldId id="2147375613" r:id="rId16"/>
+    <p:sldId id="1633" r:id="rId17"/>
   </p:sldIdLst>
   <p:sldSz cx="12192000" cy="6858000"/>
   <p:notesSz cx="6858000" cy="9144000"/>
   <p:custDataLst>
-    <p:tags r:id="rId27"/>
+    <p:tags r:id="rId20"/>
   </p:custDataLst>
   <p:defaultTextStyle>
     <a:defPPr>
@@ -8386,7 +8379,7 @@
             </a:br>
             <a:r>
               <a:rPr lang="en-US" sz="4000" dirty="0"/>
-              <a:t>3 Reflections for Week #&lt;&gt;</a:t>
+              <a:t>3 Reflections for Week 1</a:t>
             </a:r>
           </a:p>
         </p:txBody>
@@ -8464,7 +8457,7 @@
                   <a:schemeClr val="bg1"/>
                 </a:solidFill>
               </a:rPr>
-              <a:t>Date : 30-Aug-2024</a:t>
+              <a:t>Date : 28-Aug-2024</a:t>
             </a:r>
           </a:p>
         </p:txBody>
@@ -8932,7 +8925,10 @@
             <a:pPr marL="0" indent="0">
               <a:buNone/>
             </a:pPr>
-            <a:endParaRPr lang="en-US" sz="2000" dirty="0"/>
+            <a:r>
+              <a:rPr lang="en-US" sz="2000" dirty="0"/>
+              <a:t>With good HR policies</a:t>
+            </a:r>
           </a:p>
           <a:p>
             <a:pPr marL="0" indent="0">
@@ -8953,6 +8949,21 @@
             <a:r>
               <a:rPr lang="en-US" sz="2000" dirty="0"/>
               <a:t>How I feel Shell benefits from this learning (in your own words)</a:t>
+            </a:r>
+          </a:p>
+          <a:p>
+            <a:pPr marL="0" indent="0">
+              <a:buNone/>
+            </a:pPr>
+            <a:endParaRPr lang="en-US" sz="2000" dirty="0"/>
+          </a:p>
+          <a:p>
+            <a:pPr marL="0" indent="0">
+              <a:buNone/>
+            </a:pPr>
+            <a:r>
+              <a:rPr lang="en-US" sz="2000" dirty="0"/>
+              <a:t>Trust ensures safety and security. Integrity is essential to have a good work culture</a:t>
             </a:r>
           </a:p>
         </p:txBody>
@@ -9165,10 +9176,7 @@
             <a:pPr marL="0" indent="0" algn="ctr">
               <a:buNone/>
             </a:pPr>
-            <a:r>
-              <a:rPr lang="en-US" sz="2000" dirty="0"/>
-              <a:t>[Add a graphic that provides view of how Shell implements this learning]</a:t>
-            </a:r>
+            <a:endParaRPr lang="en-US" sz="2000" dirty="0"/>
           </a:p>
         </p:txBody>
       </p:sp>
@@ -9206,6 +9214,53 @@
           <a:prstGeom prst="rect">
             <a:avLst/>
           </a:prstGeom>
+        </p:spPr>
+      </p:pic>
+      <p:pic>
+        <p:nvPicPr>
+          <p:cNvPr id="3074" name="Picture 2" descr="The 3 Aspects Of Building Trust Between Leadership And Employees—And ...">
+            <a:extLst>
+              <a:ext uri="{FF2B5EF4-FFF2-40B4-BE49-F238E27FC236}">
+                <a16:creationId xmlns:a16="http://schemas.microsoft.com/office/drawing/2014/main" id="{ABD8AE8D-F102-AB6D-0479-01ED3CC52B8E}"/>
+              </a:ext>
+            </a:extLst>
+          </p:cNvPr>
+          <p:cNvPicPr>
+            <a:picLocks noChangeAspect="1" noChangeArrowheads="1"/>
+          </p:cNvPicPr>
+          <p:nvPr/>
+        </p:nvPicPr>
+        <p:blipFill>
+          <a:blip r:embed="rId7" cstate="screen">
+            <a:extLst>
+              <a:ext uri="{28A0092B-C50C-407E-A947-70E740481C1C}">
+                <a14:useLocalDpi xmlns:a14="http://schemas.microsoft.com/office/drawing/2010/main" val="0"/>
+              </a:ext>
+            </a:extLst>
+          </a:blip>
+          <a:srcRect/>
+          <a:stretch>
+            <a:fillRect/>
+          </a:stretch>
+        </p:blipFill>
+        <p:spPr bwMode="auto">
+          <a:xfrm>
+            <a:off x="6800575" y="2382062"/>
+            <a:ext cx="4551153" cy="3034102"/>
+          </a:xfrm>
+          <a:prstGeom prst="rect">
+            <a:avLst/>
+          </a:prstGeom>
+          <a:noFill/>
+          <a:extLst>
+            <a:ext uri="{909E8E84-426E-40DD-AFC4-6F175D3DCCD1}">
+              <a14:hiddenFill xmlns:a14="http://schemas.microsoft.com/office/drawing/2010/main">
+                <a:solidFill>
+                  <a:srgbClr val="FFFFFF"/>
+                </a:solidFill>
+              </a14:hiddenFill>
+            </a:ext>
+          </a:extLst>
         </p:spPr>
       </p:pic>
     </p:spTree>
@@ -9266,7527 +9321,6 @@
           <a:p>
             <a:r>
               <a:rPr lang="en-US" sz="3200" dirty="0"/>
-              <a:t>Challenges in implementing learning</a:t>
-            </a:r>
-            <a:endParaRPr lang="en-IN" sz="4000" dirty="0"/>
-          </a:p>
-        </p:txBody>
-      </p:sp>
-      <p:pic>
-        <p:nvPicPr>
-          <p:cNvPr id="2" name="Graphic 1" descr="Puzzle with solid fill">
-            <a:extLst>
-              <a:ext uri="{FF2B5EF4-FFF2-40B4-BE49-F238E27FC236}">
-                <a16:creationId xmlns:a16="http://schemas.microsoft.com/office/drawing/2014/main" id="{F2FEB897-CC3D-F8EF-554F-5F219373693B}"/>
-              </a:ext>
-            </a:extLst>
-          </p:cNvPr>
-          <p:cNvPicPr>
-            <a:picLocks noChangeAspect="1"/>
-          </p:cNvPicPr>
-          <p:nvPr/>
-        </p:nvPicPr>
-        <p:blipFill>
-          <a:blip r:embed="rId2">
-            <a:extLst>
-              <a:ext uri="{96DAC541-7B7A-43D3-8B79-37D633B846F1}">
-                <asvg:svgBlip xmlns:asvg="http://schemas.microsoft.com/office/drawing/2016/SVG/main" r:embed="rId3"/>
-              </a:ext>
-            </a:extLst>
-          </a:blip>
-          <a:stretch>
-            <a:fillRect/>
-          </a:stretch>
-        </p:blipFill>
-        <p:spPr>
-          <a:xfrm>
-            <a:off x="10816726" y="2866221"/>
-            <a:ext cx="1125557" cy="1125557"/>
-          </a:xfrm>
-          <a:prstGeom prst="rect">
-            <a:avLst/>
-          </a:prstGeom>
-        </p:spPr>
-      </p:pic>
-    </p:spTree>
-    <p:extLst>
-      <p:ext uri="{BB962C8B-B14F-4D97-AF65-F5344CB8AC3E}">
-        <p14:creationId xmlns:p14="http://schemas.microsoft.com/office/powerpoint/2010/main" val="2653617092"/>
-      </p:ext>
-    </p:extLst>
-  </p:cSld>
-  <p:clrMapOvr>
-    <a:masterClrMapping/>
-  </p:clrMapOvr>
-</p:sld>
-</file>
-
-<file path=ppt/slides/slide12.xml><?xml version="1.0" encoding="utf-8"?>
-<p:sld xmlns:a="http://schemas.openxmlformats.org/drawingml/2006/main" xmlns:r="http://schemas.openxmlformats.org/officeDocument/2006/relationships" xmlns:p="http://schemas.openxmlformats.org/presentationml/2006/main">
-  <p:cSld>
-    <p:spTree>
-      <p:nvGrpSpPr>
-        <p:cNvPr id="1" name=""/>
-        <p:cNvGrpSpPr/>
-        <p:nvPr/>
-      </p:nvGrpSpPr>
-      <p:grpSpPr>
-        <a:xfrm>
-          <a:off x="0" y="0"/>
-          <a:ext cx="0" cy="0"/>
-          <a:chOff x="0" y="0"/>
-          <a:chExt cx="0" cy="0"/>
-        </a:xfrm>
-      </p:grpSpPr>
-      <p:graphicFrame>
-        <p:nvGraphicFramePr>
-          <p:cNvPr id="7" name="think-cell data - do not delete" hidden="1">
-            <a:extLst>
-              <a:ext uri="{FF2B5EF4-FFF2-40B4-BE49-F238E27FC236}">
-                <a16:creationId xmlns:a16="http://schemas.microsoft.com/office/drawing/2014/main" id="{3583FF9E-539E-FE29-E73B-3EF7E093601C}"/>
-              </a:ext>
-            </a:extLst>
-          </p:cNvPr>
-          <p:cNvGraphicFramePr>
-            <a:graphicFrameLocks noChangeAspect="1"/>
-          </p:cNvGraphicFramePr>
-          <p:nvPr>
-            <p:custDataLst>
-              <p:tags r:id="rId1"/>
-            </p:custDataLst>
-            <p:extLst>
-              <p:ext uri="{D42A27DB-BD31-4B8C-83A1-F6EECF244321}">
-                <p14:modId xmlns:p14="http://schemas.microsoft.com/office/powerpoint/2010/main" val="1853078174"/>
-              </p:ext>
-            </p:extLst>
-          </p:nvPr>
-        </p:nvGraphicFramePr>
-        <p:xfrm>
-          <a:off x="1588" y="1588"/>
-          <a:ext cx="1588" cy="1588"/>
-        </p:xfrm>
-        <a:graphic>
-          <a:graphicData uri="http://schemas.openxmlformats.org/presentationml/2006/ole">
-            <mc:AlternateContent xmlns:mc="http://schemas.openxmlformats.org/markup-compatibility/2006">
-              <mc:Choice xmlns:v="urn:schemas-microsoft-com:vml" Requires="v">
-                <p:oleObj name="think-cell Slide" r:id="rId3" imgW="395" imgH="394" progId="TCLayout.ActiveDocument.1">
-                  <p:embed/>
-                </p:oleObj>
-              </mc:Choice>
-              <mc:Fallback>
-                <p:oleObj name="think-cell Slide" r:id="rId3" imgW="395" imgH="394" progId="TCLayout.ActiveDocument.1">
-                  <p:embed/>
-                  <p:pic>
-                    <p:nvPicPr>
-                      <p:cNvPr id="7" name="think-cell data - do not delete" hidden="1">
-                        <a:extLst>
-                          <a:ext uri="{FF2B5EF4-FFF2-40B4-BE49-F238E27FC236}">
-                            <a16:creationId xmlns:a16="http://schemas.microsoft.com/office/drawing/2014/main" id="{3583FF9E-539E-FE29-E73B-3EF7E093601C}"/>
-                          </a:ext>
-                        </a:extLst>
-                      </p:cNvPr>
-                      <p:cNvPicPr/>
-                      <p:nvPr/>
-                    </p:nvPicPr>
-                    <p:blipFill>
-                      <a:blip r:embed="rId4"/>
-                      <a:stretch>
-                        <a:fillRect/>
-                      </a:stretch>
-                    </p:blipFill>
-                    <p:spPr>
-                      <a:xfrm>
-                        <a:off x="1588" y="1588"/>
-                        <a:ext cx="1588" cy="1588"/>
-                      </a:xfrm>
-                      <a:prstGeom prst="rect">
-                        <a:avLst/>
-                      </a:prstGeom>
-                    </p:spPr>
-                  </p:pic>
-                </p:oleObj>
-              </mc:Fallback>
-            </mc:AlternateContent>
-          </a:graphicData>
-        </a:graphic>
-      </p:graphicFrame>
-      <p:sp>
-        <p:nvSpPr>
-          <p:cNvPr id="10" name="Rectangle 9">
-            <a:extLst>
-              <a:ext uri="{FF2B5EF4-FFF2-40B4-BE49-F238E27FC236}">
-                <a16:creationId xmlns:a16="http://schemas.microsoft.com/office/drawing/2014/main" id="{8686D658-9330-BA20-4BC9-1E47EEC5B53D}"/>
-              </a:ext>
-            </a:extLst>
-          </p:cNvPr>
-          <p:cNvSpPr/>
-          <p:nvPr/>
-        </p:nvSpPr>
-        <p:spPr>
-          <a:xfrm>
-            <a:off x="10861040" y="0"/>
-            <a:ext cx="1330960" cy="1463040"/>
-          </a:xfrm>
-          <a:prstGeom prst="rect">
-            <a:avLst/>
-          </a:prstGeom>
-          <a:solidFill>
-            <a:srgbClr val="C00000"/>
-          </a:solidFill>
-          <a:ln>
-            <a:noFill/>
-          </a:ln>
-        </p:spPr>
-        <p:style>
-          <a:lnRef idx="2">
-            <a:schemeClr val="accent1">
-              <a:shade val="15000"/>
-            </a:schemeClr>
-          </a:lnRef>
-          <a:fillRef idx="1">
-            <a:schemeClr val="accent1"/>
-          </a:fillRef>
-          <a:effectRef idx="0">
-            <a:schemeClr val="accent1"/>
-          </a:effectRef>
-          <a:fontRef idx="minor">
-            <a:schemeClr val="lt1"/>
-          </a:fontRef>
-        </p:style>
-        <p:txBody>
-          <a:bodyPr rtlCol="0" anchor="ctr"/>
-          <a:lstStyle/>
-          <a:p>
-            <a:pPr algn="ctr"/>
-            <a:endParaRPr lang="en-IN"/>
-          </a:p>
-        </p:txBody>
-      </p:sp>
-      <p:sp>
-        <p:nvSpPr>
-          <p:cNvPr id="3" name="Title 2">
-            <a:extLst>
-              <a:ext uri="{FF2B5EF4-FFF2-40B4-BE49-F238E27FC236}">
-                <a16:creationId xmlns:a16="http://schemas.microsoft.com/office/drawing/2014/main" id="{CEA128C4-A0BC-A895-713C-306E7FF62894}"/>
-              </a:ext>
-            </a:extLst>
-          </p:cNvPr>
-          <p:cNvSpPr>
-            <a:spLocks noGrp="1"/>
-          </p:cNvSpPr>
-          <p:nvPr>
-            <p:ph type="title"/>
-          </p:nvPr>
-        </p:nvSpPr>
-        <p:spPr/>
-        <p:txBody>
-          <a:bodyPr vert="horz" anchor="ctr">
-            <a:noAutofit/>
-          </a:bodyPr>
-          <a:lstStyle/>
-          <a:p>
-            <a:r>
-              <a:rPr lang="en-US" b="1" dirty="0">
-                <a:effectLst>
-                  <a:outerShdw blurRad="38100" dist="38100" dir="2700000" algn="tl">
-                    <a:srgbClr val="000000">
-                      <a:alpha val="43137"/>
-                    </a:srgbClr>
-                  </a:outerShdw>
-                </a:effectLst>
-                <a:latin typeface="+mn-lt"/>
-                <a:cs typeface="+mj-cs"/>
-              </a:rPr>
-              <a:t>Challenge faced while implementing Learning 1</a:t>
-            </a:r>
-            <a:endParaRPr lang="en-IN" sz="4000" i="1" u="sng" dirty="0">
-              <a:effectLst>
-                <a:outerShdw blurRad="38100" dist="38100" dir="2700000" algn="tl">
-                  <a:srgbClr val="000000">
-                    <a:alpha val="43137"/>
-                  </a:srgbClr>
-                </a:outerShdw>
-              </a:effectLst>
-              <a:highlight>
-                <a:srgbClr val="FF6600"/>
-              </a:highlight>
-            </a:endParaRPr>
-          </a:p>
-        </p:txBody>
-      </p:sp>
-      <p:sp>
-        <p:nvSpPr>
-          <p:cNvPr id="4" name="Slide Number Placeholder 3">
-            <a:extLst>
-              <a:ext uri="{FF2B5EF4-FFF2-40B4-BE49-F238E27FC236}">
-                <a16:creationId xmlns:a16="http://schemas.microsoft.com/office/drawing/2014/main" id="{82193751-E94F-32C7-DCCA-7D3244D279EA}"/>
-              </a:ext>
-            </a:extLst>
-          </p:cNvPr>
-          <p:cNvSpPr>
-            <a:spLocks noGrp="1"/>
-          </p:cNvSpPr>
-          <p:nvPr>
-            <p:ph type="sldNum" sz="quarter" idx="15"/>
-          </p:nvPr>
-        </p:nvSpPr>
-        <p:spPr/>
-        <p:txBody>
-          <a:bodyPr/>
-          <a:lstStyle/>
-          <a:p>
-            <a:fld id="{0879F475-59B1-4993-848A-C2B683DE9AF5}" type="slidenum">
-              <a:rPr lang="en-IN" smtClean="0"/>
-              <a:pPr/>
-              <a:t>12</a:t>
-            </a:fld>
-            <a:endParaRPr lang="en-IN" dirty="0"/>
-          </a:p>
-        </p:txBody>
-      </p:sp>
-      <p:sp>
-        <p:nvSpPr>
-          <p:cNvPr id="11" name="Content Placeholder 2">
-            <a:extLst>
-              <a:ext uri="{FF2B5EF4-FFF2-40B4-BE49-F238E27FC236}">
-                <a16:creationId xmlns:a16="http://schemas.microsoft.com/office/drawing/2014/main" id="{DE9F1BE0-7910-FA1B-DCE8-56EFD1E4FC09}"/>
-              </a:ext>
-            </a:extLst>
-          </p:cNvPr>
-          <p:cNvSpPr txBox="1">
-            <a:spLocks/>
-          </p:cNvSpPr>
-          <p:nvPr/>
-        </p:nvSpPr>
-        <p:spPr>
-          <a:xfrm>
-            <a:off x="442194" y="1860993"/>
-            <a:ext cx="5653806" cy="4076241"/>
-          </a:xfrm>
-          <a:prstGeom prst="rect">
-            <a:avLst/>
-          </a:prstGeom>
-          <a:solidFill>
-            <a:schemeClr val="bg1"/>
-          </a:solidFill>
-          <a:ln>
-            <a:noFill/>
-          </a:ln>
-          <a:effectLst>
-            <a:outerShdw blurRad="63500" sx="102000" sy="102000" algn="ctr" rotWithShape="0">
-              <a:prstClr val="black">
-                <a:alpha val="40000"/>
-              </a:prstClr>
-            </a:outerShdw>
-          </a:effectLst>
-        </p:spPr>
-        <p:txBody>
-          <a:bodyPr anchor="ctr"/>
-          <a:lstStyle>
-            <a:lvl1pPr marL="228600" indent="-228600" algn="l" defTabSz="914400" rtl="0" eaLnBrk="1" latinLnBrk="0" hangingPunct="1">
-              <a:lnSpc>
-                <a:spcPct val="90000"/>
-              </a:lnSpc>
-              <a:spcBef>
-                <a:spcPts val="1000"/>
-              </a:spcBef>
-              <a:buFont typeface="Arial" panose="020B0604020202020204" pitchFamily="34" charset="0"/>
-              <a:buChar char="•"/>
-              <a:defRPr sz="1600" kern="1200">
-                <a:solidFill>
-                  <a:schemeClr val="tx1"/>
-                </a:solidFill>
-                <a:latin typeface="+mn-lt"/>
-                <a:ea typeface="+mn-ea"/>
-                <a:cs typeface="+mn-cs"/>
-              </a:defRPr>
-            </a:lvl1pPr>
-            <a:lvl2pPr marL="685800" indent="-228600" algn="l" defTabSz="914400" rtl="0" eaLnBrk="1" latinLnBrk="0" hangingPunct="1">
-              <a:lnSpc>
-                <a:spcPct val="90000"/>
-              </a:lnSpc>
-              <a:spcBef>
-                <a:spcPts val="500"/>
-              </a:spcBef>
-              <a:buFont typeface="Arial" panose="020B0604020202020204" pitchFamily="34" charset="0"/>
-              <a:buChar char="•"/>
-              <a:defRPr sz="1600" kern="1200">
-                <a:solidFill>
-                  <a:schemeClr val="tx1"/>
-                </a:solidFill>
-                <a:latin typeface="+mn-lt"/>
-                <a:ea typeface="+mn-ea"/>
-                <a:cs typeface="+mn-cs"/>
-              </a:defRPr>
-            </a:lvl2pPr>
-            <a:lvl3pPr marL="1143000" indent="-228600" algn="l" defTabSz="914400" rtl="0" eaLnBrk="1" latinLnBrk="0" hangingPunct="1">
-              <a:lnSpc>
-                <a:spcPct val="90000"/>
-              </a:lnSpc>
-              <a:spcBef>
-                <a:spcPts val="500"/>
-              </a:spcBef>
-              <a:buFont typeface="Arial" panose="020B0604020202020204" pitchFamily="34" charset="0"/>
-              <a:buChar char="•"/>
-              <a:defRPr sz="1600" kern="1200">
-                <a:solidFill>
-                  <a:schemeClr val="tx1"/>
-                </a:solidFill>
-                <a:latin typeface="+mn-lt"/>
-                <a:ea typeface="+mn-ea"/>
-                <a:cs typeface="+mn-cs"/>
-              </a:defRPr>
-            </a:lvl3pPr>
-            <a:lvl4pPr marL="1600200" indent="-228600" algn="l" defTabSz="914400" rtl="0" eaLnBrk="1" latinLnBrk="0" hangingPunct="1">
-              <a:lnSpc>
-                <a:spcPct val="90000"/>
-              </a:lnSpc>
-              <a:spcBef>
-                <a:spcPts val="500"/>
-              </a:spcBef>
-              <a:buFont typeface="Arial" panose="020B0604020202020204" pitchFamily="34" charset="0"/>
-              <a:buChar char="•"/>
-              <a:defRPr sz="1600" kern="1200">
-                <a:solidFill>
-                  <a:schemeClr val="tx1"/>
-                </a:solidFill>
-                <a:latin typeface="+mn-lt"/>
-                <a:ea typeface="+mn-ea"/>
-                <a:cs typeface="+mn-cs"/>
-              </a:defRPr>
-            </a:lvl4pPr>
-            <a:lvl5pPr marL="2057400" indent="-228600" algn="l" defTabSz="914400" rtl="0" eaLnBrk="1" latinLnBrk="0" hangingPunct="1">
-              <a:lnSpc>
-                <a:spcPct val="90000"/>
-              </a:lnSpc>
-              <a:spcBef>
-                <a:spcPts val="500"/>
-              </a:spcBef>
-              <a:buFont typeface="Arial" panose="020B0604020202020204" pitchFamily="34" charset="0"/>
-              <a:buChar char="•"/>
-              <a:defRPr sz="1600" kern="1200">
-                <a:solidFill>
-                  <a:schemeClr val="tx1"/>
-                </a:solidFill>
-                <a:latin typeface="+mn-lt"/>
-                <a:ea typeface="+mn-ea"/>
-                <a:cs typeface="+mn-cs"/>
-              </a:defRPr>
-            </a:lvl5pPr>
-            <a:lvl6pPr marL="2514600" indent="-228600" algn="l" defTabSz="914400" rtl="0" eaLnBrk="1" latinLnBrk="0" hangingPunct="1">
-              <a:lnSpc>
-                <a:spcPct val="90000"/>
-              </a:lnSpc>
-              <a:spcBef>
-                <a:spcPts val="500"/>
-              </a:spcBef>
-              <a:buFont typeface="Arial" panose="020B0604020202020204" pitchFamily="34" charset="0"/>
-              <a:buChar char="•"/>
-              <a:defRPr sz="1800" kern="1200">
-                <a:solidFill>
-                  <a:schemeClr val="tx1"/>
-                </a:solidFill>
-                <a:latin typeface="+mn-lt"/>
-                <a:ea typeface="+mn-ea"/>
-                <a:cs typeface="+mn-cs"/>
-              </a:defRPr>
-            </a:lvl6pPr>
-            <a:lvl7pPr marL="2971800" indent="-228600" algn="l" defTabSz="914400" rtl="0" eaLnBrk="1" latinLnBrk="0" hangingPunct="1">
-              <a:lnSpc>
-                <a:spcPct val="90000"/>
-              </a:lnSpc>
-              <a:spcBef>
-                <a:spcPts val="500"/>
-              </a:spcBef>
-              <a:buFont typeface="Arial" panose="020B0604020202020204" pitchFamily="34" charset="0"/>
-              <a:buChar char="•"/>
-              <a:defRPr sz="1800" kern="1200">
-                <a:solidFill>
-                  <a:schemeClr val="tx1"/>
-                </a:solidFill>
-                <a:latin typeface="+mn-lt"/>
-                <a:ea typeface="+mn-ea"/>
-                <a:cs typeface="+mn-cs"/>
-              </a:defRPr>
-            </a:lvl7pPr>
-            <a:lvl8pPr marL="3429000" indent="-228600" algn="l" defTabSz="914400" rtl="0" eaLnBrk="1" latinLnBrk="0" hangingPunct="1">
-              <a:lnSpc>
-                <a:spcPct val="90000"/>
-              </a:lnSpc>
-              <a:spcBef>
-                <a:spcPts val="500"/>
-              </a:spcBef>
-              <a:buFont typeface="Arial" panose="020B0604020202020204" pitchFamily="34" charset="0"/>
-              <a:buChar char="•"/>
-              <a:defRPr sz="1800" kern="1200">
-                <a:solidFill>
-                  <a:schemeClr val="tx1"/>
-                </a:solidFill>
-                <a:latin typeface="+mn-lt"/>
-                <a:ea typeface="+mn-ea"/>
-                <a:cs typeface="+mn-cs"/>
-              </a:defRPr>
-            </a:lvl8pPr>
-            <a:lvl9pPr marL="3886200" indent="-228600" algn="l" defTabSz="914400" rtl="0" eaLnBrk="1" latinLnBrk="0" hangingPunct="1">
-              <a:lnSpc>
-                <a:spcPct val="90000"/>
-              </a:lnSpc>
-              <a:spcBef>
-                <a:spcPts val="500"/>
-              </a:spcBef>
-              <a:buFont typeface="Arial" panose="020B0604020202020204" pitchFamily="34" charset="0"/>
-              <a:buChar char="•"/>
-              <a:defRPr sz="1800" kern="1200">
-                <a:solidFill>
-                  <a:schemeClr val="tx1"/>
-                </a:solidFill>
-                <a:latin typeface="+mn-lt"/>
-                <a:ea typeface="+mn-ea"/>
-                <a:cs typeface="+mn-cs"/>
-              </a:defRPr>
-            </a:lvl9pPr>
-          </a:lstStyle>
-          <a:p>
-            <a:pPr marL="0" indent="0">
-              <a:buNone/>
-            </a:pPr>
-            <a:r>
-              <a:rPr lang="en-US" sz="2000" dirty="0"/>
-              <a:t>What were the challenges I faced while implementing Learning 1 and my plan to overcome them</a:t>
-            </a:r>
-          </a:p>
-          <a:p>
-            <a:pPr marL="0" indent="0">
-              <a:buNone/>
-            </a:pPr>
-            <a:endParaRPr lang="en-US" sz="2000" dirty="0"/>
-          </a:p>
-          <a:p>
-            <a:pPr marL="0" indent="0">
-              <a:buNone/>
-            </a:pPr>
-            <a:endParaRPr lang="en-US" sz="2000" dirty="0"/>
-          </a:p>
-          <a:p>
-            <a:pPr marL="0" indent="0">
-              <a:buNone/>
-            </a:pPr>
-            <a:r>
-              <a:rPr lang="en-US" sz="2000" dirty="0"/>
-              <a:t>GitHub link of your solution/documentation</a:t>
-            </a:r>
-          </a:p>
-        </p:txBody>
-      </p:sp>
-      <p:sp>
-        <p:nvSpPr>
-          <p:cNvPr id="12" name="Content Placeholder 3">
-            <a:extLst>
-              <a:ext uri="{FF2B5EF4-FFF2-40B4-BE49-F238E27FC236}">
-                <a16:creationId xmlns:a16="http://schemas.microsoft.com/office/drawing/2014/main" id="{E53E5C3F-4D2B-B85F-E592-E58E032C664C}"/>
-              </a:ext>
-            </a:extLst>
-          </p:cNvPr>
-          <p:cNvSpPr txBox="1">
-            <a:spLocks/>
-          </p:cNvSpPr>
-          <p:nvPr/>
-        </p:nvSpPr>
-        <p:spPr>
-          <a:xfrm>
-            <a:off x="6400799" y="1860993"/>
-            <a:ext cx="5350706" cy="4076241"/>
-          </a:xfrm>
-          <a:prstGeom prst="rect">
-            <a:avLst/>
-          </a:prstGeom>
-          <a:solidFill>
-            <a:schemeClr val="bg1"/>
-          </a:solidFill>
-          <a:ln>
-            <a:noFill/>
-          </a:ln>
-          <a:effectLst>
-            <a:outerShdw blurRad="63500" sx="102000" sy="102000" algn="ctr" rotWithShape="0">
-              <a:prstClr val="black">
-                <a:alpha val="40000"/>
-              </a:prstClr>
-            </a:outerShdw>
-          </a:effectLst>
-        </p:spPr>
-        <p:txBody>
-          <a:bodyPr anchor="ctr">
-            <a:normAutofit/>
-          </a:bodyPr>
-          <a:lstStyle>
-            <a:lvl1pPr marL="228600" indent="-228600" algn="l" defTabSz="914400" rtl="0" eaLnBrk="1" latinLnBrk="0" hangingPunct="1">
-              <a:lnSpc>
-                <a:spcPct val="90000"/>
-              </a:lnSpc>
-              <a:spcBef>
-                <a:spcPts val="1000"/>
-              </a:spcBef>
-              <a:buFont typeface="Arial" panose="020B0604020202020204" pitchFamily="34" charset="0"/>
-              <a:buChar char="•"/>
-              <a:defRPr sz="1600" kern="1200">
-                <a:solidFill>
-                  <a:schemeClr val="tx1"/>
-                </a:solidFill>
-                <a:latin typeface="+mn-lt"/>
-                <a:ea typeface="+mn-ea"/>
-                <a:cs typeface="+mn-cs"/>
-              </a:defRPr>
-            </a:lvl1pPr>
-            <a:lvl2pPr marL="685800" indent="-228600" algn="l" defTabSz="914400" rtl="0" eaLnBrk="1" latinLnBrk="0" hangingPunct="1">
-              <a:lnSpc>
-                <a:spcPct val="90000"/>
-              </a:lnSpc>
-              <a:spcBef>
-                <a:spcPts val="500"/>
-              </a:spcBef>
-              <a:buFont typeface="Arial" panose="020B0604020202020204" pitchFamily="34" charset="0"/>
-              <a:buChar char="•"/>
-              <a:defRPr sz="1600" kern="1200">
-                <a:solidFill>
-                  <a:schemeClr val="tx1"/>
-                </a:solidFill>
-                <a:latin typeface="+mn-lt"/>
-                <a:ea typeface="+mn-ea"/>
-                <a:cs typeface="+mn-cs"/>
-              </a:defRPr>
-            </a:lvl2pPr>
-            <a:lvl3pPr marL="1143000" indent="-228600" algn="l" defTabSz="914400" rtl="0" eaLnBrk="1" latinLnBrk="0" hangingPunct="1">
-              <a:lnSpc>
-                <a:spcPct val="90000"/>
-              </a:lnSpc>
-              <a:spcBef>
-                <a:spcPts val="500"/>
-              </a:spcBef>
-              <a:buFont typeface="Arial" panose="020B0604020202020204" pitchFamily="34" charset="0"/>
-              <a:buChar char="•"/>
-              <a:defRPr sz="1600" kern="1200">
-                <a:solidFill>
-                  <a:schemeClr val="tx1"/>
-                </a:solidFill>
-                <a:latin typeface="+mn-lt"/>
-                <a:ea typeface="+mn-ea"/>
-                <a:cs typeface="+mn-cs"/>
-              </a:defRPr>
-            </a:lvl3pPr>
-            <a:lvl4pPr marL="1600200" indent="-228600" algn="l" defTabSz="914400" rtl="0" eaLnBrk="1" latinLnBrk="0" hangingPunct="1">
-              <a:lnSpc>
-                <a:spcPct val="90000"/>
-              </a:lnSpc>
-              <a:spcBef>
-                <a:spcPts val="500"/>
-              </a:spcBef>
-              <a:buFont typeface="Arial" panose="020B0604020202020204" pitchFamily="34" charset="0"/>
-              <a:buChar char="•"/>
-              <a:defRPr sz="1600" kern="1200">
-                <a:solidFill>
-                  <a:schemeClr val="tx1"/>
-                </a:solidFill>
-                <a:latin typeface="+mn-lt"/>
-                <a:ea typeface="+mn-ea"/>
-                <a:cs typeface="+mn-cs"/>
-              </a:defRPr>
-            </a:lvl4pPr>
-            <a:lvl5pPr marL="2057400" indent="-228600" algn="l" defTabSz="914400" rtl="0" eaLnBrk="1" latinLnBrk="0" hangingPunct="1">
-              <a:lnSpc>
-                <a:spcPct val="90000"/>
-              </a:lnSpc>
-              <a:spcBef>
-                <a:spcPts val="500"/>
-              </a:spcBef>
-              <a:buFont typeface="Arial" panose="020B0604020202020204" pitchFamily="34" charset="0"/>
-              <a:buChar char="•"/>
-              <a:defRPr sz="1600" kern="1200">
-                <a:solidFill>
-                  <a:schemeClr val="tx1"/>
-                </a:solidFill>
-                <a:latin typeface="+mn-lt"/>
-                <a:ea typeface="+mn-ea"/>
-                <a:cs typeface="+mn-cs"/>
-              </a:defRPr>
-            </a:lvl5pPr>
-            <a:lvl6pPr marL="2514600" indent="-228600" algn="l" defTabSz="914400" rtl="0" eaLnBrk="1" latinLnBrk="0" hangingPunct="1">
-              <a:lnSpc>
-                <a:spcPct val="90000"/>
-              </a:lnSpc>
-              <a:spcBef>
-                <a:spcPts val="500"/>
-              </a:spcBef>
-              <a:buFont typeface="Arial" panose="020B0604020202020204" pitchFamily="34" charset="0"/>
-              <a:buChar char="•"/>
-              <a:defRPr sz="1800" kern="1200">
-                <a:solidFill>
-                  <a:schemeClr val="tx1"/>
-                </a:solidFill>
-                <a:latin typeface="+mn-lt"/>
-                <a:ea typeface="+mn-ea"/>
-                <a:cs typeface="+mn-cs"/>
-              </a:defRPr>
-            </a:lvl6pPr>
-            <a:lvl7pPr marL="2971800" indent="-228600" algn="l" defTabSz="914400" rtl="0" eaLnBrk="1" latinLnBrk="0" hangingPunct="1">
-              <a:lnSpc>
-                <a:spcPct val="90000"/>
-              </a:lnSpc>
-              <a:spcBef>
-                <a:spcPts val="500"/>
-              </a:spcBef>
-              <a:buFont typeface="Arial" panose="020B0604020202020204" pitchFamily="34" charset="0"/>
-              <a:buChar char="•"/>
-              <a:defRPr sz="1800" kern="1200">
-                <a:solidFill>
-                  <a:schemeClr val="tx1"/>
-                </a:solidFill>
-                <a:latin typeface="+mn-lt"/>
-                <a:ea typeface="+mn-ea"/>
-                <a:cs typeface="+mn-cs"/>
-              </a:defRPr>
-            </a:lvl7pPr>
-            <a:lvl8pPr marL="3429000" indent="-228600" algn="l" defTabSz="914400" rtl="0" eaLnBrk="1" latinLnBrk="0" hangingPunct="1">
-              <a:lnSpc>
-                <a:spcPct val="90000"/>
-              </a:lnSpc>
-              <a:spcBef>
-                <a:spcPts val="500"/>
-              </a:spcBef>
-              <a:buFont typeface="Arial" panose="020B0604020202020204" pitchFamily="34" charset="0"/>
-              <a:buChar char="•"/>
-              <a:defRPr sz="1800" kern="1200">
-                <a:solidFill>
-                  <a:schemeClr val="tx1"/>
-                </a:solidFill>
-                <a:latin typeface="+mn-lt"/>
-                <a:ea typeface="+mn-ea"/>
-                <a:cs typeface="+mn-cs"/>
-              </a:defRPr>
-            </a:lvl8pPr>
-            <a:lvl9pPr marL="3886200" indent="-228600" algn="l" defTabSz="914400" rtl="0" eaLnBrk="1" latinLnBrk="0" hangingPunct="1">
-              <a:lnSpc>
-                <a:spcPct val="90000"/>
-              </a:lnSpc>
-              <a:spcBef>
-                <a:spcPts val="500"/>
-              </a:spcBef>
-              <a:buFont typeface="Arial" panose="020B0604020202020204" pitchFamily="34" charset="0"/>
-              <a:buChar char="•"/>
-              <a:defRPr sz="1800" kern="1200">
-                <a:solidFill>
-                  <a:schemeClr val="tx1"/>
-                </a:solidFill>
-                <a:latin typeface="+mn-lt"/>
-                <a:ea typeface="+mn-ea"/>
-                <a:cs typeface="+mn-cs"/>
-              </a:defRPr>
-            </a:lvl9pPr>
-          </a:lstStyle>
-          <a:p>
-            <a:pPr marL="0" indent="0" algn="ctr">
-              <a:buNone/>
-            </a:pPr>
-            <a:r>
-              <a:rPr lang="en-US" sz="2000" dirty="0"/>
-              <a:t>[Add a graphic that provides evidence of what you did to overcome this challenge]</a:t>
-            </a:r>
-          </a:p>
-        </p:txBody>
-      </p:sp>
-      <p:pic>
-        <p:nvPicPr>
-          <p:cNvPr id="2" name="Graphic 1" descr="Puzzle with solid fill">
-            <a:extLst>
-              <a:ext uri="{FF2B5EF4-FFF2-40B4-BE49-F238E27FC236}">
-                <a16:creationId xmlns:a16="http://schemas.microsoft.com/office/drawing/2014/main" id="{D0FBC2C9-FE71-44D5-391E-1BAA2958F5EE}"/>
-              </a:ext>
-            </a:extLst>
-          </p:cNvPr>
-          <p:cNvPicPr>
-            <a:picLocks noChangeAspect="1"/>
-          </p:cNvPicPr>
-          <p:nvPr/>
-        </p:nvPicPr>
-        <p:blipFill>
-          <a:blip r:embed="rId5">
-            <a:extLst>
-              <a:ext uri="{96DAC541-7B7A-43D3-8B79-37D633B846F1}">
-                <asvg:svgBlip xmlns:asvg="http://schemas.microsoft.com/office/drawing/2016/SVG/main" r:embed="rId6"/>
-              </a:ext>
-            </a:extLst>
-          </a:blip>
-          <a:stretch>
-            <a:fillRect/>
-          </a:stretch>
-        </p:blipFill>
-        <p:spPr>
-          <a:xfrm>
-            <a:off x="10963741" y="168741"/>
-            <a:ext cx="1125557" cy="1125557"/>
-          </a:xfrm>
-          <a:prstGeom prst="rect">
-            <a:avLst/>
-          </a:prstGeom>
-        </p:spPr>
-      </p:pic>
-    </p:spTree>
-    <p:extLst>
-      <p:ext uri="{BB962C8B-B14F-4D97-AF65-F5344CB8AC3E}">
-        <p14:creationId xmlns:p14="http://schemas.microsoft.com/office/powerpoint/2010/main" val="2340944189"/>
-      </p:ext>
-    </p:extLst>
-  </p:cSld>
-  <p:clrMapOvr>
-    <a:masterClrMapping/>
-  </p:clrMapOvr>
-</p:sld>
-</file>
-
-<file path=ppt/slides/slide13.xml><?xml version="1.0" encoding="utf-8"?>
-<p:sld xmlns:a="http://schemas.openxmlformats.org/drawingml/2006/main" xmlns:r="http://schemas.openxmlformats.org/officeDocument/2006/relationships" xmlns:p="http://schemas.openxmlformats.org/presentationml/2006/main">
-  <p:cSld>
-    <p:spTree>
-      <p:nvGrpSpPr>
-        <p:cNvPr id="1" name=""/>
-        <p:cNvGrpSpPr/>
-        <p:nvPr/>
-      </p:nvGrpSpPr>
-      <p:grpSpPr>
-        <a:xfrm>
-          <a:off x="0" y="0"/>
-          <a:ext cx="0" cy="0"/>
-          <a:chOff x="0" y="0"/>
-          <a:chExt cx="0" cy="0"/>
-        </a:xfrm>
-      </p:grpSpPr>
-      <p:graphicFrame>
-        <p:nvGraphicFramePr>
-          <p:cNvPr id="7" name="think-cell data - do not delete" hidden="1">
-            <a:extLst>
-              <a:ext uri="{FF2B5EF4-FFF2-40B4-BE49-F238E27FC236}">
-                <a16:creationId xmlns:a16="http://schemas.microsoft.com/office/drawing/2014/main" id="{3583FF9E-539E-FE29-E73B-3EF7E093601C}"/>
-              </a:ext>
-            </a:extLst>
-          </p:cNvPr>
-          <p:cNvGraphicFramePr>
-            <a:graphicFrameLocks noChangeAspect="1"/>
-          </p:cNvGraphicFramePr>
-          <p:nvPr>
-            <p:custDataLst>
-              <p:tags r:id="rId1"/>
-            </p:custDataLst>
-            <p:extLst>
-              <p:ext uri="{D42A27DB-BD31-4B8C-83A1-F6EECF244321}">
-                <p14:modId xmlns:p14="http://schemas.microsoft.com/office/powerpoint/2010/main" val="692647652"/>
-              </p:ext>
-            </p:extLst>
-          </p:nvPr>
-        </p:nvGraphicFramePr>
-        <p:xfrm>
-          <a:off x="1588" y="1588"/>
-          <a:ext cx="1588" cy="1588"/>
-        </p:xfrm>
-        <a:graphic>
-          <a:graphicData uri="http://schemas.openxmlformats.org/presentationml/2006/ole">
-            <mc:AlternateContent xmlns:mc="http://schemas.openxmlformats.org/markup-compatibility/2006">
-              <mc:Choice xmlns:v="urn:schemas-microsoft-com:vml" Requires="v">
-                <p:oleObj name="think-cell Slide" r:id="rId3" imgW="395" imgH="394" progId="TCLayout.ActiveDocument.1">
-                  <p:embed/>
-                </p:oleObj>
-              </mc:Choice>
-              <mc:Fallback>
-                <p:oleObj name="think-cell Slide" r:id="rId3" imgW="395" imgH="394" progId="TCLayout.ActiveDocument.1">
-                  <p:embed/>
-                  <p:pic>
-                    <p:nvPicPr>
-                      <p:cNvPr id="7" name="think-cell data - do not delete" hidden="1">
-                        <a:extLst>
-                          <a:ext uri="{FF2B5EF4-FFF2-40B4-BE49-F238E27FC236}">
-                            <a16:creationId xmlns:a16="http://schemas.microsoft.com/office/drawing/2014/main" id="{3583FF9E-539E-FE29-E73B-3EF7E093601C}"/>
-                          </a:ext>
-                        </a:extLst>
-                      </p:cNvPr>
-                      <p:cNvPicPr/>
-                      <p:nvPr/>
-                    </p:nvPicPr>
-                    <p:blipFill>
-                      <a:blip r:embed="rId4"/>
-                      <a:stretch>
-                        <a:fillRect/>
-                      </a:stretch>
-                    </p:blipFill>
-                    <p:spPr>
-                      <a:xfrm>
-                        <a:off x="1588" y="1588"/>
-                        <a:ext cx="1588" cy="1588"/>
-                      </a:xfrm>
-                      <a:prstGeom prst="rect">
-                        <a:avLst/>
-                      </a:prstGeom>
-                    </p:spPr>
-                  </p:pic>
-                </p:oleObj>
-              </mc:Fallback>
-            </mc:AlternateContent>
-          </a:graphicData>
-        </a:graphic>
-      </p:graphicFrame>
-      <p:sp>
-        <p:nvSpPr>
-          <p:cNvPr id="10" name="Rectangle 9">
-            <a:extLst>
-              <a:ext uri="{FF2B5EF4-FFF2-40B4-BE49-F238E27FC236}">
-                <a16:creationId xmlns:a16="http://schemas.microsoft.com/office/drawing/2014/main" id="{8686D658-9330-BA20-4BC9-1E47EEC5B53D}"/>
-              </a:ext>
-            </a:extLst>
-          </p:cNvPr>
-          <p:cNvSpPr/>
-          <p:nvPr/>
-        </p:nvSpPr>
-        <p:spPr>
-          <a:xfrm>
-            <a:off x="10861040" y="0"/>
-            <a:ext cx="1330960" cy="1463040"/>
-          </a:xfrm>
-          <a:prstGeom prst="rect">
-            <a:avLst/>
-          </a:prstGeom>
-          <a:solidFill>
-            <a:srgbClr val="C00000"/>
-          </a:solidFill>
-          <a:ln>
-            <a:noFill/>
-          </a:ln>
-        </p:spPr>
-        <p:style>
-          <a:lnRef idx="2">
-            <a:schemeClr val="accent1">
-              <a:shade val="15000"/>
-            </a:schemeClr>
-          </a:lnRef>
-          <a:fillRef idx="1">
-            <a:schemeClr val="accent1"/>
-          </a:fillRef>
-          <a:effectRef idx="0">
-            <a:schemeClr val="accent1"/>
-          </a:effectRef>
-          <a:fontRef idx="minor">
-            <a:schemeClr val="lt1"/>
-          </a:fontRef>
-        </p:style>
-        <p:txBody>
-          <a:bodyPr rtlCol="0" anchor="ctr"/>
-          <a:lstStyle/>
-          <a:p>
-            <a:pPr algn="ctr"/>
-            <a:endParaRPr lang="en-IN"/>
-          </a:p>
-        </p:txBody>
-      </p:sp>
-      <p:sp>
-        <p:nvSpPr>
-          <p:cNvPr id="3" name="Title 2">
-            <a:extLst>
-              <a:ext uri="{FF2B5EF4-FFF2-40B4-BE49-F238E27FC236}">
-                <a16:creationId xmlns:a16="http://schemas.microsoft.com/office/drawing/2014/main" id="{CEA128C4-A0BC-A895-713C-306E7FF62894}"/>
-              </a:ext>
-            </a:extLst>
-          </p:cNvPr>
-          <p:cNvSpPr>
-            <a:spLocks noGrp="1"/>
-          </p:cNvSpPr>
-          <p:nvPr>
-            <p:ph type="title"/>
-          </p:nvPr>
-        </p:nvSpPr>
-        <p:spPr/>
-        <p:txBody>
-          <a:bodyPr vert="horz" anchor="ctr">
-            <a:noAutofit/>
-          </a:bodyPr>
-          <a:lstStyle/>
-          <a:p>
-            <a:r>
-              <a:rPr lang="en-US" b="1" dirty="0">
-                <a:effectLst>
-                  <a:outerShdw blurRad="38100" dist="38100" dir="2700000" algn="tl">
-                    <a:srgbClr val="000000">
-                      <a:alpha val="43137"/>
-                    </a:srgbClr>
-                  </a:outerShdw>
-                </a:effectLst>
-                <a:latin typeface="+mn-lt"/>
-                <a:cs typeface="+mj-cs"/>
-              </a:rPr>
-              <a:t>Challenge faced while implementing Learning 2</a:t>
-            </a:r>
-            <a:endParaRPr lang="en-IN" sz="4000" i="1" u="sng" dirty="0">
-              <a:effectLst>
-                <a:outerShdw blurRad="38100" dist="38100" dir="2700000" algn="tl">
-                  <a:srgbClr val="000000">
-                    <a:alpha val="43137"/>
-                  </a:srgbClr>
-                </a:outerShdw>
-              </a:effectLst>
-              <a:highlight>
-                <a:srgbClr val="FF6600"/>
-              </a:highlight>
-            </a:endParaRPr>
-          </a:p>
-        </p:txBody>
-      </p:sp>
-      <p:sp>
-        <p:nvSpPr>
-          <p:cNvPr id="4" name="Slide Number Placeholder 3">
-            <a:extLst>
-              <a:ext uri="{FF2B5EF4-FFF2-40B4-BE49-F238E27FC236}">
-                <a16:creationId xmlns:a16="http://schemas.microsoft.com/office/drawing/2014/main" id="{82193751-E94F-32C7-DCCA-7D3244D279EA}"/>
-              </a:ext>
-            </a:extLst>
-          </p:cNvPr>
-          <p:cNvSpPr>
-            <a:spLocks noGrp="1"/>
-          </p:cNvSpPr>
-          <p:nvPr>
-            <p:ph type="sldNum" sz="quarter" idx="15"/>
-          </p:nvPr>
-        </p:nvSpPr>
-        <p:spPr/>
-        <p:txBody>
-          <a:bodyPr/>
-          <a:lstStyle/>
-          <a:p>
-            <a:fld id="{0879F475-59B1-4993-848A-C2B683DE9AF5}" type="slidenum">
-              <a:rPr lang="en-IN" smtClean="0"/>
-              <a:pPr/>
-              <a:t>13</a:t>
-            </a:fld>
-            <a:endParaRPr lang="en-IN" dirty="0"/>
-          </a:p>
-        </p:txBody>
-      </p:sp>
-      <p:sp>
-        <p:nvSpPr>
-          <p:cNvPr id="11" name="Content Placeholder 2">
-            <a:extLst>
-              <a:ext uri="{FF2B5EF4-FFF2-40B4-BE49-F238E27FC236}">
-                <a16:creationId xmlns:a16="http://schemas.microsoft.com/office/drawing/2014/main" id="{DE9F1BE0-7910-FA1B-DCE8-56EFD1E4FC09}"/>
-              </a:ext>
-            </a:extLst>
-          </p:cNvPr>
-          <p:cNvSpPr txBox="1">
-            <a:spLocks/>
-          </p:cNvSpPr>
-          <p:nvPr/>
-        </p:nvSpPr>
-        <p:spPr>
-          <a:xfrm>
-            <a:off x="442194" y="1860993"/>
-            <a:ext cx="5653806" cy="4076241"/>
-          </a:xfrm>
-          <a:prstGeom prst="rect">
-            <a:avLst/>
-          </a:prstGeom>
-          <a:solidFill>
-            <a:schemeClr val="bg1"/>
-          </a:solidFill>
-          <a:ln>
-            <a:noFill/>
-          </a:ln>
-          <a:effectLst>
-            <a:outerShdw blurRad="63500" sx="102000" sy="102000" algn="ctr" rotWithShape="0">
-              <a:prstClr val="black">
-                <a:alpha val="40000"/>
-              </a:prstClr>
-            </a:outerShdw>
-          </a:effectLst>
-        </p:spPr>
-        <p:txBody>
-          <a:bodyPr anchor="ctr"/>
-          <a:lstStyle>
-            <a:lvl1pPr marL="228600" indent="-228600" algn="l" defTabSz="914400" rtl="0" eaLnBrk="1" latinLnBrk="0" hangingPunct="1">
-              <a:lnSpc>
-                <a:spcPct val="90000"/>
-              </a:lnSpc>
-              <a:spcBef>
-                <a:spcPts val="1000"/>
-              </a:spcBef>
-              <a:buFont typeface="Arial" panose="020B0604020202020204" pitchFamily="34" charset="0"/>
-              <a:buChar char="•"/>
-              <a:defRPr sz="1600" kern="1200">
-                <a:solidFill>
-                  <a:schemeClr val="tx1"/>
-                </a:solidFill>
-                <a:latin typeface="+mn-lt"/>
-                <a:ea typeface="+mn-ea"/>
-                <a:cs typeface="+mn-cs"/>
-              </a:defRPr>
-            </a:lvl1pPr>
-            <a:lvl2pPr marL="685800" indent="-228600" algn="l" defTabSz="914400" rtl="0" eaLnBrk="1" latinLnBrk="0" hangingPunct="1">
-              <a:lnSpc>
-                <a:spcPct val="90000"/>
-              </a:lnSpc>
-              <a:spcBef>
-                <a:spcPts val="500"/>
-              </a:spcBef>
-              <a:buFont typeface="Arial" panose="020B0604020202020204" pitchFamily="34" charset="0"/>
-              <a:buChar char="•"/>
-              <a:defRPr sz="1600" kern="1200">
-                <a:solidFill>
-                  <a:schemeClr val="tx1"/>
-                </a:solidFill>
-                <a:latin typeface="+mn-lt"/>
-                <a:ea typeface="+mn-ea"/>
-                <a:cs typeface="+mn-cs"/>
-              </a:defRPr>
-            </a:lvl2pPr>
-            <a:lvl3pPr marL="1143000" indent="-228600" algn="l" defTabSz="914400" rtl="0" eaLnBrk="1" latinLnBrk="0" hangingPunct="1">
-              <a:lnSpc>
-                <a:spcPct val="90000"/>
-              </a:lnSpc>
-              <a:spcBef>
-                <a:spcPts val="500"/>
-              </a:spcBef>
-              <a:buFont typeface="Arial" panose="020B0604020202020204" pitchFamily="34" charset="0"/>
-              <a:buChar char="•"/>
-              <a:defRPr sz="1600" kern="1200">
-                <a:solidFill>
-                  <a:schemeClr val="tx1"/>
-                </a:solidFill>
-                <a:latin typeface="+mn-lt"/>
-                <a:ea typeface="+mn-ea"/>
-                <a:cs typeface="+mn-cs"/>
-              </a:defRPr>
-            </a:lvl3pPr>
-            <a:lvl4pPr marL="1600200" indent="-228600" algn="l" defTabSz="914400" rtl="0" eaLnBrk="1" latinLnBrk="0" hangingPunct="1">
-              <a:lnSpc>
-                <a:spcPct val="90000"/>
-              </a:lnSpc>
-              <a:spcBef>
-                <a:spcPts val="500"/>
-              </a:spcBef>
-              <a:buFont typeface="Arial" panose="020B0604020202020204" pitchFamily="34" charset="0"/>
-              <a:buChar char="•"/>
-              <a:defRPr sz="1600" kern="1200">
-                <a:solidFill>
-                  <a:schemeClr val="tx1"/>
-                </a:solidFill>
-                <a:latin typeface="+mn-lt"/>
-                <a:ea typeface="+mn-ea"/>
-                <a:cs typeface="+mn-cs"/>
-              </a:defRPr>
-            </a:lvl4pPr>
-            <a:lvl5pPr marL="2057400" indent="-228600" algn="l" defTabSz="914400" rtl="0" eaLnBrk="1" latinLnBrk="0" hangingPunct="1">
-              <a:lnSpc>
-                <a:spcPct val="90000"/>
-              </a:lnSpc>
-              <a:spcBef>
-                <a:spcPts val="500"/>
-              </a:spcBef>
-              <a:buFont typeface="Arial" panose="020B0604020202020204" pitchFamily="34" charset="0"/>
-              <a:buChar char="•"/>
-              <a:defRPr sz="1600" kern="1200">
-                <a:solidFill>
-                  <a:schemeClr val="tx1"/>
-                </a:solidFill>
-                <a:latin typeface="+mn-lt"/>
-                <a:ea typeface="+mn-ea"/>
-                <a:cs typeface="+mn-cs"/>
-              </a:defRPr>
-            </a:lvl5pPr>
-            <a:lvl6pPr marL="2514600" indent="-228600" algn="l" defTabSz="914400" rtl="0" eaLnBrk="1" latinLnBrk="0" hangingPunct="1">
-              <a:lnSpc>
-                <a:spcPct val="90000"/>
-              </a:lnSpc>
-              <a:spcBef>
-                <a:spcPts val="500"/>
-              </a:spcBef>
-              <a:buFont typeface="Arial" panose="020B0604020202020204" pitchFamily="34" charset="0"/>
-              <a:buChar char="•"/>
-              <a:defRPr sz="1800" kern="1200">
-                <a:solidFill>
-                  <a:schemeClr val="tx1"/>
-                </a:solidFill>
-                <a:latin typeface="+mn-lt"/>
-                <a:ea typeface="+mn-ea"/>
-                <a:cs typeface="+mn-cs"/>
-              </a:defRPr>
-            </a:lvl6pPr>
-            <a:lvl7pPr marL="2971800" indent="-228600" algn="l" defTabSz="914400" rtl="0" eaLnBrk="1" latinLnBrk="0" hangingPunct="1">
-              <a:lnSpc>
-                <a:spcPct val="90000"/>
-              </a:lnSpc>
-              <a:spcBef>
-                <a:spcPts val="500"/>
-              </a:spcBef>
-              <a:buFont typeface="Arial" panose="020B0604020202020204" pitchFamily="34" charset="0"/>
-              <a:buChar char="•"/>
-              <a:defRPr sz="1800" kern="1200">
-                <a:solidFill>
-                  <a:schemeClr val="tx1"/>
-                </a:solidFill>
-                <a:latin typeface="+mn-lt"/>
-                <a:ea typeface="+mn-ea"/>
-                <a:cs typeface="+mn-cs"/>
-              </a:defRPr>
-            </a:lvl7pPr>
-            <a:lvl8pPr marL="3429000" indent="-228600" algn="l" defTabSz="914400" rtl="0" eaLnBrk="1" latinLnBrk="0" hangingPunct="1">
-              <a:lnSpc>
-                <a:spcPct val="90000"/>
-              </a:lnSpc>
-              <a:spcBef>
-                <a:spcPts val="500"/>
-              </a:spcBef>
-              <a:buFont typeface="Arial" panose="020B0604020202020204" pitchFamily="34" charset="0"/>
-              <a:buChar char="•"/>
-              <a:defRPr sz="1800" kern="1200">
-                <a:solidFill>
-                  <a:schemeClr val="tx1"/>
-                </a:solidFill>
-                <a:latin typeface="+mn-lt"/>
-                <a:ea typeface="+mn-ea"/>
-                <a:cs typeface="+mn-cs"/>
-              </a:defRPr>
-            </a:lvl8pPr>
-            <a:lvl9pPr marL="3886200" indent="-228600" algn="l" defTabSz="914400" rtl="0" eaLnBrk="1" latinLnBrk="0" hangingPunct="1">
-              <a:lnSpc>
-                <a:spcPct val="90000"/>
-              </a:lnSpc>
-              <a:spcBef>
-                <a:spcPts val="500"/>
-              </a:spcBef>
-              <a:buFont typeface="Arial" panose="020B0604020202020204" pitchFamily="34" charset="0"/>
-              <a:buChar char="•"/>
-              <a:defRPr sz="1800" kern="1200">
-                <a:solidFill>
-                  <a:schemeClr val="tx1"/>
-                </a:solidFill>
-                <a:latin typeface="+mn-lt"/>
-                <a:ea typeface="+mn-ea"/>
-                <a:cs typeface="+mn-cs"/>
-              </a:defRPr>
-            </a:lvl9pPr>
-          </a:lstStyle>
-          <a:p>
-            <a:pPr marL="0" indent="0">
-              <a:buNone/>
-            </a:pPr>
-            <a:r>
-              <a:rPr lang="en-US" sz="2000" dirty="0"/>
-              <a:t>What were the challenges I faced while implementing Learning 2 and my plan to overcome them</a:t>
-            </a:r>
-          </a:p>
-          <a:p>
-            <a:pPr marL="0" indent="0">
-              <a:buNone/>
-            </a:pPr>
-            <a:endParaRPr lang="en-US" sz="2000" dirty="0"/>
-          </a:p>
-          <a:p>
-            <a:pPr marL="0" indent="0">
-              <a:buNone/>
-            </a:pPr>
-            <a:r>
-              <a:rPr lang="en-US" sz="2000" dirty="0"/>
-              <a:t>GitHub link of your solution/documentation</a:t>
-            </a:r>
-          </a:p>
-        </p:txBody>
-      </p:sp>
-      <p:sp>
-        <p:nvSpPr>
-          <p:cNvPr id="12" name="Content Placeholder 3">
-            <a:extLst>
-              <a:ext uri="{FF2B5EF4-FFF2-40B4-BE49-F238E27FC236}">
-                <a16:creationId xmlns:a16="http://schemas.microsoft.com/office/drawing/2014/main" id="{E53E5C3F-4D2B-B85F-E592-E58E032C664C}"/>
-              </a:ext>
-            </a:extLst>
-          </p:cNvPr>
-          <p:cNvSpPr txBox="1">
-            <a:spLocks/>
-          </p:cNvSpPr>
-          <p:nvPr/>
-        </p:nvSpPr>
-        <p:spPr>
-          <a:xfrm>
-            <a:off x="6400799" y="1860993"/>
-            <a:ext cx="5350706" cy="4076241"/>
-          </a:xfrm>
-          <a:prstGeom prst="rect">
-            <a:avLst/>
-          </a:prstGeom>
-          <a:solidFill>
-            <a:schemeClr val="bg1"/>
-          </a:solidFill>
-          <a:ln>
-            <a:noFill/>
-          </a:ln>
-          <a:effectLst>
-            <a:outerShdw blurRad="63500" sx="102000" sy="102000" algn="ctr" rotWithShape="0">
-              <a:prstClr val="black">
-                <a:alpha val="40000"/>
-              </a:prstClr>
-            </a:outerShdw>
-          </a:effectLst>
-        </p:spPr>
-        <p:txBody>
-          <a:bodyPr anchor="ctr">
-            <a:normAutofit/>
-          </a:bodyPr>
-          <a:lstStyle>
-            <a:lvl1pPr marL="228600" indent="-228600" algn="l" defTabSz="914400" rtl="0" eaLnBrk="1" latinLnBrk="0" hangingPunct="1">
-              <a:lnSpc>
-                <a:spcPct val="90000"/>
-              </a:lnSpc>
-              <a:spcBef>
-                <a:spcPts val="1000"/>
-              </a:spcBef>
-              <a:buFont typeface="Arial" panose="020B0604020202020204" pitchFamily="34" charset="0"/>
-              <a:buChar char="•"/>
-              <a:defRPr sz="1600" kern="1200">
-                <a:solidFill>
-                  <a:schemeClr val="tx1"/>
-                </a:solidFill>
-                <a:latin typeface="+mn-lt"/>
-                <a:ea typeface="+mn-ea"/>
-                <a:cs typeface="+mn-cs"/>
-              </a:defRPr>
-            </a:lvl1pPr>
-            <a:lvl2pPr marL="685800" indent="-228600" algn="l" defTabSz="914400" rtl="0" eaLnBrk="1" latinLnBrk="0" hangingPunct="1">
-              <a:lnSpc>
-                <a:spcPct val="90000"/>
-              </a:lnSpc>
-              <a:spcBef>
-                <a:spcPts val="500"/>
-              </a:spcBef>
-              <a:buFont typeface="Arial" panose="020B0604020202020204" pitchFamily="34" charset="0"/>
-              <a:buChar char="•"/>
-              <a:defRPr sz="1600" kern="1200">
-                <a:solidFill>
-                  <a:schemeClr val="tx1"/>
-                </a:solidFill>
-                <a:latin typeface="+mn-lt"/>
-                <a:ea typeface="+mn-ea"/>
-                <a:cs typeface="+mn-cs"/>
-              </a:defRPr>
-            </a:lvl2pPr>
-            <a:lvl3pPr marL="1143000" indent="-228600" algn="l" defTabSz="914400" rtl="0" eaLnBrk="1" latinLnBrk="0" hangingPunct="1">
-              <a:lnSpc>
-                <a:spcPct val="90000"/>
-              </a:lnSpc>
-              <a:spcBef>
-                <a:spcPts val="500"/>
-              </a:spcBef>
-              <a:buFont typeface="Arial" panose="020B0604020202020204" pitchFamily="34" charset="0"/>
-              <a:buChar char="•"/>
-              <a:defRPr sz="1600" kern="1200">
-                <a:solidFill>
-                  <a:schemeClr val="tx1"/>
-                </a:solidFill>
-                <a:latin typeface="+mn-lt"/>
-                <a:ea typeface="+mn-ea"/>
-                <a:cs typeface="+mn-cs"/>
-              </a:defRPr>
-            </a:lvl3pPr>
-            <a:lvl4pPr marL="1600200" indent="-228600" algn="l" defTabSz="914400" rtl="0" eaLnBrk="1" latinLnBrk="0" hangingPunct="1">
-              <a:lnSpc>
-                <a:spcPct val="90000"/>
-              </a:lnSpc>
-              <a:spcBef>
-                <a:spcPts val="500"/>
-              </a:spcBef>
-              <a:buFont typeface="Arial" panose="020B0604020202020204" pitchFamily="34" charset="0"/>
-              <a:buChar char="•"/>
-              <a:defRPr sz="1600" kern="1200">
-                <a:solidFill>
-                  <a:schemeClr val="tx1"/>
-                </a:solidFill>
-                <a:latin typeface="+mn-lt"/>
-                <a:ea typeface="+mn-ea"/>
-                <a:cs typeface="+mn-cs"/>
-              </a:defRPr>
-            </a:lvl4pPr>
-            <a:lvl5pPr marL="2057400" indent="-228600" algn="l" defTabSz="914400" rtl="0" eaLnBrk="1" latinLnBrk="0" hangingPunct="1">
-              <a:lnSpc>
-                <a:spcPct val="90000"/>
-              </a:lnSpc>
-              <a:spcBef>
-                <a:spcPts val="500"/>
-              </a:spcBef>
-              <a:buFont typeface="Arial" panose="020B0604020202020204" pitchFamily="34" charset="0"/>
-              <a:buChar char="•"/>
-              <a:defRPr sz="1600" kern="1200">
-                <a:solidFill>
-                  <a:schemeClr val="tx1"/>
-                </a:solidFill>
-                <a:latin typeface="+mn-lt"/>
-                <a:ea typeface="+mn-ea"/>
-                <a:cs typeface="+mn-cs"/>
-              </a:defRPr>
-            </a:lvl5pPr>
-            <a:lvl6pPr marL="2514600" indent="-228600" algn="l" defTabSz="914400" rtl="0" eaLnBrk="1" latinLnBrk="0" hangingPunct="1">
-              <a:lnSpc>
-                <a:spcPct val="90000"/>
-              </a:lnSpc>
-              <a:spcBef>
-                <a:spcPts val="500"/>
-              </a:spcBef>
-              <a:buFont typeface="Arial" panose="020B0604020202020204" pitchFamily="34" charset="0"/>
-              <a:buChar char="•"/>
-              <a:defRPr sz="1800" kern="1200">
-                <a:solidFill>
-                  <a:schemeClr val="tx1"/>
-                </a:solidFill>
-                <a:latin typeface="+mn-lt"/>
-                <a:ea typeface="+mn-ea"/>
-                <a:cs typeface="+mn-cs"/>
-              </a:defRPr>
-            </a:lvl6pPr>
-            <a:lvl7pPr marL="2971800" indent="-228600" algn="l" defTabSz="914400" rtl="0" eaLnBrk="1" latinLnBrk="0" hangingPunct="1">
-              <a:lnSpc>
-                <a:spcPct val="90000"/>
-              </a:lnSpc>
-              <a:spcBef>
-                <a:spcPts val="500"/>
-              </a:spcBef>
-              <a:buFont typeface="Arial" panose="020B0604020202020204" pitchFamily="34" charset="0"/>
-              <a:buChar char="•"/>
-              <a:defRPr sz="1800" kern="1200">
-                <a:solidFill>
-                  <a:schemeClr val="tx1"/>
-                </a:solidFill>
-                <a:latin typeface="+mn-lt"/>
-                <a:ea typeface="+mn-ea"/>
-                <a:cs typeface="+mn-cs"/>
-              </a:defRPr>
-            </a:lvl7pPr>
-            <a:lvl8pPr marL="3429000" indent="-228600" algn="l" defTabSz="914400" rtl="0" eaLnBrk="1" latinLnBrk="0" hangingPunct="1">
-              <a:lnSpc>
-                <a:spcPct val="90000"/>
-              </a:lnSpc>
-              <a:spcBef>
-                <a:spcPts val="500"/>
-              </a:spcBef>
-              <a:buFont typeface="Arial" panose="020B0604020202020204" pitchFamily="34" charset="0"/>
-              <a:buChar char="•"/>
-              <a:defRPr sz="1800" kern="1200">
-                <a:solidFill>
-                  <a:schemeClr val="tx1"/>
-                </a:solidFill>
-                <a:latin typeface="+mn-lt"/>
-                <a:ea typeface="+mn-ea"/>
-                <a:cs typeface="+mn-cs"/>
-              </a:defRPr>
-            </a:lvl8pPr>
-            <a:lvl9pPr marL="3886200" indent="-228600" algn="l" defTabSz="914400" rtl="0" eaLnBrk="1" latinLnBrk="0" hangingPunct="1">
-              <a:lnSpc>
-                <a:spcPct val="90000"/>
-              </a:lnSpc>
-              <a:spcBef>
-                <a:spcPts val="500"/>
-              </a:spcBef>
-              <a:buFont typeface="Arial" panose="020B0604020202020204" pitchFamily="34" charset="0"/>
-              <a:buChar char="•"/>
-              <a:defRPr sz="1800" kern="1200">
-                <a:solidFill>
-                  <a:schemeClr val="tx1"/>
-                </a:solidFill>
-                <a:latin typeface="+mn-lt"/>
-                <a:ea typeface="+mn-ea"/>
-                <a:cs typeface="+mn-cs"/>
-              </a:defRPr>
-            </a:lvl9pPr>
-          </a:lstStyle>
-          <a:p>
-            <a:pPr marL="0" indent="0" algn="ctr">
-              <a:buNone/>
-            </a:pPr>
-            <a:r>
-              <a:rPr lang="en-US" sz="2000" dirty="0"/>
-              <a:t>[Add a graphic that provides evidence of what you did to overcome this challenge]</a:t>
-            </a:r>
-          </a:p>
-        </p:txBody>
-      </p:sp>
-      <p:pic>
-        <p:nvPicPr>
-          <p:cNvPr id="2" name="Graphic 1" descr="Puzzle with solid fill">
-            <a:extLst>
-              <a:ext uri="{FF2B5EF4-FFF2-40B4-BE49-F238E27FC236}">
-                <a16:creationId xmlns:a16="http://schemas.microsoft.com/office/drawing/2014/main" id="{D0FBC2C9-FE71-44D5-391E-1BAA2958F5EE}"/>
-              </a:ext>
-            </a:extLst>
-          </p:cNvPr>
-          <p:cNvPicPr>
-            <a:picLocks noChangeAspect="1"/>
-          </p:cNvPicPr>
-          <p:nvPr/>
-        </p:nvPicPr>
-        <p:blipFill>
-          <a:blip r:embed="rId5">
-            <a:extLst>
-              <a:ext uri="{96DAC541-7B7A-43D3-8B79-37D633B846F1}">
-                <asvg:svgBlip xmlns:asvg="http://schemas.microsoft.com/office/drawing/2016/SVG/main" r:embed="rId6"/>
-              </a:ext>
-            </a:extLst>
-          </a:blip>
-          <a:stretch>
-            <a:fillRect/>
-          </a:stretch>
-        </p:blipFill>
-        <p:spPr>
-          <a:xfrm>
-            <a:off x="10963741" y="168741"/>
-            <a:ext cx="1125557" cy="1125557"/>
-          </a:xfrm>
-          <a:prstGeom prst="rect">
-            <a:avLst/>
-          </a:prstGeom>
-        </p:spPr>
-      </p:pic>
-    </p:spTree>
-    <p:extLst>
-      <p:ext uri="{BB962C8B-B14F-4D97-AF65-F5344CB8AC3E}">
-        <p14:creationId xmlns:p14="http://schemas.microsoft.com/office/powerpoint/2010/main" val="3159148252"/>
-      </p:ext>
-    </p:extLst>
-  </p:cSld>
-  <p:clrMapOvr>
-    <a:masterClrMapping/>
-  </p:clrMapOvr>
-</p:sld>
-</file>
-
-<file path=ppt/slides/slide14.xml><?xml version="1.0" encoding="utf-8"?>
-<p:sld xmlns:a="http://schemas.openxmlformats.org/drawingml/2006/main" xmlns:r="http://schemas.openxmlformats.org/officeDocument/2006/relationships" xmlns:p="http://schemas.openxmlformats.org/presentationml/2006/main">
-  <p:cSld>
-    <p:spTree>
-      <p:nvGrpSpPr>
-        <p:cNvPr id="1" name=""/>
-        <p:cNvGrpSpPr/>
-        <p:nvPr/>
-      </p:nvGrpSpPr>
-      <p:grpSpPr>
-        <a:xfrm>
-          <a:off x="0" y="0"/>
-          <a:ext cx="0" cy="0"/>
-          <a:chOff x="0" y="0"/>
-          <a:chExt cx="0" cy="0"/>
-        </a:xfrm>
-      </p:grpSpPr>
-      <p:graphicFrame>
-        <p:nvGraphicFramePr>
-          <p:cNvPr id="7" name="think-cell data - do not delete" hidden="1">
-            <a:extLst>
-              <a:ext uri="{FF2B5EF4-FFF2-40B4-BE49-F238E27FC236}">
-                <a16:creationId xmlns:a16="http://schemas.microsoft.com/office/drawing/2014/main" id="{3583FF9E-539E-FE29-E73B-3EF7E093601C}"/>
-              </a:ext>
-            </a:extLst>
-          </p:cNvPr>
-          <p:cNvGraphicFramePr>
-            <a:graphicFrameLocks noChangeAspect="1"/>
-          </p:cNvGraphicFramePr>
-          <p:nvPr>
-            <p:custDataLst>
-              <p:tags r:id="rId1"/>
-            </p:custDataLst>
-            <p:extLst>
-              <p:ext uri="{D42A27DB-BD31-4B8C-83A1-F6EECF244321}">
-                <p14:modId xmlns:p14="http://schemas.microsoft.com/office/powerpoint/2010/main" val="1327662269"/>
-              </p:ext>
-            </p:extLst>
-          </p:nvPr>
-        </p:nvGraphicFramePr>
-        <p:xfrm>
-          <a:off x="1588" y="1588"/>
-          <a:ext cx="1588" cy="1588"/>
-        </p:xfrm>
-        <a:graphic>
-          <a:graphicData uri="http://schemas.openxmlformats.org/presentationml/2006/ole">
-            <mc:AlternateContent xmlns:mc="http://schemas.openxmlformats.org/markup-compatibility/2006">
-              <mc:Choice xmlns:v="urn:schemas-microsoft-com:vml" Requires="v">
-                <p:oleObj name="think-cell Slide" r:id="rId3" imgW="395" imgH="394" progId="TCLayout.ActiveDocument.1">
-                  <p:embed/>
-                </p:oleObj>
-              </mc:Choice>
-              <mc:Fallback>
-                <p:oleObj name="think-cell Slide" r:id="rId3" imgW="395" imgH="394" progId="TCLayout.ActiveDocument.1">
-                  <p:embed/>
-                  <p:pic>
-                    <p:nvPicPr>
-                      <p:cNvPr id="7" name="think-cell data - do not delete" hidden="1">
-                        <a:extLst>
-                          <a:ext uri="{FF2B5EF4-FFF2-40B4-BE49-F238E27FC236}">
-                            <a16:creationId xmlns:a16="http://schemas.microsoft.com/office/drawing/2014/main" id="{3583FF9E-539E-FE29-E73B-3EF7E093601C}"/>
-                          </a:ext>
-                        </a:extLst>
-                      </p:cNvPr>
-                      <p:cNvPicPr/>
-                      <p:nvPr/>
-                    </p:nvPicPr>
-                    <p:blipFill>
-                      <a:blip r:embed="rId4"/>
-                      <a:stretch>
-                        <a:fillRect/>
-                      </a:stretch>
-                    </p:blipFill>
-                    <p:spPr>
-                      <a:xfrm>
-                        <a:off x="1588" y="1588"/>
-                        <a:ext cx="1588" cy="1588"/>
-                      </a:xfrm>
-                      <a:prstGeom prst="rect">
-                        <a:avLst/>
-                      </a:prstGeom>
-                    </p:spPr>
-                  </p:pic>
-                </p:oleObj>
-              </mc:Fallback>
-            </mc:AlternateContent>
-          </a:graphicData>
-        </a:graphic>
-      </p:graphicFrame>
-      <p:sp>
-        <p:nvSpPr>
-          <p:cNvPr id="10" name="Rectangle 9">
-            <a:extLst>
-              <a:ext uri="{FF2B5EF4-FFF2-40B4-BE49-F238E27FC236}">
-                <a16:creationId xmlns:a16="http://schemas.microsoft.com/office/drawing/2014/main" id="{8686D658-9330-BA20-4BC9-1E47EEC5B53D}"/>
-              </a:ext>
-            </a:extLst>
-          </p:cNvPr>
-          <p:cNvSpPr/>
-          <p:nvPr/>
-        </p:nvSpPr>
-        <p:spPr>
-          <a:xfrm>
-            <a:off x="10861040" y="0"/>
-            <a:ext cx="1330960" cy="1463040"/>
-          </a:xfrm>
-          <a:prstGeom prst="rect">
-            <a:avLst/>
-          </a:prstGeom>
-          <a:solidFill>
-            <a:srgbClr val="C00000"/>
-          </a:solidFill>
-          <a:ln>
-            <a:noFill/>
-          </a:ln>
-        </p:spPr>
-        <p:style>
-          <a:lnRef idx="2">
-            <a:schemeClr val="accent1">
-              <a:shade val="15000"/>
-            </a:schemeClr>
-          </a:lnRef>
-          <a:fillRef idx="1">
-            <a:schemeClr val="accent1"/>
-          </a:fillRef>
-          <a:effectRef idx="0">
-            <a:schemeClr val="accent1"/>
-          </a:effectRef>
-          <a:fontRef idx="minor">
-            <a:schemeClr val="lt1"/>
-          </a:fontRef>
-        </p:style>
-        <p:txBody>
-          <a:bodyPr rtlCol="0" anchor="ctr"/>
-          <a:lstStyle/>
-          <a:p>
-            <a:pPr algn="ctr"/>
-            <a:endParaRPr lang="en-IN"/>
-          </a:p>
-        </p:txBody>
-      </p:sp>
-      <p:sp>
-        <p:nvSpPr>
-          <p:cNvPr id="3" name="Title 2">
-            <a:extLst>
-              <a:ext uri="{FF2B5EF4-FFF2-40B4-BE49-F238E27FC236}">
-                <a16:creationId xmlns:a16="http://schemas.microsoft.com/office/drawing/2014/main" id="{CEA128C4-A0BC-A895-713C-306E7FF62894}"/>
-              </a:ext>
-            </a:extLst>
-          </p:cNvPr>
-          <p:cNvSpPr>
-            <a:spLocks noGrp="1"/>
-          </p:cNvSpPr>
-          <p:nvPr>
-            <p:ph type="title"/>
-          </p:nvPr>
-        </p:nvSpPr>
-        <p:spPr/>
-        <p:txBody>
-          <a:bodyPr vert="horz" anchor="ctr">
-            <a:noAutofit/>
-          </a:bodyPr>
-          <a:lstStyle/>
-          <a:p>
-            <a:r>
-              <a:rPr lang="en-US" b="1" dirty="0">
-                <a:effectLst>
-                  <a:outerShdw blurRad="38100" dist="38100" dir="2700000" algn="tl">
-                    <a:srgbClr val="000000">
-                      <a:alpha val="43137"/>
-                    </a:srgbClr>
-                  </a:outerShdw>
-                </a:effectLst>
-                <a:latin typeface="+mn-lt"/>
-                <a:cs typeface="+mj-cs"/>
-              </a:rPr>
-              <a:t>Challenge faced while implementing Learning 3</a:t>
-            </a:r>
-            <a:endParaRPr lang="en-IN" sz="4000" i="1" u="sng" dirty="0">
-              <a:effectLst>
-                <a:outerShdw blurRad="38100" dist="38100" dir="2700000" algn="tl">
-                  <a:srgbClr val="000000">
-                    <a:alpha val="43137"/>
-                  </a:srgbClr>
-                </a:outerShdw>
-              </a:effectLst>
-              <a:highlight>
-                <a:srgbClr val="FF6600"/>
-              </a:highlight>
-            </a:endParaRPr>
-          </a:p>
-        </p:txBody>
-      </p:sp>
-      <p:sp>
-        <p:nvSpPr>
-          <p:cNvPr id="4" name="Slide Number Placeholder 3">
-            <a:extLst>
-              <a:ext uri="{FF2B5EF4-FFF2-40B4-BE49-F238E27FC236}">
-                <a16:creationId xmlns:a16="http://schemas.microsoft.com/office/drawing/2014/main" id="{82193751-E94F-32C7-DCCA-7D3244D279EA}"/>
-              </a:ext>
-            </a:extLst>
-          </p:cNvPr>
-          <p:cNvSpPr>
-            <a:spLocks noGrp="1"/>
-          </p:cNvSpPr>
-          <p:nvPr>
-            <p:ph type="sldNum" sz="quarter" idx="15"/>
-          </p:nvPr>
-        </p:nvSpPr>
-        <p:spPr/>
-        <p:txBody>
-          <a:bodyPr/>
-          <a:lstStyle/>
-          <a:p>
-            <a:fld id="{0879F475-59B1-4993-848A-C2B683DE9AF5}" type="slidenum">
-              <a:rPr lang="en-IN" smtClean="0"/>
-              <a:pPr/>
-              <a:t>14</a:t>
-            </a:fld>
-            <a:endParaRPr lang="en-IN" dirty="0"/>
-          </a:p>
-        </p:txBody>
-      </p:sp>
-      <p:sp>
-        <p:nvSpPr>
-          <p:cNvPr id="11" name="Content Placeholder 2">
-            <a:extLst>
-              <a:ext uri="{FF2B5EF4-FFF2-40B4-BE49-F238E27FC236}">
-                <a16:creationId xmlns:a16="http://schemas.microsoft.com/office/drawing/2014/main" id="{DE9F1BE0-7910-FA1B-DCE8-56EFD1E4FC09}"/>
-              </a:ext>
-            </a:extLst>
-          </p:cNvPr>
-          <p:cNvSpPr txBox="1">
-            <a:spLocks/>
-          </p:cNvSpPr>
-          <p:nvPr/>
-        </p:nvSpPr>
-        <p:spPr>
-          <a:xfrm>
-            <a:off x="442194" y="1860993"/>
-            <a:ext cx="5653806" cy="4076241"/>
-          </a:xfrm>
-          <a:prstGeom prst="rect">
-            <a:avLst/>
-          </a:prstGeom>
-          <a:solidFill>
-            <a:schemeClr val="bg1"/>
-          </a:solidFill>
-          <a:ln>
-            <a:noFill/>
-          </a:ln>
-          <a:effectLst>
-            <a:outerShdw blurRad="63500" sx="102000" sy="102000" algn="ctr" rotWithShape="0">
-              <a:prstClr val="black">
-                <a:alpha val="40000"/>
-              </a:prstClr>
-            </a:outerShdw>
-          </a:effectLst>
-        </p:spPr>
-        <p:txBody>
-          <a:bodyPr anchor="ctr"/>
-          <a:lstStyle>
-            <a:lvl1pPr marL="228600" indent="-228600" algn="l" defTabSz="914400" rtl="0" eaLnBrk="1" latinLnBrk="0" hangingPunct="1">
-              <a:lnSpc>
-                <a:spcPct val="90000"/>
-              </a:lnSpc>
-              <a:spcBef>
-                <a:spcPts val="1000"/>
-              </a:spcBef>
-              <a:buFont typeface="Arial" panose="020B0604020202020204" pitchFamily="34" charset="0"/>
-              <a:buChar char="•"/>
-              <a:defRPr sz="1600" kern="1200">
-                <a:solidFill>
-                  <a:schemeClr val="tx1"/>
-                </a:solidFill>
-                <a:latin typeface="+mn-lt"/>
-                <a:ea typeface="+mn-ea"/>
-                <a:cs typeface="+mn-cs"/>
-              </a:defRPr>
-            </a:lvl1pPr>
-            <a:lvl2pPr marL="685800" indent="-228600" algn="l" defTabSz="914400" rtl="0" eaLnBrk="1" latinLnBrk="0" hangingPunct="1">
-              <a:lnSpc>
-                <a:spcPct val="90000"/>
-              </a:lnSpc>
-              <a:spcBef>
-                <a:spcPts val="500"/>
-              </a:spcBef>
-              <a:buFont typeface="Arial" panose="020B0604020202020204" pitchFamily="34" charset="0"/>
-              <a:buChar char="•"/>
-              <a:defRPr sz="1600" kern="1200">
-                <a:solidFill>
-                  <a:schemeClr val="tx1"/>
-                </a:solidFill>
-                <a:latin typeface="+mn-lt"/>
-                <a:ea typeface="+mn-ea"/>
-                <a:cs typeface="+mn-cs"/>
-              </a:defRPr>
-            </a:lvl2pPr>
-            <a:lvl3pPr marL="1143000" indent="-228600" algn="l" defTabSz="914400" rtl="0" eaLnBrk="1" latinLnBrk="0" hangingPunct="1">
-              <a:lnSpc>
-                <a:spcPct val="90000"/>
-              </a:lnSpc>
-              <a:spcBef>
-                <a:spcPts val="500"/>
-              </a:spcBef>
-              <a:buFont typeface="Arial" panose="020B0604020202020204" pitchFamily="34" charset="0"/>
-              <a:buChar char="•"/>
-              <a:defRPr sz="1600" kern="1200">
-                <a:solidFill>
-                  <a:schemeClr val="tx1"/>
-                </a:solidFill>
-                <a:latin typeface="+mn-lt"/>
-                <a:ea typeface="+mn-ea"/>
-                <a:cs typeface="+mn-cs"/>
-              </a:defRPr>
-            </a:lvl3pPr>
-            <a:lvl4pPr marL="1600200" indent="-228600" algn="l" defTabSz="914400" rtl="0" eaLnBrk="1" latinLnBrk="0" hangingPunct="1">
-              <a:lnSpc>
-                <a:spcPct val="90000"/>
-              </a:lnSpc>
-              <a:spcBef>
-                <a:spcPts val="500"/>
-              </a:spcBef>
-              <a:buFont typeface="Arial" panose="020B0604020202020204" pitchFamily="34" charset="0"/>
-              <a:buChar char="•"/>
-              <a:defRPr sz="1600" kern="1200">
-                <a:solidFill>
-                  <a:schemeClr val="tx1"/>
-                </a:solidFill>
-                <a:latin typeface="+mn-lt"/>
-                <a:ea typeface="+mn-ea"/>
-                <a:cs typeface="+mn-cs"/>
-              </a:defRPr>
-            </a:lvl4pPr>
-            <a:lvl5pPr marL="2057400" indent="-228600" algn="l" defTabSz="914400" rtl="0" eaLnBrk="1" latinLnBrk="0" hangingPunct="1">
-              <a:lnSpc>
-                <a:spcPct val="90000"/>
-              </a:lnSpc>
-              <a:spcBef>
-                <a:spcPts val="500"/>
-              </a:spcBef>
-              <a:buFont typeface="Arial" panose="020B0604020202020204" pitchFamily="34" charset="0"/>
-              <a:buChar char="•"/>
-              <a:defRPr sz="1600" kern="1200">
-                <a:solidFill>
-                  <a:schemeClr val="tx1"/>
-                </a:solidFill>
-                <a:latin typeface="+mn-lt"/>
-                <a:ea typeface="+mn-ea"/>
-                <a:cs typeface="+mn-cs"/>
-              </a:defRPr>
-            </a:lvl5pPr>
-            <a:lvl6pPr marL="2514600" indent="-228600" algn="l" defTabSz="914400" rtl="0" eaLnBrk="1" latinLnBrk="0" hangingPunct="1">
-              <a:lnSpc>
-                <a:spcPct val="90000"/>
-              </a:lnSpc>
-              <a:spcBef>
-                <a:spcPts val="500"/>
-              </a:spcBef>
-              <a:buFont typeface="Arial" panose="020B0604020202020204" pitchFamily="34" charset="0"/>
-              <a:buChar char="•"/>
-              <a:defRPr sz="1800" kern="1200">
-                <a:solidFill>
-                  <a:schemeClr val="tx1"/>
-                </a:solidFill>
-                <a:latin typeface="+mn-lt"/>
-                <a:ea typeface="+mn-ea"/>
-                <a:cs typeface="+mn-cs"/>
-              </a:defRPr>
-            </a:lvl6pPr>
-            <a:lvl7pPr marL="2971800" indent="-228600" algn="l" defTabSz="914400" rtl="0" eaLnBrk="1" latinLnBrk="0" hangingPunct="1">
-              <a:lnSpc>
-                <a:spcPct val="90000"/>
-              </a:lnSpc>
-              <a:spcBef>
-                <a:spcPts val="500"/>
-              </a:spcBef>
-              <a:buFont typeface="Arial" panose="020B0604020202020204" pitchFamily="34" charset="0"/>
-              <a:buChar char="•"/>
-              <a:defRPr sz="1800" kern="1200">
-                <a:solidFill>
-                  <a:schemeClr val="tx1"/>
-                </a:solidFill>
-                <a:latin typeface="+mn-lt"/>
-                <a:ea typeface="+mn-ea"/>
-                <a:cs typeface="+mn-cs"/>
-              </a:defRPr>
-            </a:lvl7pPr>
-            <a:lvl8pPr marL="3429000" indent="-228600" algn="l" defTabSz="914400" rtl="0" eaLnBrk="1" latinLnBrk="0" hangingPunct="1">
-              <a:lnSpc>
-                <a:spcPct val="90000"/>
-              </a:lnSpc>
-              <a:spcBef>
-                <a:spcPts val="500"/>
-              </a:spcBef>
-              <a:buFont typeface="Arial" panose="020B0604020202020204" pitchFamily="34" charset="0"/>
-              <a:buChar char="•"/>
-              <a:defRPr sz="1800" kern="1200">
-                <a:solidFill>
-                  <a:schemeClr val="tx1"/>
-                </a:solidFill>
-                <a:latin typeface="+mn-lt"/>
-                <a:ea typeface="+mn-ea"/>
-                <a:cs typeface="+mn-cs"/>
-              </a:defRPr>
-            </a:lvl8pPr>
-            <a:lvl9pPr marL="3886200" indent="-228600" algn="l" defTabSz="914400" rtl="0" eaLnBrk="1" latinLnBrk="0" hangingPunct="1">
-              <a:lnSpc>
-                <a:spcPct val="90000"/>
-              </a:lnSpc>
-              <a:spcBef>
-                <a:spcPts val="500"/>
-              </a:spcBef>
-              <a:buFont typeface="Arial" panose="020B0604020202020204" pitchFamily="34" charset="0"/>
-              <a:buChar char="•"/>
-              <a:defRPr sz="1800" kern="1200">
-                <a:solidFill>
-                  <a:schemeClr val="tx1"/>
-                </a:solidFill>
-                <a:latin typeface="+mn-lt"/>
-                <a:ea typeface="+mn-ea"/>
-                <a:cs typeface="+mn-cs"/>
-              </a:defRPr>
-            </a:lvl9pPr>
-          </a:lstStyle>
-          <a:p>
-            <a:pPr marL="0" indent="0">
-              <a:buNone/>
-            </a:pPr>
-            <a:r>
-              <a:rPr lang="en-US" sz="2000" dirty="0"/>
-              <a:t>What were the challenges I faced while implementing Learning 3 and my plan to overcome them</a:t>
-            </a:r>
-          </a:p>
-          <a:p>
-            <a:pPr marL="0" indent="0">
-              <a:buNone/>
-            </a:pPr>
-            <a:endParaRPr lang="en-US" sz="2000" dirty="0"/>
-          </a:p>
-          <a:p>
-            <a:pPr marL="0" indent="0">
-              <a:buNone/>
-            </a:pPr>
-            <a:r>
-              <a:rPr lang="en-US" sz="2000" dirty="0"/>
-              <a:t>GitHub link of your solution/documentation</a:t>
-            </a:r>
-          </a:p>
-        </p:txBody>
-      </p:sp>
-      <p:sp>
-        <p:nvSpPr>
-          <p:cNvPr id="12" name="Content Placeholder 3">
-            <a:extLst>
-              <a:ext uri="{FF2B5EF4-FFF2-40B4-BE49-F238E27FC236}">
-                <a16:creationId xmlns:a16="http://schemas.microsoft.com/office/drawing/2014/main" id="{E53E5C3F-4D2B-B85F-E592-E58E032C664C}"/>
-              </a:ext>
-            </a:extLst>
-          </p:cNvPr>
-          <p:cNvSpPr txBox="1">
-            <a:spLocks/>
-          </p:cNvSpPr>
-          <p:nvPr/>
-        </p:nvSpPr>
-        <p:spPr>
-          <a:xfrm>
-            <a:off x="6400799" y="1860993"/>
-            <a:ext cx="5350706" cy="4076241"/>
-          </a:xfrm>
-          <a:prstGeom prst="rect">
-            <a:avLst/>
-          </a:prstGeom>
-          <a:solidFill>
-            <a:schemeClr val="bg1"/>
-          </a:solidFill>
-          <a:ln>
-            <a:noFill/>
-          </a:ln>
-          <a:effectLst>
-            <a:outerShdw blurRad="63500" sx="102000" sy="102000" algn="ctr" rotWithShape="0">
-              <a:prstClr val="black">
-                <a:alpha val="40000"/>
-              </a:prstClr>
-            </a:outerShdw>
-          </a:effectLst>
-        </p:spPr>
-        <p:txBody>
-          <a:bodyPr anchor="ctr">
-            <a:normAutofit/>
-          </a:bodyPr>
-          <a:lstStyle>
-            <a:lvl1pPr marL="228600" indent="-228600" algn="l" defTabSz="914400" rtl="0" eaLnBrk="1" latinLnBrk="0" hangingPunct="1">
-              <a:lnSpc>
-                <a:spcPct val="90000"/>
-              </a:lnSpc>
-              <a:spcBef>
-                <a:spcPts val="1000"/>
-              </a:spcBef>
-              <a:buFont typeface="Arial" panose="020B0604020202020204" pitchFamily="34" charset="0"/>
-              <a:buChar char="•"/>
-              <a:defRPr sz="1600" kern="1200">
-                <a:solidFill>
-                  <a:schemeClr val="tx1"/>
-                </a:solidFill>
-                <a:latin typeface="+mn-lt"/>
-                <a:ea typeface="+mn-ea"/>
-                <a:cs typeface="+mn-cs"/>
-              </a:defRPr>
-            </a:lvl1pPr>
-            <a:lvl2pPr marL="685800" indent="-228600" algn="l" defTabSz="914400" rtl="0" eaLnBrk="1" latinLnBrk="0" hangingPunct="1">
-              <a:lnSpc>
-                <a:spcPct val="90000"/>
-              </a:lnSpc>
-              <a:spcBef>
-                <a:spcPts val="500"/>
-              </a:spcBef>
-              <a:buFont typeface="Arial" panose="020B0604020202020204" pitchFamily="34" charset="0"/>
-              <a:buChar char="•"/>
-              <a:defRPr sz="1600" kern="1200">
-                <a:solidFill>
-                  <a:schemeClr val="tx1"/>
-                </a:solidFill>
-                <a:latin typeface="+mn-lt"/>
-                <a:ea typeface="+mn-ea"/>
-                <a:cs typeface="+mn-cs"/>
-              </a:defRPr>
-            </a:lvl2pPr>
-            <a:lvl3pPr marL="1143000" indent="-228600" algn="l" defTabSz="914400" rtl="0" eaLnBrk="1" latinLnBrk="0" hangingPunct="1">
-              <a:lnSpc>
-                <a:spcPct val="90000"/>
-              </a:lnSpc>
-              <a:spcBef>
-                <a:spcPts val="500"/>
-              </a:spcBef>
-              <a:buFont typeface="Arial" panose="020B0604020202020204" pitchFamily="34" charset="0"/>
-              <a:buChar char="•"/>
-              <a:defRPr sz="1600" kern="1200">
-                <a:solidFill>
-                  <a:schemeClr val="tx1"/>
-                </a:solidFill>
-                <a:latin typeface="+mn-lt"/>
-                <a:ea typeface="+mn-ea"/>
-                <a:cs typeface="+mn-cs"/>
-              </a:defRPr>
-            </a:lvl3pPr>
-            <a:lvl4pPr marL="1600200" indent="-228600" algn="l" defTabSz="914400" rtl="0" eaLnBrk="1" latinLnBrk="0" hangingPunct="1">
-              <a:lnSpc>
-                <a:spcPct val="90000"/>
-              </a:lnSpc>
-              <a:spcBef>
-                <a:spcPts val="500"/>
-              </a:spcBef>
-              <a:buFont typeface="Arial" panose="020B0604020202020204" pitchFamily="34" charset="0"/>
-              <a:buChar char="•"/>
-              <a:defRPr sz="1600" kern="1200">
-                <a:solidFill>
-                  <a:schemeClr val="tx1"/>
-                </a:solidFill>
-                <a:latin typeface="+mn-lt"/>
-                <a:ea typeface="+mn-ea"/>
-                <a:cs typeface="+mn-cs"/>
-              </a:defRPr>
-            </a:lvl4pPr>
-            <a:lvl5pPr marL="2057400" indent="-228600" algn="l" defTabSz="914400" rtl="0" eaLnBrk="1" latinLnBrk="0" hangingPunct="1">
-              <a:lnSpc>
-                <a:spcPct val="90000"/>
-              </a:lnSpc>
-              <a:spcBef>
-                <a:spcPts val="500"/>
-              </a:spcBef>
-              <a:buFont typeface="Arial" panose="020B0604020202020204" pitchFamily="34" charset="0"/>
-              <a:buChar char="•"/>
-              <a:defRPr sz="1600" kern="1200">
-                <a:solidFill>
-                  <a:schemeClr val="tx1"/>
-                </a:solidFill>
-                <a:latin typeface="+mn-lt"/>
-                <a:ea typeface="+mn-ea"/>
-                <a:cs typeface="+mn-cs"/>
-              </a:defRPr>
-            </a:lvl5pPr>
-            <a:lvl6pPr marL="2514600" indent="-228600" algn="l" defTabSz="914400" rtl="0" eaLnBrk="1" latinLnBrk="0" hangingPunct="1">
-              <a:lnSpc>
-                <a:spcPct val="90000"/>
-              </a:lnSpc>
-              <a:spcBef>
-                <a:spcPts val="500"/>
-              </a:spcBef>
-              <a:buFont typeface="Arial" panose="020B0604020202020204" pitchFamily="34" charset="0"/>
-              <a:buChar char="•"/>
-              <a:defRPr sz="1800" kern="1200">
-                <a:solidFill>
-                  <a:schemeClr val="tx1"/>
-                </a:solidFill>
-                <a:latin typeface="+mn-lt"/>
-                <a:ea typeface="+mn-ea"/>
-                <a:cs typeface="+mn-cs"/>
-              </a:defRPr>
-            </a:lvl6pPr>
-            <a:lvl7pPr marL="2971800" indent="-228600" algn="l" defTabSz="914400" rtl="0" eaLnBrk="1" latinLnBrk="0" hangingPunct="1">
-              <a:lnSpc>
-                <a:spcPct val="90000"/>
-              </a:lnSpc>
-              <a:spcBef>
-                <a:spcPts val="500"/>
-              </a:spcBef>
-              <a:buFont typeface="Arial" panose="020B0604020202020204" pitchFamily="34" charset="0"/>
-              <a:buChar char="•"/>
-              <a:defRPr sz="1800" kern="1200">
-                <a:solidFill>
-                  <a:schemeClr val="tx1"/>
-                </a:solidFill>
-                <a:latin typeface="+mn-lt"/>
-                <a:ea typeface="+mn-ea"/>
-                <a:cs typeface="+mn-cs"/>
-              </a:defRPr>
-            </a:lvl7pPr>
-            <a:lvl8pPr marL="3429000" indent="-228600" algn="l" defTabSz="914400" rtl="0" eaLnBrk="1" latinLnBrk="0" hangingPunct="1">
-              <a:lnSpc>
-                <a:spcPct val="90000"/>
-              </a:lnSpc>
-              <a:spcBef>
-                <a:spcPts val="500"/>
-              </a:spcBef>
-              <a:buFont typeface="Arial" panose="020B0604020202020204" pitchFamily="34" charset="0"/>
-              <a:buChar char="•"/>
-              <a:defRPr sz="1800" kern="1200">
-                <a:solidFill>
-                  <a:schemeClr val="tx1"/>
-                </a:solidFill>
-                <a:latin typeface="+mn-lt"/>
-                <a:ea typeface="+mn-ea"/>
-                <a:cs typeface="+mn-cs"/>
-              </a:defRPr>
-            </a:lvl8pPr>
-            <a:lvl9pPr marL="3886200" indent="-228600" algn="l" defTabSz="914400" rtl="0" eaLnBrk="1" latinLnBrk="0" hangingPunct="1">
-              <a:lnSpc>
-                <a:spcPct val="90000"/>
-              </a:lnSpc>
-              <a:spcBef>
-                <a:spcPts val="500"/>
-              </a:spcBef>
-              <a:buFont typeface="Arial" panose="020B0604020202020204" pitchFamily="34" charset="0"/>
-              <a:buChar char="•"/>
-              <a:defRPr sz="1800" kern="1200">
-                <a:solidFill>
-                  <a:schemeClr val="tx1"/>
-                </a:solidFill>
-                <a:latin typeface="+mn-lt"/>
-                <a:ea typeface="+mn-ea"/>
-                <a:cs typeface="+mn-cs"/>
-              </a:defRPr>
-            </a:lvl9pPr>
-          </a:lstStyle>
-          <a:p>
-            <a:pPr marL="0" indent="0" algn="ctr">
-              <a:buNone/>
-            </a:pPr>
-            <a:r>
-              <a:rPr lang="en-US" sz="2000" dirty="0"/>
-              <a:t>[Add a graphic that provides evidence of what you did to overcome this challenge]</a:t>
-            </a:r>
-          </a:p>
-        </p:txBody>
-      </p:sp>
-      <p:pic>
-        <p:nvPicPr>
-          <p:cNvPr id="2" name="Graphic 1" descr="Puzzle with solid fill">
-            <a:extLst>
-              <a:ext uri="{FF2B5EF4-FFF2-40B4-BE49-F238E27FC236}">
-                <a16:creationId xmlns:a16="http://schemas.microsoft.com/office/drawing/2014/main" id="{D0FBC2C9-FE71-44D5-391E-1BAA2958F5EE}"/>
-              </a:ext>
-            </a:extLst>
-          </p:cNvPr>
-          <p:cNvPicPr>
-            <a:picLocks noChangeAspect="1"/>
-          </p:cNvPicPr>
-          <p:nvPr/>
-        </p:nvPicPr>
-        <p:blipFill>
-          <a:blip r:embed="rId5">
-            <a:extLst>
-              <a:ext uri="{96DAC541-7B7A-43D3-8B79-37D633B846F1}">
-                <asvg:svgBlip xmlns:asvg="http://schemas.microsoft.com/office/drawing/2016/SVG/main" r:embed="rId6"/>
-              </a:ext>
-            </a:extLst>
-          </a:blip>
-          <a:stretch>
-            <a:fillRect/>
-          </a:stretch>
-        </p:blipFill>
-        <p:spPr>
-          <a:xfrm>
-            <a:off x="10963741" y="168741"/>
-            <a:ext cx="1125557" cy="1125557"/>
-          </a:xfrm>
-          <a:prstGeom prst="rect">
-            <a:avLst/>
-          </a:prstGeom>
-        </p:spPr>
-      </p:pic>
-    </p:spTree>
-    <p:extLst>
-      <p:ext uri="{BB962C8B-B14F-4D97-AF65-F5344CB8AC3E}">
-        <p14:creationId xmlns:p14="http://schemas.microsoft.com/office/powerpoint/2010/main" val="3070204084"/>
-      </p:ext>
-    </p:extLst>
-  </p:cSld>
-  <p:clrMapOvr>
-    <a:masterClrMapping/>
-  </p:clrMapOvr>
-</p:sld>
-</file>
-
-<file path=ppt/slides/slide15.xml><?xml version="1.0" encoding="utf-8"?>
-<p:sld xmlns:a="http://schemas.openxmlformats.org/drawingml/2006/main" xmlns:r="http://schemas.openxmlformats.org/officeDocument/2006/relationships" xmlns:p="http://schemas.openxmlformats.org/presentationml/2006/main">
-  <p:cSld>
-    <p:spTree>
-      <p:nvGrpSpPr>
-        <p:cNvPr id="1" name=""/>
-        <p:cNvGrpSpPr/>
-        <p:nvPr/>
-      </p:nvGrpSpPr>
-      <p:grpSpPr>
-        <a:xfrm>
-          <a:off x="0" y="0"/>
-          <a:ext cx="0" cy="0"/>
-          <a:chOff x="0" y="0"/>
-          <a:chExt cx="0" cy="0"/>
-        </a:xfrm>
-      </p:grpSpPr>
-      <p:sp>
-        <p:nvSpPr>
-          <p:cNvPr id="3" name="Text Placeholder 2">
-            <a:extLst>
-              <a:ext uri="{FF2B5EF4-FFF2-40B4-BE49-F238E27FC236}">
-                <a16:creationId xmlns:a16="http://schemas.microsoft.com/office/drawing/2014/main" id="{C02D07F7-B946-BB66-E6EA-DD92C38B1926}"/>
-              </a:ext>
-            </a:extLst>
-          </p:cNvPr>
-          <p:cNvSpPr>
-            <a:spLocks noGrp="1"/>
-          </p:cNvSpPr>
-          <p:nvPr>
-            <p:ph type="body" sz="quarter" idx="12"/>
-          </p:nvPr>
-        </p:nvSpPr>
-        <p:spPr>
-          <a:xfrm>
-            <a:off x="158671" y="3038483"/>
-            <a:ext cx="11562786" cy="584775"/>
-          </a:xfrm>
-        </p:spPr>
-        <p:txBody>
-          <a:bodyPr/>
-          <a:lstStyle/>
-          <a:p>
-            <a:r>
-              <a:rPr lang="en-US" sz="3200" dirty="0"/>
-              <a:t>Action Plan</a:t>
-            </a:r>
-            <a:endParaRPr lang="en-IN" sz="4000" dirty="0"/>
-          </a:p>
-        </p:txBody>
-      </p:sp>
-      <p:pic>
-        <p:nvPicPr>
-          <p:cNvPr id="4" name="Graphic 3" descr="Steps icon">
-            <a:extLst>
-              <a:ext uri="{FF2B5EF4-FFF2-40B4-BE49-F238E27FC236}">
-                <a16:creationId xmlns:a16="http://schemas.microsoft.com/office/drawing/2014/main" id="{B5F8A401-110E-E4BD-2FD5-DBD699116CE7}"/>
-              </a:ext>
-            </a:extLst>
-          </p:cNvPr>
-          <p:cNvPicPr>
-            <a:picLocks noChangeAspect="1"/>
-          </p:cNvPicPr>
-          <p:nvPr/>
-        </p:nvPicPr>
-        <p:blipFill>
-          <a:blip r:embed="rId2">
-            <a:extLst>
-              <a:ext uri="{28A0092B-C50C-407E-A947-70E740481C1C}">
-                <a14:useLocalDpi xmlns:a14="http://schemas.microsoft.com/office/drawing/2010/main" val="0"/>
-              </a:ext>
-              <a:ext uri="{96DAC541-7B7A-43D3-8B79-37D633B846F1}">
-                <asvg:svgBlip xmlns:asvg="http://schemas.microsoft.com/office/drawing/2016/SVG/main" r:embed="rId3"/>
-              </a:ext>
-            </a:extLst>
-          </a:blip>
-          <a:stretch>
-            <a:fillRect/>
-          </a:stretch>
-        </p:blipFill>
-        <p:spPr>
-          <a:xfrm>
-            <a:off x="10892471" y="2893076"/>
-            <a:ext cx="1049813" cy="1049813"/>
-          </a:xfrm>
-          <a:prstGeom prst="rect">
-            <a:avLst/>
-          </a:prstGeom>
-        </p:spPr>
-      </p:pic>
-    </p:spTree>
-    <p:extLst>
-      <p:ext uri="{BB962C8B-B14F-4D97-AF65-F5344CB8AC3E}">
-        <p14:creationId xmlns:p14="http://schemas.microsoft.com/office/powerpoint/2010/main" val="12943417"/>
-      </p:ext>
-    </p:extLst>
-  </p:cSld>
-  <p:clrMapOvr>
-    <a:masterClrMapping/>
-  </p:clrMapOvr>
-</p:sld>
-</file>
-
-<file path=ppt/slides/slide16.xml><?xml version="1.0" encoding="utf-8"?>
-<p:sld xmlns:a="http://schemas.openxmlformats.org/drawingml/2006/main" xmlns:r="http://schemas.openxmlformats.org/officeDocument/2006/relationships" xmlns:p="http://schemas.openxmlformats.org/presentationml/2006/main">
-  <p:cSld>
-    <p:spTree>
-      <p:nvGrpSpPr>
-        <p:cNvPr id="1" name=""/>
-        <p:cNvGrpSpPr/>
-        <p:nvPr/>
-      </p:nvGrpSpPr>
-      <p:grpSpPr>
-        <a:xfrm>
-          <a:off x="0" y="0"/>
-          <a:ext cx="0" cy="0"/>
-          <a:chOff x="0" y="0"/>
-          <a:chExt cx="0" cy="0"/>
-        </a:xfrm>
-      </p:grpSpPr>
-      <p:graphicFrame>
-        <p:nvGraphicFramePr>
-          <p:cNvPr id="7" name="think-cell data - do not delete" hidden="1">
-            <a:extLst>
-              <a:ext uri="{FF2B5EF4-FFF2-40B4-BE49-F238E27FC236}">
-                <a16:creationId xmlns:a16="http://schemas.microsoft.com/office/drawing/2014/main" id="{3583FF9E-539E-FE29-E73B-3EF7E093601C}"/>
-              </a:ext>
-            </a:extLst>
-          </p:cNvPr>
-          <p:cNvGraphicFramePr>
-            <a:graphicFrameLocks noChangeAspect="1"/>
-          </p:cNvGraphicFramePr>
-          <p:nvPr>
-            <p:custDataLst>
-              <p:tags r:id="rId1"/>
-            </p:custDataLst>
-            <p:extLst>
-              <p:ext uri="{D42A27DB-BD31-4B8C-83A1-F6EECF244321}">
-                <p14:modId xmlns:p14="http://schemas.microsoft.com/office/powerpoint/2010/main" val="546799642"/>
-              </p:ext>
-            </p:extLst>
-          </p:nvPr>
-        </p:nvGraphicFramePr>
-        <p:xfrm>
-          <a:off x="1588" y="1588"/>
-          <a:ext cx="1588" cy="1588"/>
-        </p:xfrm>
-        <a:graphic>
-          <a:graphicData uri="http://schemas.openxmlformats.org/presentationml/2006/ole">
-            <mc:AlternateContent xmlns:mc="http://schemas.openxmlformats.org/markup-compatibility/2006">
-              <mc:Choice xmlns:v="urn:schemas-microsoft-com:vml" Requires="v">
-                <p:oleObj name="think-cell Slide" r:id="rId3" imgW="395" imgH="394" progId="TCLayout.ActiveDocument.1">
-                  <p:embed/>
-                </p:oleObj>
-              </mc:Choice>
-              <mc:Fallback>
-                <p:oleObj name="think-cell Slide" r:id="rId3" imgW="395" imgH="394" progId="TCLayout.ActiveDocument.1">
-                  <p:embed/>
-                  <p:pic>
-                    <p:nvPicPr>
-                      <p:cNvPr id="7" name="think-cell data - do not delete" hidden="1">
-                        <a:extLst>
-                          <a:ext uri="{FF2B5EF4-FFF2-40B4-BE49-F238E27FC236}">
-                            <a16:creationId xmlns:a16="http://schemas.microsoft.com/office/drawing/2014/main" id="{3583FF9E-539E-FE29-E73B-3EF7E093601C}"/>
-                          </a:ext>
-                        </a:extLst>
-                      </p:cNvPr>
-                      <p:cNvPicPr/>
-                      <p:nvPr/>
-                    </p:nvPicPr>
-                    <p:blipFill>
-                      <a:blip r:embed="rId4"/>
-                      <a:stretch>
-                        <a:fillRect/>
-                      </a:stretch>
-                    </p:blipFill>
-                    <p:spPr>
-                      <a:xfrm>
-                        <a:off x="1588" y="1588"/>
-                        <a:ext cx="1588" cy="1588"/>
-                      </a:xfrm>
-                      <a:prstGeom prst="rect">
-                        <a:avLst/>
-                      </a:prstGeom>
-                    </p:spPr>
-                  </p:pic>
-                </p:oleObj>
-              </mc:Fallback>
-            </mc:AlternateContent>
-          </a:graphicData>
-        </a:graphic>
-      </p:graphicFrame>
-      <p:sp>
-        <p:nvSpPr>
-          <p:cNvPr id="10" name="Rectangle 9">
-            <a:extLst>
-              <a:ext uri="{FF2B5EF4-FFF2-40B4-BE49-F238E27FC236}">
-                <a16:creationId xmlns:a16="http://schemas.microsoft.com/office/drawing/2014/main" id="{8686D658-9330-BA20-4BC9-1E47EEC5B53D}"/>
-              </a:ext>
-            </a:extLst>
-          </p:cNvPr>
-          <p:cNvSpPr/>
-          <p:nvPr/>
-        </p:nvSpPr>
-        <p:spPr>
-          <a:xfrm>
-            <a:off x="10861040" y="0"/>
-            <a:ext cx="1330960" cy="1463040"/>
-          </a:xfrm>
-          <a:prstGeom prst="rect">
-            <a:avLst/>
-          </a:prstGeom>
-          <a:solidFill>
-            <a:srgbClr val="C00000"/>
-          </a:solidFill>
-          <a:ln>
-            <a:noFill/>
-          </a:ln>
-        </p:spPr>
-        <p:style>
-          <a:lnRef idx="2">
-            <a:schemeClr val="accent1">
-              <a:shade val="15000"/>
-            </a:schemeClr>
-          </a:lnRef>
-          <a:fillRef idx="1">
-            <a:schemeClr val="accent1"/>
-          </a:fillRef>
-          <a:effectRef idx="0">
-            <a:schemeClr val="accent1"/>
-          </a:effectRef>
-          <a:fontRef idx="minor">
-            <a:schemeClr val="lt1"/>
-          </a:fontRef>
-        </p:style>
-        <p:txBody>
-          <a:bodyPr rtlCol="0" anchor="ctr"/>
-          <a:lstStyle/>
-          <a:p>
-            <a:pPr algn="ctr"/>
-            <a:endParaRPr lang="en-IN"/>
-          </a:p>
-        </p:txBody>
-      </p:sp>
-      <p:sp>
-        <p:nvSpPr>
-          <p:cNvPr id="3" name="Title 2">
-            <a:extLst>
-              <a:ext uri="{FF2B5EF4-FFF2-40B4-BE49-F238E27FC236}">
-                <a16:creationId xmlns:a16="http://schemas.microsoft.com/office/drawing/2014/main" id="{CEA128C4-A0BC-A895-713C-306E7FF62894}"/>
-              </a:ext>
-            </a:extLst>
-          </p:cNvPr>
-          <p:cNvSpPr>
-            <a:spLocks noGrp="1"/>
-          </p:cNvSpPr>
-          <p:nvPr>
-            <p:ph type="title"/>
-          </p:nvPr>
-        </p:nvSpPr>
-        <p:spPr/>
-        <p:txBody>
-          <a:bodyPr vert="horz" anchor="ctr">
-            <a:noAutofit/>
-          </a:bodyPr>
-          <a:lstStyle/>
-          <a:p>
-            <a:r>
-              <a:rPr lang="en-US" b="1" dirty="0">
-                <a:effectLst>
-                  <a:outerShdw blurRad="38100" dist="38100" dir="2700000" algn="tl">
-                    <a:srgbClr val="000000">
-                      <a:alpha val="43137"/>
-                    </a:srgbClr>
-                  </a:outerShdw>
-                </a:effectLst>
-                <a:latin typeface="+mn-lt"/>
-                <a:cs typeface="+mj-cs"/>
-              </a:rPr>
-              <a:t>My Action Plan for this Week</a:t>
-            </a:r>
-            <a:endParaRPr lang="en-IN" sz="4000" i="1" u="sng" dirty="0">
-              <a:effectLst>
-                <a:outerShdw blurRad="38100" dist="38100" dir="2700000" algn="tl">
-                  <a:srgbClr val="000000">
-                    <a:alpha val="43137"/>
-                  </a:srgbClr>
-                </a:outerShdw>
-              </a:effectLst>
-              <a:highlight>
-                <a:srgbClr val="FF6600"/>
-              </a:highlight>
-            </a:endParaRPr>
-          </a:p>
-        </p:txBody>
-      </p:sp>
-      <p:sp>
-        <p:nvSpPr>
-          <p:cNvPr id="4" name="Slide Number Placeholder 3">
-            <a:extLst>
-              <a:ext uri="{FF2B5EF4-FFF2-40B4-BE49-F238E27FC236}">
-                <a16:creationId xmlns:a16="http://schemas.microsoft.com/office/drawing/2014/main" id="{82193751-E94F-32C7-DCCA-7D3244D279EA}"/>
-              </a:ext>
-            </a:extLst>
-          </p:cNvPr>
-          <p:cNvSpPr>
-            <a:spLocks noGrp="1"/>
-          </p:cNvSpPr>
-          <p:nvPr>
-            <p:ph type="sldNum" sz="quarter" idx="15"/>
-          </p:nvPr>
-        </p:nvSpPr>
-        <p:spPr/>
-        <p:txBody>
-          <a:bodyPr/>
-          <a:lstStyle/>
-          <a:p>
-            <a:fld id="{0879F475-59B1-4993-848A-C2B683DE9AF5}" type="slidenum">
-              <a:rPr lang="en-IN" smtClean="0"/>
-              <a:pPr/>
-              <a:t>16</a:t>
-            </a:fld>
-            <a:endParaRPr lang="en-IN" dirty="0"/>
-          </a:p>
-        </p:txBody>
-      </p:sp>
-      <p:pic>
-        <p:nvPicPr>
-          <p:cNvPr id="5" name="Graphic 4" descr="Steps icon">
-            <a:extLst>
-              <a:ext uri="{FF2B5EF4-FFF2-40B4-BE49-F238E27FC236}">
-                <a16:creationId xmlns:a16="http://schemas.microsoft.com/office/drawing/2014/main" id="{B5EEB56D-B388-3B36-90D7-E1D1797C4F6C}"/>
-              </a:ext>
-            </a:extLst>
-          </p:cNvPr>
-          <p:cNvPicPr>
-            <a:picLocks noChangeAspect="1"/>
-          </p:cNvPicPr>
-          <p:nvPr/>
-        </p:nvPicPr>
-        <p:blipFill>
-          <a:blip r:embed="rId5">
-            <a:extLst>
-              <a:ext uri="{28A0092B-C50C-407E-A947-70E740481C1C}">
-                <a14:useLocalDpi xmlns:a14="http://schemas.microsoft.com/office/drawing/2010/main" val="0"/>
-              </a:ext>
-              <a:ext uri="{96DAC541-7B7A-43D3-8B79-37D633B846F1}">
-                <asvg:svgBlip xmlns:asvg="http://schemas.microsoft.com/office/drawing/2016/SVG/main" r:embed="rId6"/>
-              </a:ext>
-            </a:extLst>
-          </a:blip>
-          <a:stretch>
-            <a:fillRect/>
-          </a:stretch>
-        </p:blipFill>
-        <p:spPr>
-          <a:xfrm>
-            <a:off x="11001613" y="206613"/>
-            <a:ext cx="1049813" cy="1049813"/>
-          </a:xfrm>
-          <a:prstGeom prst="rect">
-            <a:avLst/>
-          </a:prstGeom>
-        </p:spPr>
-      </p:pic>
-      <p:sp>
-        <p:nvSpPr>
-          <p:cNvPr id="18" name="Text Placeholder 25">
-            <a:extLst>
-              <a:ext uri="{FF2B5EF4-FFF2-40B4-BE49-F238E27FC236}">
-                <a16:creationId xmlns:a16="http://schemas.microsoft.com/office/drawing/2014/main" id="{6C73795A-BE20-7075-E9C6-6F145CE60794}"/>
-              </a:ext>
-            </a:extLst>
-          </p:cNvPr>
-          <p:cNvSpPr txBox="1">
-            <a:spLocks/>
-          </p:cNvSpPr>
-          <p:nvPr/>
-        </p:nvSpPr>
-        <p:spPr>
-          <a:xfrm>
-            <a:off x="825971" y="1963738"/>
-            <a:ext cx="3060802" cy="4330640"/>
-          </a:xfrm>
-          <a:prstGeom prst="rect">
-            <a:avLst/>
-          </a:prstGeom>
-          <a:solidFill>
-            <a:schemeClr val="bg1"/>
-          </a:solidFill>
-          <a:ln>
-            <a:noFill/>
-          </a:ln>
-          <a:effectLst>
-            <a:outerShdw blurRad="63500" sx="102000" sy="102000" algn="ctr" rotWithShape="0">
-              <a:prstClr val="black">
-                <a:alpha val="40000"/>
-              </a:prstClr>
-            </a:outerShdw>
-          </a:effectLst>
-        </p:spPr>
-        <p:txBody>
-          <a:bodyPr anchor="ctr">
-            <a:normAutofit/>
-          </a:bodyPr>
-          <a:lstStyle>
-            <a:lvl1pPr marL="228600" indent="-228600" algn="l" defTabSz="914400" rtl="0" eaLnBrk="1" latinLnBrk="0" hangingPunct="1">
-              <a:lnSpc>
-                <a:spcPct val="90000"/>
-              </a:lnSpc>
-              <a:spcBef>
-                <a:spcPts val="1000"/>
-              </a:spcBef>
-              <a:buFont typeface="Arial" panose="020B0604020202020204" pitchFamily="34" charset="0"/>
-              <a:buChar char="•"/>
-              <a:defRPr sz="1600" kern="1200">
-                <a:solidFill>
-                  <a:schemeClr val="tx1"/>
-                </a:solidFill>
-                <a:latin typeface="+mn-lt"/>
-                <a:ea typeface="+mn-ea"/>
-                <a:cs typeface="+mn-cs"/>
-              </a:defRPr>
-            </a:lvl1pPr>
-            <a:lvl2pPr marL="685800" indent="-228600" algn="l" defTabSz="914400" rtl="0" eaLnBrk="1" latinLnBrk="0" hangingPunct="1">
-              <a:lnSpc>
-                <a:spcPct val="90000"/>
-              </a:lnSpc>
-              <a:spcBef>
-                <a:spcPts val="500"/>
-              </a:spcBef>
-              <a:buFont typeface="Arial" panose="020B0604020202020204" pitchFamily="34" charset="0"/>
-              <a:buChar char="•"/>
-              <a:defRPr sz="1600" kern="1200">
-                <a:solidFill>
-                  <a:schemeClr val="tx1"/>
-                </a:solidFill>
-                <a:latin typeface="+mn-lt"/>
-                <a:ea typeface="+mn-ea"/>
-                <a:cs typeface="+mn-cs"/>
-              </a:defRPr>
-            </a:lvl2pPr>
-            <a:lvl3pPr marL="1143000" indent="-228600" algn="l" defTabSz="914400" rtl="0" eaLnBrk="1" latinLnBrk="0" hangingPunct="1">
-              <a:lnSpc>
-                <a:spcPct val="90000"/>
-              </a:lnSpc>
-              <a:spcBef>
-                <a:spcPts val="500"/>
-              </a:spcBef>
-              <a:buFont typeface="Arial" panose="020B0604020202020204" pitchFamily="34" charset="0"/>
-              <a:buChar char="•"/>
-              <a:defRPr sz="1600" kern="1200">
-                <a:solidFill>
-                  <a:schemeClr val="tx1"/>
-                </a:solidFill>
-                <a:latin typeface="+mn-lt"/>
-                <a:ea typeface="+mn-ea"/>
-                <a:cs typeface="+mn-cs"/>
-              </a:defRPr>
-            </a:lvl3pPr>
-            <a:lvl4pPr marL="1600200" indent="-228600" algn="l" defTabSz="914400" rtl="0" eaLnBrk="1" latinLnBrk="0" hangingPunct="1">
-              <a:lnSpc>
-                <a:spcPct val="90000"/>
-              </a:lnSpc>
-              <a:spcBef>
-                <a:spcPts val="500"/>
-              </a:spcBef>
-              <a:buFont typeface="Arial" panose="020B0604020202020204" pitchFamily="34" charset="0"/>
-              <a:buChar char="•"/>
-              <a:defRPr sz="1600" kern="1200">
-                <a:solidFill>
-                  <a:schemeClr val="tx1"/>
-                </a:solidFill>
-                <a:latin typeface="+mn-lt"/>
-                <a:ea typeface="+mn-ea"/>
-                <a:cs typeface="+mn-cs"/>
-              </a:defRPr>
-            </a:lvl4pPr>
-            <a:lvl5pPr marL="2057400" indent="-228600" algn="l" defTabSz="914400" rtl="0" eaLnBrk="1" latinLnBrk="0" hangingPunct="1">
-              <a:lnSpc>
-                <a:spcPct val="90000"/>
-              </a:lnSpc>
-              <a:spcBef>
-                <a:spcPts val="500"/>
-              </a:spcBef>
-              <a:buFont typeface="Arial" panose="020B0604020202020204" pitchFamily="34" charset="0"/>
-              <a:buChar char="•"/>
-              <a:defRPr sz="1600" kern="1200">
-                <a:solidFill>
-                  <a:schemeClr val="tx1"/>
-                </a:solidFill>
-                <a:latin typeface="+mn-lt"/>
-                <a:ea typeface="+mn-ea"/>
-                <a:cs typeface="+mn-cs"/>
-              </a:defRPr>
-            </a:lvl5pPr>
-            <a:lvl6pPr marL="2514600" indent="-228600" algn="l" defTabSz="914400" rtl="0" eaLnBrk="1" latinLnBrk="0" hangingPunct="1">
-              <a:lnSpc>
-                <a:spcPct val="90000"/>
-              </a:lnSpc>
-              <a:spcBef>
-                <a:spcPts val="500"/>
-              </a:spcBef>
-              <a:buFont typeface="Arial" panose="020B0604020202020204" pitchFamily="34" charset="0"/>
-              <a:buChar char="•"/>
-              <a:defRPr sz="1800" kern="1200">
-                <a:solidFill>
-                  <a:schemeClr val="tx1"/>
-                </a:solidFill>
-                <a:latin typeface="+mn-lt"/>
-                <a:ea typeface="+mn-ea"/>
-                <a:cs typeface="+mn-cs"/>
-              </a:defRPr>
-            </a:lvl6pPr>
-            <a:lvl7pPr marL="2971800" indent="-228600" algn="l" defTabSz="914400" rtl="0" eaLnBrk="1" latinLnBrk="0" hangingPunct="1">
-              <a:lnSpc>
-                <a:spcPct val="90000"/>
-              </a:lnSpc>
-              <a:spcBef>
-                <a:spcPts val="500"/>
-              </a:spcBef>
-              <a:buFont typeface="Arial" panose="020B0604020202020204" pitchFamily="34" charset="0"/>
-              <a:buChar char="•"/>
-              <a:defRPr sz="1800" kern="1200">
-                <a:solidFill>
-                  <a:schemeClr val="tx1"/>
-                </a:solidFill>
-                <a:latin typeface="+mn-lt"/>
-                <a:ea typeface="+mn-ea"/>
-                <a:cs typeface="+mn-cs"/>
-              </a:defRPr>
-            </a:lvl7pPr>
-            <a:lvl8pPr marL="3429000" indent="-228600" algn="l" defTabSz="914400" rtl="0" eaLnBrk="1" latinLnBrk="0" hangingPunct="1">
-              <a:lnSpc>
-                <a:spcPct val="90000"/>
-              </a:lnSpc>
-              <a:spcBef>
-                <a:spcPts val="500"/>
-              </a:spcBef>
-              <a:buFont typeface="Arial" panose="020B0604020202020204" pitchFamily="34" charset="0"/>
-              <a:buChar char="•"/>
-              <a:defRPr sz="1800" kern="1200">
-                <a:solidFill>
-                  <a:schemeClr val="tx1"/>
-                </a:solidFill>
-                <a:latin typeface="+mn-lt"/>
-                <a:ea typeface="+mn-ea"/>
-                <a:cs typeface="+mn-cs"/>
-              </a:defRPr>
-            </a:lvl8pPr>
-            <a:lvl9pPr marL="3886200" indent="-228600" algn="l" defTabSz="914400" rtl="0" eaLnBrk="1" latinLnBrk="0" hangingPunct="1">
-              <a:lnSpc>
-                <a:spcPct val="90000"/>
-              </a:lnSpc>
-              <a:spcBef>
-                <a:spcPts val="500"/>
-              </a:spcBef>
-              <a:buFont typeface="Arial" panose="020B0604020202020204" pitchFamily="34" charset="0"/>
-              <a:buChar char="•"/>
-              <a:defRPr sz="1800" kern="1200">
-                <a:solidFill>
-                  <a:schemeClr val="tx1"/>
-                </a:solidFill>
-                <a:latin typeface="+mn-lt"/>
-                <a:ea typeface="+mn-ea"/>
-                <a:cs typeface="+mn-cs"/>
-              </a:defRPr>
-            </a:lvl9pPr>
-          </a:lstStyle>
-          <a:p>
-            <a:pPr marL="0" indent="0" algn="ctr">
-              <a:buFont typeface="Arial" panose="020B0604020202020204" pitchFamily="34" charset="0"/>
-              <a:buNone/>
-            </a:pPr>
-            <a:r>
-              <a:rPr lang="en-US" sz="2000">
-                <a:effectLst>
-                  <a:outerShdw blurRad="38100" dist="38100" dir="2700000" algn="tl">
-                    <a:srgbClr val="000000">
-                      <a:alpha val="43137"/>
-                    </a:srgbClr>
-                  </a:outerShdw>
-                </a:effectLst>
-              </a:rPr>
-              <a:t>Details of actions planned for the new lrearning or overcoming the challenge</a:t>
-            </a:r>
-            <a:endParaRPr lang="en-US" sz="2000" dirty="0">
-              <a:effectLst>
-                <a:outerShdw blurRad="38100" dist="38100" dir="2700000" algn="tl">
-                  <a:srgbClr val="000000">
-                    <a:alpha val="43137"/>
-                  </a:srgbClr>
-                </a:outerShdw>
-              </a:effectLst>
-            </a:endParaRPr>
-          </a:p>
-        </p:txBody>
-      </p:sp>
-      <p:sp>
-        <p:nvSpPr>
-          <p:cNvPr id="19" name="Text Placeholder 32">
-            <a:extLst>
-              <a:ext uri="{FF2B5EF4-FFF2-40B4-BE49-F238E27FC236}">
-                <a16:creationId xmlns:a16="http://schemas.microsoft.com/office/drawing/2014/main" id="{A3E2F4D1-4417-E244-3DB9-A6FF5866A342}"/>
-              </a:ext>
-            </a:extLst>
-          </p:cNvPr>
-          <p:cNvSpPr txBox="1">
-            <a:spLocks/>
-          </p:cNvSpPr>
-          <p:nvPr/>
-        </p:nvSpPr>
-        <p:spPr>
-          <a:xfrm>
-            <a:off x="4104451" y="1950811"/>
-            <a:ext cx="3060802" cy="4330640"/>
-          </a:xfrm>
-          <a:prstGeom prst="rect">
-            <a:avLst/>
-          </a:prstGeom>
-          <a:solidFill>
-            <a:schemeClr val="bg1"/>
-          </a:solidFill>
-          <a:ln>
-            <a:noFill/>
-          </a:ln>
-          <a:effectLst>
-            <a:outerShdw blurRad="63500" sx="102000" sy="102000" algn="ctr" rotWithShape="0">
-              <a:prstClr val="black">
-                <a:alpha val="40000"/>
-              </a:prstClr>
-            </a:outerShdw>
-          </a:effectLst>
-        </p:spPr>
-        <p:txBody>
-          <a:bodyPr anchor="ctr">
-            <a:normAutofit/>
-          </a:bodyPr>
-          <a:lstStyle>
-            <a:lvl1pPr marL="228600" indent="-228600" algn="l" defTabSz="914400" rtl="0" eaLnBrk="1" latinLnBrk="0" hangingPunct="1">
-              <a:lnSpc>
-                <a:spcPct val="90000"/>
-              </a:lnSpc>
-              <a:spcBef>
-                <a:spcPts val="1000"/>
-              </a:spcBef>
-              <a:buFont typeface="Arial" panose="020B0604020202020204" pitchFamily="34" charset="0"/>
-              <a:buChar char="•"/>
-              <a:defRPr sz="1600" kern="1200">
-                <a:solidFill>
-                  <a:schemeClr val="tx1"/>
-                </a:solidFill>
-                <a:latin typeface="+mn-lt"/>
-                <a:ea typeface="+mn-ea"/>
-                <a:cs typeface="+mn-cs"/>
-              </a:defRPr>
-            </a:lvl1pPr>
-            <a:lvl2pPr marL="685800" indent="-228600" algn="l" defTabSz="914400" rtl="0" eaLnBrk="1" latinLnBrk="0" hangingPunct="1">
-              <a:lnSpc>
-                <a:spcPct val="90000"/>
-              </a:lnSpc>
-              <a:spcBef>
-                <a:spcPts val="500"/>
-              </a:spcBef>
-              <a:buFont typeface="Arial" panose="020B0604020202020204" pitchFamily="34" charset="0"/>
-              <a:buChar char="•"/>
-              <a:defRPr sz="1600" kern="1200">
-                <a:solidFill>
-                  <a:schemeClr val="tx1"/>
-                </a:solidFill>
-                <a:latin typeface="+mn-lt"/>
-                <a:ea typeface="+mn-ea"/>
-                <a:cs typeface="+mn-cs"/>
-              </a:defRPr>
-            </a:lvl2pPr>
-            <a:lvl3pPr marL="1143000" indent="-228600" algn="l" defTabSz="914400" rtl="0" eaLnBrk="1" latinLnBrk="0" hangingPunct="1">
-              <a:lnSpc>
-                <a:spcPct val="90000"/>
-              </a:lnSpc>
-              <a:spcBef>
-                <a:spcPts val="500"/>
-              </a:spcBef>
-              <a:buFont typeface="Arial" panose="020B0604020202020204" pitchFamily="34" charset="0"/>
-              <a:buChar char="•"/>
-              <a:defRPr sz="1600" kern="1200">
-                <a:solidFill>
-                  <a:schemeClr val="tx1"/>
-                </a:solidFill>
-                <a:latin typeface="+mn-lt"/>
-                <a:ea typeface="+mn-ea"/>
-                <a:cs typeface="+mn-cs"/>
-              </a:defRPr>
-            </a:lvl3pPr>
-            <a:lvl4pPr marL="1600200" indent="-228600" algn="l" defTabSz="914400" rtl="0" eaLnBrk="1" latinLnBrk="0" hangingPunct="1">
-              <a:lnSpc>
-                <a:spcPct val="90000"/>
-              </a:lnSpc>
-              <a:spcBef>
-                <a:spcPts val="500"/>
-              </a:spcBef>
-              <a:buFont typeface="Arial" panose="020B0604020202020204" pitchFamily="34" charset="0"/>
-              <a:buChar char="•"/>
-              <a:defRPr sz="1600" kern="1200">
-                <a:solidFill>
-                  <a:schemeClr val="tx1"/>
-                </a:solidFill>
-                <a:latin typeface="+mn-lt"/>
-                <a:ea typeface="+mn-ea"/>
-                <a:cs typeface="+mn-cs"/>
-              </a:defRPr>
-            </a:lvl4pPr>
-            <a:lvl5pPr marL="2057400" indent="-228600" algn="l" defTabSz="914400" rtl="0" eaLnBrk="1" latinLnBrk="0" hangingPunct="1">
-              <a:lnSpc>
-                <a:spcPct val="90000"/>
-              </a:lnSpc>
-              <a:spcBef>
-                <a:spcPts val="500"/>
-              </a:spcBef>
-              <a:buFont typeface="Arial" panose="020B0604020202020204" pitchFamily="34" charset="0"/>
-              <a:buChar char="•"/>
-              <a:defRPr sz="1600" kern="1200">
-                <a:solidFill>
-                  <a:schemeClr val="tx1"/>
-                </a:solidFill>
-                <a:latin typeface="+mn-lt"/>
-                <a:ea typeface="+mn-ea"/>
-                <a:cs typeface="+mn-cs"/>
-              </a:defRPr>
-            </a:lvl5pPr>
-            <a:lvl6pPr marL="2514600" indent="-228600" algn="l" defTabSz="914400" rtl="0" eaLnBrk="1" latinLnBrk="0" hangingPunct="1">
-              <a:lnSpc>
-                <a:spcPct val="90000"/>
-              </a:lnSpc>
-              <a:spcBef>
-                <a:spcPts val="500"/>
-              </a:spcBef>
-              <a:buFont typeface="Arial" panose="020B0604020202020204" pitchFamily="34" charset="0"/>
-              <a:buChar char="•"/>
-              <a:defRPr sz="1800" kern="1200">
-                <a:solidFill>
-                  <a:schemeClr val="tx1"/>
-                </a:solidFill>
-                <a:latin typeface="+mn-lt"/>
-                <a:ea typeface="+mn-ea"/>
-                <a:cs typeface="+mn-cs"/>
-              </a:defRPr>
-            </a:lvl6pPr>
-            <a:lvl7pPr marL="2971800" indent="-228600" algn="l" defTabSz="914400" rtl="0" eaLnBrk="1" latinLnBrk="0" hangingPunct="1">
-              <a:lnSpc>
-                <a:spcPct val="90000"/>
-              </a:lnSpc>
-              <a:spcBef>
-                <a:spcPts val="500"/>
-              </a:spcBef>
-              <a:buFont typeface="Arial" panose="020B0604020202020204" pitchFamily="34" charset="0"/>
-              <a:buChar char="•"/>
-              <a:defRPr sz="1800" kern="1200">
-                <a:solidFill>
-                  <a:schemeClr val="tx1"/>
-                </a:solidFill>
-                <a:latin typeface="+mn-lt"/>
-                <a:ea typeface="+mn-ea"/>
-                <a:cs typeface="+mn-cs"/>
-              </a:defRPr>
-            </a:lvl7pPr>
-            <a:lvl8pPr marL="3429000" indent="-228600" algn="l" defTabSz="914400" rtl="0" eaLnBrk="1" latinLnBrk="0" hangingPunct="1">
-              <a:lnSpc>
-                <a:spcPct val="90000"/>
-              </a:lnSpc>
-              <a:spcBef>
-                <a:spcPts val="500"/>
-              </a:spcBef>
-              <a:buFont typeface="Arial" panose="020B0604020202020204" pitchFamily="34" charset="0"/>
-              <a:buChar char="•"/>
-              <a:defRPr sz="1800" kern="1200">
-                <a:solidFill>
-                  <a:schemeClr val="tx1"/>
-                </a:solidFill>
-                <a:latin typeface="+mn-lt"/>
-                <a:ea typeface="+mn-ea"/>
-                <a:cs typeface="+mn-cs"/>
-              </a:defRPr>
-            </a:lvl8pPr>
-            <a:lvl9pPr marL="3886200" indent="-228600" algn="l" defTabSz="914400" rtl="0" eaLnBrk="1" latinLnBrk="0" hangingPunct="1">
-              <a:lnSpc>
-                <a:spcPct val="90000"/>
-              </a:lnSpc>
-              <a:spcBef>
-                <a:spcPts val="500"/>
-              </a:spcBef>
-              <a:buFont typeface="Arial" panose="020B0604020202020204" pitchFamily="34" charset="0"/>
-              <a:buChar char="•"/>
-              <a:defRPr sz="1800" kern="1200">
-                <a:solidFill>
-                  <a:schemeClr val="tx1"/>
-                </a:solidFill>
-                <a:latin typeface="+mn-lt"/>
-                <a:ea typeface="+mn-ea"/>
-                <a:cs typeface="+mn-cs"/>
-              </a:defRPr>
-            </a:lvl9pPr>
-          </a:lstStyle>
-          <a:p>
-            <a:pPr marL="0" indent="0" algn="ctr">
-              <a:buFont typeface="Arial" panose="020B0604020202020204" pitchFamily="34" charset="0"/>
-              <a:buNone/>
-            </a:pPr>
-            <a:r>
-              <a:rPr lang="en-US" sz="2000">
-                <a:effectLst>
-                  <a:outerShdw blurRad="38100" dist="38100" dir="2700000" algn="tl">
-                    <a:srgbClr val="000000">
-                      <a:alpha val="43137"/>
-                    </a:srgbClr>
-                  </a:outerShdw>
-                </a:effectLst>
-              </a:rPr>
-              <a:t>The planned timeline to implement the actions</a:t>
-            </a:r>
-            <a:endParaRPr lang="en-US" sz="2000" dirty="0">
-              <a:effectLst>
-                <a:outerShdw blurRad="38100" dist="38100" dir="2700000" algn="tl">
-                  <a:srgbClr val="000000">
-                    <a:alpha val="43137"/>
-                  </a:srgbClr>
-                </a:outerShdw>
-              </a:effectLst>
-            </a:endParaRPr>
-          </a:p>
-        </p:txBody>
-      </p:sp>
-      <p:sp>
-        <p:nvSpPr>
-          <p:cNvPr id="20" name="Text Placeholder 33">
-            <a:extLst>
-              <a:ext uri="{FF2B5EF4-FFF2-40B4-BE49-F238E27FC236}">
-                <a16:creationId xmlns:a16="http://schemas.microsoft.com/office/drawing/2014/main" id="{3EBEB0AC-D407-44FD-A74F-90F67F3D13C3}"/>
-              </a:ext>
-            </a:extLst>
-          </p:cNvPr>
-          <p:cNvSpPr txBox="1">
-            <a:spLocks/>
-          </p:cNvSpPr>
-          <p:nvPr/>
-        </p:nvSpPr>
-        <p:spPr>
-          <a:xfrm>
-            <a:off x="7379732" y="1945213"/>
-            <a:ext cx="3060802" cy="4330640"/>
-          </a:xfrm>
-          <a:prstGeom prst="rect">
-            <a:avLst/>
-          </a:prstGeom>
-          <a:solidFill>
-            <a:schemeClr val="bg1"/>
-          </a:solidFill>
-          <a:ln>
-            <a:noFill/>
-          </a:ln>
-          <a:effectLst>
-            <a:outerShdw blurRad="63500" sx="102000" sy="102000" algn="ctr" rotWithShape="0">
-              <a:prstClr val="black">
-                <a:alpha val="40000"/>
-              </a:prstClr>
-            </a:outerShdw>
-          </a:effectLst>
-        </p:spPr>
-        <p:txBody>
-          <a:bodyPr anchor="ctr">
-            <a:normAutofit/>
-          </a:bodyPr>
-          <a:lstStyle>
-            <a:lvl1pPr marL="228600" indent="-228600" algn="l" defTabSz="914400" rtl="0" eaLnBrk="1" latinLnBrk="0" hangingPunct="1">
-              <a:lnSpc>
-                <a:spcPct val="90000"/>
-              </a:lnSpc>
-              <a:spcBef>
-                <a:spcPts val="1000"/>
-              </a:spcBef>
-              <a:buFont typeface="Arial" panose="020B0604020202020204" pitchFamily="34" charset="0"/>
-              <a:buChar char="•"/>
-              <a:defRPr sz="1600" kern="1200">
-                <a:solidFill>
-                  <a:schemeClr val="tx1"/>
-                </a:solidFill>
-                <a:latin typeface="+mn-lt"/>
-                <a:ea typeface="+mn-ea"/>
-                <a:cs typeface="+mn-cs"/>
-              </a:defRPr>
-            </a:lvl1pPr>
-            <a:lvl2pPr marL="685800" indent="-228600" algn="l" defTabSz="914400" rtl="0" eaLnBrk="1" latinLnBrk="0" hangingPunct="1">
-              <a:lnSpc>
-                <a:spcPct val="90000"/>
-              </a:lnSpc>
-              <a:spcBef>
-                <a:spcPts val="500"/>
-              </a:spcBef>
-              <a:buFont typeface="Arial" panose="020B0604020202020204" pitchFamily="34" charset="0"/>
-              <a:buChar char="•"/>
-              <a:defRPr sz="1600" kern="1200">
-                <a:solidFill>
-                  <a:schemeClr val="tx1"/>
-                </a:solidFill>
-                <a:latin typeface="+mn-lt"/>
-                <a:ea typeface="+mn-ea"/>
-                <a:cs typeface="+mn-cs"/>
-              </a:defRPr>
-            </a:lvl2pPr>
-            <a:lvl3pPr marL="1143000" indent="-228600" algn="l" defTabSz="914400" rtl="0" eaLnBrk="1" latinLnBrk="0" hangingPunct="1">
-              <a:lnSpc>
-                <a:spcPct val="90000"/>
-              </a:lnSpc>
-              <a:spcBef>
-                <a:spcPts val="500"/>
-              </a:spcBef>
-              <a:buFont typeface="Arial" panose="020B0604020202020204" pitchFamily="34" charset="0"/>
-              <a:buChar char="•"/>
-              <a:defRPr sz="1600" kern="1200">
-                <a:solidFill>
-                  <a:schemeClr val="tx1"/>
-                </a:solidFill>
-                <a:latin typeface="+mn-lt"/>
-                <a:ea typeface="+mn-ea"/>
-                <a:cs typeface="+mn-cs"/>
-              </a:defRPr>
-            </a:lvl3pPr>
-            <a:lvl4pPr marL="1600200" indent="-228600" algn="l" defTabSz="914400" rtl="0" eaLnBrk="1" latinLnBrk="0" hangingPunct="1">
-              <a:lnSpc>
-                <a:spcPct val="90000"/>
-              </a:lnSpc>
-              <a:spcBef>
-                <a:spcPts val="500"/>
-              </a:spcBef>
-              <a:buFont typeface="Arial" panose="020B0604020202020204" pitchFamily="34" charset="0"/>
-              <a:buChar char="•"/>
-              <a:defRPr sz="1600" kern="1200">
-                <a:solidFill>
-                  <a:schemeClr val="tx1"/>
-                </a:solidFill>
-                <a:latin typeface="+mn-lt"/>
-                <a:ea typeface="+mn-ea"/>
-                <a:cs typeface="+mn-cs"/>
-              </a:defRPr>
-            </a:lvl4pPr>
-            <a:lvl5pPr marL="2057400" indent="-228600" algn="l" defTabSz="914400" rtl="0" eaLnBrk="1" latinLnBrk="0" hangingPunct="1">
-              <a:lnSpc>
-                <a:spcPct val="90000"/>
-              </a:lnSpc>
-              <a:spcBef>
-                <a:spcPts val="500"/>
-              </a:spcBef>
-              <a:buFont typeface="Arial" panose="020B0604020202020204" pitchFamily="34" charset="0"/>
-              <a:buChar char="•"/>
-              <a:defRPr sz="1600" kern="1200">
-                <a:solidFill>
-                  <a:schemeClr val="tx1"/>
-                </a:solidFill>
-                <a:latin typeface="+mn-lt"/>
-                <a:ea typeface="+mn-ea"/>
-                <a:cs typeface="+mn-cs"/>
-              </a:defRPr>
-            </a:lvl5pPr>
-            <a:lvl6pPr marL="2514600" indent="-228600" algn="l" defTabSz="914400" rtl="0" eaLnBrk="1" latinLnBrk="0" hangingPunct="1">
-              <a:lnSpc>
-                <a:spcPct val="90000"/>
-              </a:lnSpc>
-              <a:spcBef>
-                <a:spcPts val="500"/>
-              </a:spcBef>
-              <a:buFont typeface="Arial" panose="020B0604020202020204" pitchFamily="34" charset="0"/>
-              <a:buChar char="•"/>
-              <a:defRPr sz="1800" kern="1200">
-                <a:solidFill>
-                  <a:schemeClr val="tx1"/>
-                </a:solidFill>
-                <a:latin typeface="+mn-lt"/>
-                <a:ea typeface="+mn-ea"/>
-                <a:cs typeface="+mn-cs"/>
-              </a:defRPr>
-            </a:lvl6pPr>
-            <a:lvl7pPr marL="2971800" indent="-228600" algn="l" defTabSz="914400" rtl="0" eaLnBrk="1" latinLnBrk="0" hangingPunct="1">
-              <a:lnSpc>
-                <a:spcPct val="90000"/>
-              </a:lnSpc>
-              <a:spcBef>
-                <a:spcPts val="500"/>
-              </a:spcBef>
-              <a:buFont typeface="Arial" panose="020B0604020202020204" pitchFamily="34" charset="0"/>
-              <a:buChar char="•"/>
-              <a:defRPr sz="1800" kern="1200">
-                <a:solidFill>
-                  <a:schemeClr val="tx1"/>
-                </a:solidFill>
-                <a:latin typeface="+mn-lt"/>
-                <a:ea typeface="+mn-ea"/>
-                <a:cs typeface="+mn-cs"/>
-              </a:defRPr>
-            </a:lvl7pPr>
-            <a:lvl8pPr marL="3429000" indent="-228600" algn="l" defTabSz="914400" rtl="0" eaLnBrk="1" latinLnBrk="0" hangingPunct="1">
-              <a:lnSpc>
-                <a:spcPct val="90000"/>
-              </a:lnSpc>
-              <a:spcBef>
-                <a:spcPts val="500"/>
-              </a:spcBef>
-              <a:buFont typeface="Arial" panose="020B0604020202020204" pitchFamily="34" charset="0"/>
-              <a:buChar char="•"/>
-              <a:defRPr sz="1800" kern="1200">
-                <a:solidFill>
-                  <a:schemeClr val="tx1"/>
-                </a:solidFill>
-                <a:latin typeface="+mn-lt"/>
-                <a:ea typeface="+mn-ea"/>
-                <a:cs typeface="+mn-cs"/>
-              </a:defRPr>
-            </a:lvl8pPr>
-            <a:lvl9pPr marL="3886200" indent="-228600" algn="l" defTabSz="914400" rtl="0" eaLnBrk="1" latinLnBrk="0" hangingPunct="1">
-              <a:lnSpc>
-                <a:spcPct val="90000"/>
-              </a:lnSpc>
-              <a:spcBef>
-                <a:spcPts val="500"/>
-              </a:spcBef>
-              <a:buFont typeface="Arial" panose="020B0604020202020204" pitchFamily="34" charset="0"/>
-              <a:buChar char="•"/>
-              <a:defRPr sz="1800" kern="1200">
-                <a:solidFill>
-                  <a:schemeClr val="tx1"/>
-                </a:solidFill>
-                <a:latin typeface="+mn-lt"/>
-                <a:ea typeface="+mn-ea"/>
-                <a:cs typeface="+mn-cs"/>
-              </a:defRPr>
-            </a:lvl9pPr>
-          </a:lstStyle>
-          <a:p>
-            <a:pPr marL="0" indent="0" algn="ctr">
-              <a:buFont typeface="Arial" panose="020B0604020202020204" pitchFamily="34" charset="0"/>
-              <a:buNone/>
-            </a:pPr>
-            <a:r>
-              <a:rPr lang="en-US" sz="2000">
-                <a:effectLst>
-                  <a:outerShdw blurRad="38100" dist="38100" dir="2700000" algn="tl">
-                    <a:srgbClr val="000000">
-                      <a:alpha val="43137"/>
-                    </a:srgbClr>
-                  </a:outerShdw>
-                </a:effectLst>
-              </a:rPr>
-              <a:t>Status of the same by the end of the week</a:t>
-            </a:r>
-            <a:endParaRPr lang="en-US" sz="2000" dirty="0">
-              <a:effectLst>
-                <a:outerShdw blurRad="38100" dist="38100" dir="2700000" algn="tl">
-                  <a:srgbClr val="000000">
-                    <a:alpha val="43137"/>
-                  </a:srgbClr>
-                </a:outerShdw>
-              </a:effectLst>
-            </a:endParaRPr>
-          </a:p>
-        </p:txBody>
-      </p:sp>
-      <p:sp>
-        <p:nvSpPr>
-          <p:cNvPr id="21" name="Rectangle 20">
-            <a:extLst>
-              <a:ext uri="{FF2B5EF4-FFF2-40B4-BE49-F238E27FC236}">
-                <a16:creationId xmlns:a16="http://schemas.microsoft.com/office/drawing/2014/main" id="{DF8FD767-7EE2-8BA3-9320-45A7293391FF}"/>
-              </a:ext>
-            </a:extLst>
-          </p:cNvPr>
-          <p:cNvSpPr/>
-          <p:nvPr/>
-        </p:nvSpPr>
-        <p:spPr>
-          <a:xfrm>
-            <a:off x="825971" y="1256426"/>
-            <a:ext cx="3060802" cy="613014"/>
-          </a:xfrm>
-          <a:prstGeom prst="rect">
-            <a:avLst/>
-          </a:prstGeom>
-          <a:solidFill>
-            <a:schemeClr val="tx1"/>
-          </a:solidFill>
-          <a:effectLst>
-            <a:outerShdw blurRad="63500" sx="102000" sy="102000" algn="ctr" rotWithShape="0">
-              <a:prstClr val="black">
-                <a:alpha val="40000"/>
-              </a:prstClr>
-            </a:outerShdw>
-          </a:effectLst>
-        </p:spPr>
-        <p:style>
-          <a:lnRef idx="2">
-            <a:schemeClr val="accent1">
-              <a:shade val="15000"/>
-            </a:schemeClr>
-          </a:lnRef>
-          <a:fillRef idx="1">
-            <a:schemeClr val="accent1"/>
-          </a:fillRef>
-          <a:effectRef idx="0">
-            <a:schemeClr val="accent1"/>
-          </a:effectRef>
-          <a:fontRef idx="minor">
-            <a:schemeClr val="lt1"/>
-          </a:fontRef>
-        </p:style>
-        <p:txBody>
-          <a:bodyPr rtlCol="0" anchor="ctr"/>
-          <a:lstStyle/>
-          <a:p>
-            <a:pPr algn="ctr"/>
-            <a:r>
-              <a:rPr lang="en-IN" sz="2000" b="1" dirty="0"/>
-              <a:t>Actions</a:t>
-            </a:r>
-          </a:p>
-        </p:txBody>
-      </p:sp>
-      <p:sp>
-        <p:nvSpPr>
-          <p:cNvPr id="22" name="Rectangle 21">
-            <a:extLst>
-              <a:ext uri="{FF2B5EF4-FFF2-40B4-BE49-F238E27FC236}">
-                <a16:creationId xmlns:a16="http://schemas.microsoft.com/office/drawing/2014/main" id="{9289516E-B769-4A13-DD90-39AC62DED9BD}"/>
-              </a:ext>
-            </a:extLst>
-          </p:cNvPr>
-          <p:cNvSpPr/>
-          <p:nvPr/>
-        </p:nvSpPr>
-        <p:spPr>
-          <a:xfrm>
-            <a:off x="4104451" y="1256426"/>
-            <a:ext cx="3060802" cy="613014"/>
-          </a:xfrm>
-          <a:prstGeom prst="rect">
-            <a:avLst/>
-          </a:prstGeom>
-          <a:solidFill>
-            <a:schemeClr val="tx1"/>
-          </a:solidFill>
-          <a:effectLst>
-            <a:outerShdw blurRad="63500" sx="102000" sy="102000" algn="ctr" rotWithShape="0">
-              <a:prstClr val="black">
-                <a:alpha val="40000"/>
-              </a:prstClr>
-            </a:outerShdw>
-          </a:effectLst>
-        </p:spPr>
-        <p:style>
-          <a:lnRef idx="2">
-            <a:schemeClr val="accent1">
-              <a:shade val="15000"/>
-            </a:schemeClr>
-          </a:lnRef>
-          <a:fillRef idx="1">
-            <a:schemeClr val="accent1"/>
-          </a:fillRef>
-          <a:effectRef idx="0">
-            <a:schemeClr val="accent1"/>
-          </a:effectRef>
-          <a:fontRef idx="minor">
-            <a:schemeClr val="lt1"/>
-          </a:fontRef>
-        </p:style>
-        <p:txBody>
-          <a:bodyPr rtlCol="0" anchor="ctr"/>
-          <a:lstStyle/>
-          <a:p>
-            <a:pPr algn="ctr"/>
-            <a:r>
-              <a:rPr lang="en-IN" sz="2000" b="1" dirty="0"/>
-              <a:t>Timeline</a:t>
-            </a:r>
-          </a:p>
-        </p:txBody>
-      </p:sp>
-      <p:sp>
-        <p:nvSpPr>
-          <p:cNvPr id="23" name="Rectangle 22">
-            <a:extLst>
-              <a:ext uri="{FF2B5EF4-FFF2-40B4-BE49-F238E27FC236}">
-                <a16:creationId xmlns:a16="http://schemas.microsoft.com/office/drawing/2014/main" id="{4461DDA7-0DFB-87EE-DF38-AA6219713C1B}"/>
-              </a:ext>
-            </a:extLst>
-          </p:cNvPr>
-          <p:cNvSpPr/>
-          <p:nvPr/>
-        </p:nvSpPr>
-        <p:spPr>
-          <a:xfrm>
-            <a:off x="7379732" y="1250646"/>
-            <a:ext cx="3060802" cy="613014"/>
-          </a:xfrm>
-          <a:prstGeom prst="rect">
-            <a:avLst/>
-          </a:prstGeom>
-          <a:solidFill>
-            <a:schemeClr val="tx1"/>
-          </a:solidFill>
-          <a:effectLst>
-            <a:outerShdw blurRad="63500" sx="102000" sy="102000" algn="ctr" rotWithShape="0">
-              <a:prstClr val="black">
-                <a:alpha val="40000"/>
-              </a:prstClr>
-            </a:outerShdw>
-          </a:effectLst>
-        </p:spPr>
-        <p:style>
-          <a:lnRef idx="2">
-            <a:schemeClr val="accent1">
-              <a:shade val="15000"/>
-            </a:schemeClr>
-          </a:lnRef>
-          <a:fillRef idx="1">
-            <a:schemeClr val="accent1"/>
-          </a:fillRef>
-          <a:effectRef idx="0">
-            <a:schemeClr val="accent1"/>
-          </a:effectRef>
-          <a:fontRef idx="minor">
-            <a:schemeClr val="lt1"/>
-          </a:fontRef>
-        </p:style>
-        <p:txBody>
-          <a:bodyPr rtlCol="0" anchor="ctr"/>
-          <a:lstStyle/>
-          <a:p>
-            <a:pPr algn="ctr"/>
-            <a:r>
-              <a:rPr lang="en-IN" sz="2000" b="1" dirty="0"/>
-              <a:t>Status</a:t>
-            </a:r>
-          </a:p>
-        </p:txBody>
-      </p:sp>
-      <p:grpSp>
-        <p:nvGrpSpPr>
-          <p:cNvPr id="24" name="Group 23" descr="thumbs up icon">
-            <a:extLst>
-              <a:ext uri="{FF2B5EF4-FFF2-40B4-BE49-F238E27FC236}">
-                <a16:creationId xmlns:a16="http://schemas.microsoft.com/office/drawing/2014/main" id="{DCA04876-65F9-DDA2-9E8E-9D570857B2A5}"/>
-              </a:ext>
-            </a:extLst>
-          </p:cNvPr>
-          <p:cNvGrpSpPr/>
-          <p:nvPr/>
-        </p:nvGrpSpPr>
-        <p:grpSpPr>
-          <a:xfrm>
-            <a:off x="10965805" y="2219370"/>
-            <a:ext cx="823913" cy="823913"/>
-            <a:chOff x="744537" y="2086166"/>
-            <a:chExt cx="823913" cy="823913"/>
-          </a:xfrm>
-          <a:solidFill>
-            <a:schemeClr val="bg1"/>
-          </a:solidFill>
-        </p:grpSpPr>
-        <p:sp>
-          <p:nvSpPr>
-            <p:cNvPr id="25" name="Oval 68">
-              <a:extLst>
-                <a:ext uri="{FF2B5EF4-FFF2-40B4-BE49-F238E27FC236}">
-                  <a16:creationId xmlns:a16="http://schemas.microsoft.com/office/drawing/2014/main" id="{3A38CCAC-78C9-81D4-1E36-CB51C7166169}"/>
-                </a:ext>
-              </a:extLst>
-            </p:cNvPr>
-            <p:cNvSpPr>
-              <a:spLocks noChangeArrowheads="1"/>
-            </p:cNvSpPr>
-            <p:nvPr/>
-          </p:nvSpPr>
-          <p:spPr bwMode="auto">
-            <a:xfrm>
-              <a:off x="744537" y="2086166"/>
-              <a:ext cx="823913" cy="823913"/>
-            </a:xfrm>
-            <a:prstGeom prst="ellipse">
-              <a:avLst/>
-            </a:prstGeom>
-            <a:grpFill/>
-            <a:ln>
-              <a:noFill/>
-            </a:ln>
-            <a:extLst>
-              <a:ext uri="{91240B29-F687-4F45-9708-019B960494DF}">
-                <a14:hiddenLine xmlns:a14="http://schemas.microsoft.com/office/drawing/2010/main" w="57150">
-                  <a:solidFill>
-                    <a:srgbClr val="000000"/>
-                  </a:solidFill>
-                  <a:round/>
-                  <a:headEnd/>
-                  <a:tailEnd/>
-                </a14:hiddenLine>
-              </a:ext>
-            </a:extLst>
-          </p:spPr>
-          <p:txBody>
-            <a:bodyPr/>
-            <a:lstStyle>
-              <a:lvl1pPr>
-                <a:defRPr>
-                  <a:solidFill>
-                    <a:schemeClr val="tx1"/>
-                  </a:solidFill>
-                  <a:latin typeface="Open Sans Light" pitchFamily="34" charset="0"/>
-                </a:defRPr>
-              </a:lvl1pPr>
-              <a:lvl2pPr marL="742950" indent="-285750">
-                <a:defRPr>
-                  <a:solidFill>
-                    <a:schemeClr val="tx1"/>
-                  </a:solidFill>
-                  <a:latin typeface="Open Sans Light" pitchFamily="34" charset="0"/>
-                </a:defRPr>
-              </a:lvl2pPr>
-              <a:lvl3pPr marL="1143000" indent="-228600">
-                <a:defRPr>
-                  <a:solidFill>
-                    <a:schemeClr val="tx1"/>
-                  </a:solidFill>
-                  <a:latin typeface="Open Sans Light" pitchFamily="34" charset="0"/>
-                </a:defRPr>
-              </a:lvl3pPr>
-              <a:lvl4pPr marL="1600200" indent="-228600">
-                <a:defRPr>
-                  <a:solidFill>
-                    <a:schemeClr val="tx1"/>
-                  </a:solidFill>
-                  <a:latin typeface="Open Sans Light" pitchFamily="34" charset="0"/>
-                </a:defRPr>
-              </a:lvl4pPr>
-              <a:lvl5pPr marL="2057400" indent="-228600">
-                <a:defRPr>
-                  <a:solidFill>
-                    <a:schemeClr val="tx1"/>
-                  </a:solidFill>
-                  <a:latin typeface="Open Sans Light" pitchFamily="34" charset="0"/>
-                </a:defRPr>
-              </a:lvl5pPr>
-              <a:lvl6pPr marL="2514600" indent="-228600" fontAlgn="base">
-                <a:spcBef>
-                  <a:spcPct val="0"/>
-                </a:spcBef>
-                <a:spcAft>
-                  <a:spcPct val="0"/>
-                </a:spcAft>
-                <a:defRPr>
-                  <a:solidFill>
-                    <a:schemeClr val="tx1"/>
-                  </a:solidFill>
-                  <a:latin typeface="Open Sans Light" pitchFamily="34" charset="0"/>
-                </a:defRPr>
-              </a:lvl6pPr>
-              <a:lvl7pPr marL="2971800" indent="-228600" fontAlgn="base">
-                <a:spcBef>
-                  <a:spcPct val="0"/>
-                </a:spcBef>
-                <a:spcAft>
-                  <a:spcPct val="0"/>
-                </a:spcAft>
-                <a:defRPr>
-                  <a:solidFill>
-                    <a:schemeClr val="tx1"/>
-                  </a:solidFill>
-                  <a:latin typeface="Open Sans Light" pitchFamily="34" charset="0"/>
-                </a:defRPr>
-              </a:lvl7pPr>
-              <a:lvl8pPr marL="3429000" indent="-228600" fontAlgn="base">
-                <a:spcBef>
-                  <a:spcPct val="0"/>
-                </a:spcBef>
-                <a:spcAft>
-                  <a:spcPct val="0"/>
-                </a:spcAft>
-                <a:defRPr>
-                  <a:solidFill>
-                    <a:schemeClr val="tx1"/>
-                  </a:solidFill>
-                  <a:latin typeface="Open Sans Light" pitchFamily="34" charset="0"/>
-                </a:defRPr>
-              </a:lvl8pPr>
-              <a:lvl9pPr marL="3886200" indent="-228600" fontAlgn="base">
-                <a:spcBef>
-                  <a:spcPct val="0"/>
-                </a:spcBef>
-                <a:spcAft>
-                  <a:spcPct val="0"/>
-                </a:spcAft>
-                <a:defRPr>
-                  <a:solidFill>
-                    <a:schemeClr val="tx1"/>
-                  </a:solidFill>
-                  <a:latin typeface="Open Sans Light" pitchFamily="34" charset="0"/>
-                </a:defRPr>
-              </a:lvl9pPr>
-            </a:lstStyle>
-            <a:p>
-              <a:pPr eaLnBrk="1" hangingPunct="1"/>
-              <a:endParaRPr lang="en-US" altLang="en-US" dirty="0"/>
-            </a:p>
-          </p:txBody>
-        </p:sp>
-        <p:sp>
-          <p:nvSpPr>
-            <p:cNvPr id="26" name="Freeform 65">
-              <a:extLst>
-                <a:ext uri="{FF2B5EF4-FFF2-40B4-BE49-F238E27FC236}">
-                  <a16:creationId xmlns:a16="http://schemas.microsoft.com/office/drawing/2014/main" id="{E083201A-5603-E7AE-C4E0-0A003C89B464}"/>
-                </a:ext>
-              </a:extLst>
-            </p:cNvPr>
-            <p:cNvSpPr>
-              <a:spLocks noEditPoints="1"/>
-            </p:cNvSpPr>
-            <p:nvPr/>
-          </p:nvSpPr>
-          <p:spPr bwMode="auto">
-            <a:xfrm>
-              <a:off x="984536" y="2278488"/>
-              <a:ext cx="358468" cy="351052"/>
-            </a:xfrm>
-            <a:custGeom>
-              <a:avLst/>
-              <a:gdLst>
-                <a:gd name="T0" fmla="*/ 358468 w 188"/>
-                <a:gd name="T1" fmla="*/ 181250 h 184"/>
-                <a:gd name="T2" fmla="*/ 257411 w 188"/>
-                <a:gd name="T3" fmla="*/ 135460 h 184"/>
-                <a:gd name="T4" fmla="*/ 257411 w 188"/>
-                <a:gd name="T5" fmla="*/ 125921 h 184"/>
-                <a:gd name="T6" fmla="*/ 286012 w 188"/>
-                <a:gd name="T7" fmla="*/ 70592 h 184"/>
-                <a:gd name="T8" fmla="*/ 263131 w 188"/>
-                <a:gd name="T9" fmla="*/ 5724 h 184"/>
-                <a:gd name="T10" fmla="*/ 226903 w 188"/>
-                <a:gd name="T11" fmla="*/ 34342 h 184"/>
-                <a:gd name="T12" fmla="*/ 179234 w 188"/>
-                <a:gd name="T13" fmla="*/ 104934 h 184"/>
-                <a:gd name="T14" fmla="*/ 133472 w 188"/>
-                <a:gd name="T15" fmla="*/ 175526 h 184"/>
-                <a:gd name="T16" fmla="*/ 97244 w 188"/>
-                <a:gd name="T17" fmla="*/ 160263 h 184"/>
-                <a:gd name="T18" fmla="*/ 0 w 188"/>
-                <a:gd name="T19" fmla="*/ 177434 h 184"/>
-                <a:gd name="T20" fmla="*/ 17161 w 188"/>
-                <a:gd name="T21" fmla="*/ 351052 h 184"/>
-                <a:gd name="T22" fmla="*/ 114405 w 188"/>
-                <a:gd name="T23" fmla="*/ 337697 h 184"/>
-                <a:gd name="T24" fmla="*/ 139192 w 188"/>
-                <a:gd name="T25" fmla="*/ 351052 h 184"/>
-                <a:gd name="T26" fmla="*/ 143006 w 188"/>
-                <a:gd name="T27" fmla="*/ 351052 h 184"/>
-                <a:gd name="T28" fmla="*/ 299359 w 188"/>
-                <a:gd name="T29" fmla="*/ 351052 h 184"/>
-                <a:gd name="T30" fmla="*/ 333680 w 188"/>
-                <a:gd name="T31" fmla="*/ 307171 h 184"/>
-                <a:gd name="T32" fmla="*/ 343214 w 188"/>
-                <a:gd name="T33" fmla="*/ 257565 h 184"/>
-                <a:gd name="T34" fmla="*/ 348934 w 188"/>
-                <a:gd name="T35" fmla="*/ 206052 h 184"/>
-                <a:gd name="T36" fmla="*/ 97244 w 188"/>
-                <a:gd name="T37" fmla="*/ 335789 h 184"/>
-                <a:gd name="T38" fmla="*/ 15254 w 188"/>
-                <a:gd name="T39" fmla="*/ 333881 h 184"/>
-                <a:gd name="T40" fmla="*/ 17161 w 188"/>
-                <a:gd name="T41" fmla="*/ 175526 h 184"/>
-                <a:gd name="T42" fmla="*/ 99151 w 188"/>
-                <a:gd name="T43" fmla="*/ 177434 h 184"/>
-                <a:gd name="T44" fmla="*/ 335587 w 188"/>
-                <a:gd name="T45" fmla="*/ 198421 h 184"/>
-                <a:gd name="T46" fmla="*/ 333680 w 188"/>
-                <a:gd name="T47" fmla="*/ 209868 h 184"/>
-                <a:gd name="T48" fmla="*/ 329867 w 188"/>
-                <a:gd name="T49" fmla="*/ 249934 h 184"/>
-                <a:gd name="T50" fmla="*/ 327960 w 188"/>
-                <a:gd name="T51" fmla="*/ 261381 h 184"/>
-                <a:gd name="T52" fmla="*/ 320333 w 188"/>
-                <a:gd name="T53" fmla="*/ 297631 h 184"/>
-                <a:gd name="T54" fmla="*/ 318426 w 188"/>
-                <a:gd name="T55" fmla="*/ 307171 h 184"/>
-                <a:gd name="T56" fmla="*/ 299359 w 188"/>
-                <a:gd name="T57" fmla="*/ 335789 h 184"/>
-                <a:gd name="T58" fmla="*/ 133472 w 188"/>
-                <a:gd name="T59" fmla="*/ 330065 h 184"/>
-                <a:gd name="T60" fmla="*/ 114405 w 188"/>
-                <a:gd name="T61" fmla="*/ 190789 h 184"/>
-                <a:gd name="T62" fmla="*/ 137286 w 188"/>
-                <a:gd name="T63" fmla="*/ 190789 h 184"/>
-                <a:gd name="T64" fmla="*/ 169700 w 188"/>
-                <a:gd name="T65" fmla="*/ 152631 h 184"/>
-                <a:gd name="T66" fmla="*/ 192581 w 188"/>
-                <a:gd name="T67" fmla="*/ 112566 h 184"/>
-                <a:gd name="T68" fmla="*/ 247877 w 188"/>
-                <a:gd name="T69" fmla="*/ 19079 h 184"/>
-                <a:gd name="T70" fmla="*/ 272664 w 188"/>
-                <a:gd name="T71" fmla="*/ 66776 h 184"/>
-                <a:gd name="T72" fmla="*/ 244063 w 188"/>
-                <a:gd name="T73" fmla="*/ 145000 h 184"/>
-                <a:gd name="T74" fmla="*/ 308893 w 188"/>
-                <a:gd name="T75" fmla="*/ 150723 h 184"/>
-                <a:gd name="T76" fmla="*/ 335587 w 188"/>
-                <a:gd name="T77" fmla="*/ 198421 h 184"/>
-                <a:gd name="T78" fmla="*/ 0 60000 65536"/>
-                <a:gd name="T79" fmla="*/ 0 60000 65536"/>
-                <a:gd name="T80" fmla="*/ 0 60000 65536"/>
-                <a:gd name="T81" fmla="*/ 0 60000 65536"/>
-                <a:gd name="T82" fmla="*/ 0 60000 65536"/>
-                <a:gd name="T83" fmla="*/ 0 60000 65536"/>
-                <a:gd name="T84" fmla="*/ 0 60000 65536"/>
-                <a:gd name="T85" fmla="*/ 0 60000 65536"/>
-                <a:gd name="T86" fmla="*/ 0 60000 65536"/>
-                <a:gd name="T87" fmla="*/ 0 60000 65536"/>
-                <a:gd name="T88" fmla="*/ 0 60000 65536"/>
-                <a:gd name="T89" fmla="*/ 0 60000 65536"/>
-                <a:gd name="T90" fmla="*/ 0 60000 65536"/>
-                <a:gd name="T91" fmla="*/ 0 60000 65536"/>
-                <a:gd name="T92" fmla="*/ 0 60000 65536"/>
-                <a:gd name="T93" fmla="*/ 0 60000 65536"/>
-                <a:gd name="T94" fmla="*/ 0 60000 65536"/>
-                <a:gd name="T95" fmla="*/ 0 60000 65536"/>
-                <a:gd name="T96" fmla="*/ 0 60000 65536"/>
-                <a:gd name="T97" fmla="*/ 0 60000 65536"/>
-                <a:gd name="T98" fmla="*/ 0 60000 65536"/>
-                <a:gd name="T99" fmla="*/ 0 60000 65536"/>
-                <a:gd name="T100" fmla="*/ 0 60000 65536"/>
-                <a:gd name="T101" fmla="*/ 0 60000 65536"/>
-                <a:gd name="T102" fmla="*/ 0 60000 65536"/>
-                <a:gd name="T103" fmla="*/ 0 60000 65536"/>
-                <a:gd name="T104" fmla="*/ 0 60000 65536"/>
-                <a:gd name="T105" fmla="*/ 0 60000 65536"/>
-                <a:gd name="T106" fmla="*/ 0 60000 65536"/>
-                <a:gd name="T107" fmla="*/ 0 60000 65536"/>
-                <a:gd name="T108" fmla="*/ 0 60000 65536"/>
-                <a:gd name="T109" fmla="*/ 0 60000 65536"/>
-                <a:gd name="T110" fmla="*/ 0 60000 65536"/>
-                <a:gd name="T111" fmla="*/ 0 60000 65536"/>
-                <a:gd name="T112" fmla="*/ 0 60000 65536"/>
-                <a:gd name="T113" fmla="*/ 0 60000 65536"/>
-                <a:gd name="T114" fmla="*/ 0 60000 65536"/>
-                <a:gd name="T115" fmla="*/ 0 60000 65536"/>
-                <a:gd name="T116" fmla="*/ 0 60000 65536"/>
-              </a:gdLst>
-              <a:ahLst/>
-              <a:cxnLst>
-                <a:cxn ang="T78">
-                  <a:pos x="T0" y="T1"/>
-                </a:cxn>
-                <a:cxn ang="T79">
-                  <a:pos x="T2" y="T3"/>
-                </a:cxn>
-                <a:cxn ang="T80">
-                  <a:pos x="T4" y="T5"/>
-                </a:cxn>
-                <a:cxn ang="T81">
-                  <a:pos x="T6" y="T7"/>
-                </a:cxn>
-                <a:cxn ang="T82">
-                  <a:pos x="T8" y="T9"/>
-                </a:cxn>
-                <a:cxn ang="T83">
-                  <a:pos x="T10" y="T11"/>
-                </a:cxn>
-                <a:cxn ang="T84">
-                  <a:pos x="T12" y="T13"/>
-                </a:cxn>
-                <a:cxn ang="T85">
-                  <a:pos x="T14" y="T15"/>
-                </a:cxn>
-                <a:cxn ang="T86">
-                  <a:pos x="T16" y="T17"/>
-                </a:cxn>
-                <a:cxn ang="T87">
-                  <a:pos x="T18" y="T19"/>
-                </a:cxn>
-                <a:cxn ang="T88">
-                  <a:pos x="T20" y="T21"/>
-                </a:cxn>
-                <a:cxn ang="T89">
-                  <a:pos x="T22" y="T23"/>
-                </a:cxn>
-                <a:cxn ang="T90">
-                  <a:pos x="T24" y="T25"/>
-                </a:cxn>
-                <a:cxn ang="T91">
-                  <a:pos x="T26" y="T27"/>
-                </a:cxn>
-                <a:cxn ang="T92">
-                  <a:pos x="T28" y="T29"/>
-                </a:cxn>
-                <a:cxn ang="T93">
-                  <a:pos x="T30" y="T31"/>
-                </a:cxn>
-                <a:cxn ang="T94">
-                  <a:pos x="T32" y="T33"/>
-                </a:cxn>
-                <a:cxn ang="T95">
-                  <a:pos x="T34" y="T35"/>
-                </a:cxn>
-                <a:cxn ang="T96">
-                  <a:pos x="T36" y="T37"/>
-                </a:cxn>
-                <a:cxn ang="T97">
-                  <a:pos x="T38" y="T39"/>
-                </a:cxn>
-                <a:cxn ang="T98">
-                  <a:pos x="T40" y="T41"/>
-                </a:cxn>
-                <a:cxn ang="T99">
-                  <a:pos x="T42" y="T43"/>
-                </a:cxn>
-                <a:cxn ang="T100">
-                  <a:pos x="T44" y="T45"/>
-                </a:cxn>
-                <a:cxn ang="T101">
-                  <a:pos x="T46" y="T47"/>
-                </a:cxn>
-                <a:cxn ang="T102">
-                  <a:pos x="T48" y="T49"/>
-                </a:cxn>
-                <a:cxn ang="T103">
-                  <a:pos x="T50" y="T51"/>
-                </a:cxn>
-                <a:cxn ang="T104">
-                  <a:pos x="T52" y="T53"/>
-                </a:cxn>
-                <a:cxn ang="T105">
-                  <a:pos x="T54" y="T55"/>
-                </a:cxn>
-                <a:cxn ang="T106">
-                  <a:pos x="T56" y="T57"/>
-                </a:cxn>
-                <a:cxn ang="T107">
-                  <a:pos x="T58" y="T59"/>
-                </a:cxn>
-                <a:cxn ang="T108">
-                  <a:pos x="T60" y="T61"/>
-                </a:cxn>
-                <a:cxn ang="T109">
-                  <a:pos x="T62" y="T63"/>
-                </a:cxn>
-                <a:cxn ang="T110">
-                  <a:pos x="T64" y="T65"/>
-                </a:cxn>
-                <a:cxn ang="T111">
-                  <a:pos x="T66" y="T67"/>
-                </a:cxn>
-                <a:cxn ang="T112">
-                  <a:pos x="T68" y="T69"/>
-                </a:cxn>
-                <a:cxn ang="T113">
-                  <a:pos x="T70" y="T71"/>
-                </a:cxn>
-                <a:cxn ang="T114">
-                  <a:pos x="T72" y="T73"/>
-                </a:cxn>
-                <a:cxn ang="T115">
-                  <a:pos x="T74" y="T75"/>
-                </a:cxn>
-                <a:cxn ang="T116">
-                  <a:pos x="T76" y="T77"/>
-                </a:cxn>
-              </a:cxnLst>
-              <a:rect l="0" t="0" r="r" b="b"/>
-              <a:pathLst>
-                <a:path w="188" h="184">
-                  <a:moveTo>
-                    <a:pt x="183" y="108"/>
-                  </a:moveTo>
-                  <a:cubicBezTo>
-                    <a:pt x="185" y="105"/>
-                    <a:pt x="188" y="101"/>
-                    <a:pt x="188" y="95"/>
-                  </a:cubicBezTo>
-                  <a:cubicBezTo>
-                    <a:pt x="188" y="78"/>
-                    <a:pt x="172" y="72"/>
-                    <a:pt x="163" y="71"/>
-                  </a:cubicBezTo>
-                  <a:cubicBezTo>
-                    <a:pt x="135" y="71"/>
-                    <a:pt x="135" y="71"/>
-                    <a:pt x="135" y="71"/>
-                  </a:cubicBezTo>
-                  <a:cubicBezTo>
-                    <a:pt x="135" y="71"/>
-                    <a:pt x="135" y="71"/>
-                    <a:pt x="135" y="71"/>
-                  </a:cubicBezTo>
-                  <a:cubicBezTo>
-                    <a:pt x="133" y="69"/>
-                    <a:pt x="135" y="66"/>
-                    <a:pt x="135" y="66"/>
-                  </a:cubicBezTo>
-                  <a:cubicBezTo>
-                    <a:pt x="135" y="66"/>
-                    <a:pt x="135" y="66"/>
-                    <a:pt x="135" y="66"/>
-                  </a:cubicBezTo>
-                  <a:cubicBezTo>
-                    <a:pt x="136" y="66"/>
-                    <a:pt x="144" y="55"/>
-                    <a:pt x="150" y="37"/>
-                  </a:cubicBezTo>
-                  <a:cubicBezTo>
-                    <a:pt x="157" y="18"/>
-                    <a:pt x="140" y="4"/>
-                    <a:pt x="139" y="3"/>
-                  </a:cubicBezTo>
-                  <a:cubicBezTo>
-                    <a:pt x="138" y="3"/>
-                    <a:pt x="138" y="3"/>
-                    <a:pt x="138" y="3"/>
-                  </a:cubicBezTo>
-                  <a:cubicBezTo>
-                    <a:pt x="138" y="3"/>
-                    <a:pt x="132" y="0"/>
-                    <a:pt x="126" y="4"/>
-                  </a:cubicBezTo>
-                  <a:cubicBezTo>
-                    <a:pt x="122" y="6"/>
-                    <a:pt x="119" y="11"/>
-                    <a:pt x="119" y="18"/>
-                  </a:cubicBezTo>
-                  <a:cubicBezTo>
-                    <a:pt x="117" y="34"/>
-                    <a:pt x="103" y="48"/>
-                    <a:pt x="97" y="53"/>
-                  </a:cubicBezTo>
-                  <a:cubicBezTo>
-                    <a:pt x="96" y="54"/>
-                    <a:pt x="95" y="54"/>
-                    <a:pt x="94" y="55"/>
-                  </a:cubicBezTo>
-                  <a:cubicBezTo>
-                    <a:pt x="90" y="59"/>
-                    <a:pt x="85" y="69"/>
-                    <a:pt x="82" y="76"/>
-                  </a:cubicBezTo>
-                  <a:cubicBezTo>
-                    <a:pt x="79" y="81"/>
-                    <a:pt x="73" y="89"/>
-                    <a:pt x="70" y="92"/>
-                  </a:cubicBezTo>
-                  <a:cubicBezTo>
-                    <a:pt x="67" y="92"/>
-                    <a:pt x="63" y="92"/>
-                    <a:pt x="60" y="92"/>
-                  </a:cubicBezTo>
-                  <a:cubicBezTo>
-                    <a:pt x="59" y="88"/>
-                    <a:pt x="55" y="84"/>
-                    <a:pt x="51" y="84"/>
-                  </a:cubicBezTo>
-                  <a:cubicBezTo>
-                    <a:pt x="9" y="84"/>
-                    <a:pt x="9" y="84"/>
-                    <a:pt x="9" y="84"/>
-                  </a:cubicBezTo>
-                  <a:cubicBezTo>
-                    <a:pt x="4" y="84"/>
-                    <a:pt x="0" y="88"/>
-                    <a:pt x="0" y="93"/>
-                  </a:cubicBezTo>
-                  <a:cubicBezTo>
-                    <a:pt x="0" y="175"/>
-                    <a:pt x="0" y="175"/>
-                    <a:pt x="0" y="175"/>
-                  </a:cubicBezTo>
-                  <a:cubicBezTo>
-                    <a:pt x="0" y="180"/>
-                    <a:pt x="4" y="184"/>
-                    <a:pt x="9" y="184"/>
-                  </a:cubicBezTo>
-                  <a:cubicBezTo>
-                    <a:pt x="51" y="184"/>
-                    <a:pt x="51" y="184"/>
-                    <a:pt x="51" y="184"/>
-                  </a:cubicBezTo>
-                  <a:cubicBezTo>
-                    <a:pt x="56" y="184"/>
-                    <a:pt x="59" y="181"/>
-                    <a:pt x="60" y="177"/>
-                  </a:cubicBezTo>
-                  <a:cubicBezTo>
-                    <a:pt x="62" y="177"/>
-                    <a:pt x="63" y="175"/>
-                    <a:pt x="64" y="175"/>
-                  </a:cubicBezTo>
-                  <a:cubicBezTo>
-                    <a:pt x="65" y="177"/>
-                    <a:pt x="67" y="181"/>
-                    <a:pt x="73" y="184"/>
-                  </a:cubicBezTo>
-                  <a:cubicBezTo>
-                    <a:pt x="74" y="184"/>
-                    <a:pt x="74" y="184"/>
-                    <a:pt x="74" y="184"/>
-                  </a:cubicBezTo>
-                  <a:cubicBezTo>
-                    <a:pt x="75" y="184"/>
-                    <a:pt x="75" y="184"/>
-                    <a:pt x="75" y="184"/>
-                  </a:cubicBezTo>
-                  <a:cubicBezTo>
-                    <a:pt x="75" y="184"/>
-                    <a:pt x="103" y="184"/>
-                    <a:pt x="129" y="184"/>
-                  </a:cubicBezTo>
-                  <a:cubicBezTo>
-                    <a:pt x="142" y="184"/>
-                    <a:pt x="153" y="184"/>
-                    <a:pt x="157" y="184"/>
-                  </a:cubicBezTo>
-                  <a:cubicBezTo>
-                    <a:pt x="165" y="184"/>
-                    <a:pt x="170" y="180"/>
-                    <a:pt x="172" y="177"/>
-                  </a:cubicBezTo>
-                  <a:cubicBezTo>
-                    <a:pt x="176" y="172"/>
-                    <a:pt x="176" y="165"/>
-                    <a:pt x="175" y="161"/>
-                  </a:cubicBezTo>
-                  <a:cubicBezTo>
-                    <a:pt x="181" y="156"/>
-                    <a:pt x="181" y="147"/>
-                    <a:pt x="181" y="143"/>
-                  </a:cubicBezTo>
-                  <a:cubicBezTo>
-                    <a:pt x="182" y="140"/>
-                    <a:pt x="181" y="138"/>
-                    <a:pt x="180" y="135"/>
-                  </a:cubicBezTo>
-                  <a:cubicBezTo>
-                    <a:pt x="183" y="133"/>
-                    <a:pt x="186" y="127"/>
-                    <a:pt x="186" y="120"/>
-                  </a:cubicBezTo>
-                  <a:cubicBezTo>
-                    <a:pt x="187" y="115"/>
-                    <a:pt x="185" y="110"/>
-                    <a:pt x="183" y="108"/>
-                  </a:cubicBezTo>
-                  <a:close/>
-                  <a:moveTo>
-                    <a:pt x="52" y="175"/>
-                  </a:moveTo>
-                  <a:cubicBezTo>
-                    <a:pt x="52" y="176"/>
-                    <a:pt x="52" y="176"/>
-                    <a:pt x="51" y="176"/>
-                  </a:cubicBezTo>
-                  <a:cubicBezTo>
-                    <a:pt x="9" y="176"/>
-                    <a:pt x="9" y="176"/>
-                    <a:pt x="9" y="176"/>
-                  </a:cubicBezTo>
-                  <a:cubicBezTo>
-                    <a:pt x="9" y="176"/>
-                    <a:pt x="8" y="176"/>
-                    <a:pt x="8" y="175"/>
-                  </a:cubicBezTo>
-                  <a:cubicBezTo>
-                    <a:pt x="8" y="93"/>
-                    <a:pt x="8" y="93"/>
-                    <a:pt x="8" y="93"/>
-                  </a:cubicBezTo>
-                  <a:cubicBezTo>
-                    <a:pt x="8" y="93"/>
-                    <a:pt x="9" y="92"/>
-                    <a:pt x="9" y="92"/>
-                  </a:cubicBezTo>
-                  <a:cubicBezTo>
-                    <a:pt x="51" y="92"/>
-                    <a:pt x="51" y="92"/>
-                    <a:pt x="51" y="92"/>
-                  </a:cubicBezTo>
-                  <a:cubicBezTo>
-                    <a:pt x="52" y="92"/>
-                    <a:pt x="52" y="93"/>
-                    <a:pt x="52" y="93"/>
-                  </a:cubicBezTo>
-                  <a:lnTo>
-                    <a:pt x="52" y="175"/>
-                  </a:lnTo>
-                  <a:close/>
-                  <a:moveTo>
-                    <a:pt x="176" y="104"/>
-                  </a:moveTo>
-                  <a:cubicBezTo>
-                    <a:pt x="172" y="107"/>
-                    <a:pt x="172" y="107"/>
-                    <a:pt x="172" y="107"/>
-                  </a:cubicBezTo>
-                  <a:cubicBezTo>
-                    <a:pt x="175" y="110"/>
-                    <a:pt x="175" y="110"/>
-                    <a:pt x="175" y="110"/>
-                  </a:cubicBezTo>
-                  <a:cubicBezTo>
-                    <a:pt x="176" y="111"/>
-                    <a:pt x="179" y="114"/>
-                    <a:pt x="178" y="120"/>
-                  </a:cubicBezTo>
-                  <a:cubicBezTo>
-                    <a:pt x="178" y="127"/>
-                    <a:pt x="173" y="131"/>
-                    <a:pt x="173" y="131"/>
-                  </a:cubicBezTo>
-                  <a:cubicBezTo>
-                    <a:pt x="167" y="133"/>
-                    <a:pt x="167" y="133"/>
-                    <a:pt x="167" y="133"/>
-                  </a:cubicBezTo>
-                  <a:cubicBezTo>
-                    <a:pt x="172" y="137"/>
-                    <a:pt x="172" y="137"/>
-                    <a:pt x="172" y="137"/>
-                  </a:cubicBezTo>
-                  <a:cubicBezTo>
-                    <a:pt x="172" y="138"/>
-                    <a:pt x="174" y="140"/>
-                    <a:pt x="173" y="144"/>
-                  </a:cubicBezTo>
-                  <a:cubicBezTo>
-                    <a:pt x="173" y="147"/>
-                    <a:pt x="172" y="154"/>
-                    <a:pt x="168" y="156"/>
-                  </a:cubicBezTo>
-                  <a:cubicBezTo>
-                    <a:pt x="164" y="158"/>
-                    <a:pt x="164" y="158"/>
-                    <a:pt x="164" y="158"/>
-                  </a:cubicBezTo>
-                  <a:cubicBezTo>
-                    <a:pt x="167" y="161"/>
-                    <a:pt x="167" y="161"/>
-                    <a:pt x="167" y="161"/>
-                  </a:cubicBezTo>
-                  <a:cubicBezTo>
-                    <a:pt x="168" y="163"/>
-                    <a:pt x="168" y="169"/>
-                    <a:pt x="165" y="173"/>
-                  </a:cubicBezTo>
-                  <a:cubicBezTo>
-                    <a:pt x="164" y="175"/>
-                    <a:pt x="161" y="176"/>
-                    <a:pt x="157" y="176"/>
-                  </a:cubicBezTo>
-                  <a:cubicBezTo>
-                    <a:pt x="144" y="176"/>
-                    <a:pt x="84" y="176"/>
-                    <a:pt x="76" y="176"/>
-                  </a:cubicBezTo>
-                  <a:cubicBezTo>
-                    <a:pt x="73" y="175"/>
-                    <a:pt x="71" y="174"/>
-                    <a:pt x="70" y="173"/>
-                  </a:cubicBezTo>
-                  <a:cubicBezTo>
-                    <a:pt x="69" y="172"/>
-                    <a:pt x="67" y="167"/>
-                    <a:pt x="60" y="167"/>
-                  </a:cubicBezTo>
-                  <a:cubicBezTo>
-                    <a:pt x="60" y="100"/>
-                    <a:pt x="60" y="100"/>
-                    <a:pt x="60" y="100"/>
-                  </a:cubicBezTo>
-                  <a:cubicBezTo>
-                    <a:pt x="64" y="100"/>
-                    <a:pt x="71" y="100"/>
-                    <a:pt x="71" y="100"/>
-                  </a:cubicBezTo>
-                  <a:cubicBezTo>
-                    <a:pt x="72" y="100"/>
-                    <a:pt x="72" y="100"/>
-                    <a:pt x="72" y="100"/>
-                  </a:cubicBezTo>
-                  <a:cubicBezTo>
-                    <a:pt x="74" y="99"/>
-                    <a:pt x="74" y="99"/>
-                    <a:pt x="74" y="99"/>
-                  </a:cubicBezTo>
-                  <a:cubicBezTo>
-                    <a:pt x="74" y="99"/>
-                    <a:pt x="85" y="88"/>
-                    <a:pt x="89" y="80"/>
-                  </a:cubicBezTo>
-                  <a:cubicBezTo>
-                    <a:pt x="93" y="72"/>
-                    <a:pt x="96" y="63"/>
-                    <a:pt x="100" y="61"/>
-                  </a:cubicBezTo>
-                  <a:cubicBezTo>
-                    <a:pt x="100" y="60"/>
-                    <a:pt x="101" y="60"/>
-                    <a:pt x="101" y="59"/>
-                  </a:cubicBezTo>
-                  <a:cubicBezTo>
-                    <a:pt x="108" y="54"/>
-                    <a:pt x="124" y="38"/>
-                    <a:pt x="127" y="19"/>
-                  </a:cubicBezTo>
-                  <a:cubicBezTo>
-                    <a:pt x="127" y="14"/>
-                    <a:pt x="128" y="12"/>
-                    <a:pt x="130" y="10"/>
-                  </a:cubicBezTo>
-                  <a:cubicBezTo>
-                    <a:pt x="132" y="9"/>
-                    <a:pt x="134" y="10"/>
-                    <a:pt x="135" y="10"/>
-                  </a:cubicBezTo>
-                  <a:cubicBezTo>
-                    <a:pt x="137" y="12"/>
-                    <a:pt x="147" y="22"/>
-                    <a:pt x="143" y="35"/>
-                  </a:cubicBezTo>
-                  <a:cubicBezTo>
-                    <a:pt x="137" y="51"/>
-                    <a:pt x="129" y="61"/>
-                    <a:pt x="129" y="61"/>
-                  </a:cubicBezTo>
-                  <a:cubicBezTo>
-                    <a:pt x="127" y="64"/>
-                    <a:pt x="124" y="70"/>
-                    <a:pt x="128" y="76"/>
-                  </a:cubicBezTo>
-                  <a:cubicBezTo>
-                    <a:pt x="130" y="79"/>
-                    <a:pt x="133" y="79"/>
-                    <a:pt x="135" y="79"/>
-                  </a:cubicBezTo>
-                  <a:cubicBezTo>
-                    <a:pt x="162" y="79"/>
-                    <a:pt x="162" y="79"/>
-                    <a:pt x="162" y="79"/>
-                  </a:cubicBezTo>
-                  <a:cubicBezTo>
-                    <a:pt x="163" y="79"/>
-                    <a:pt x="180" y="81"/>
-                    <a:pt x="180" y="95"/>
-                  </a:cubicBezTo>
-                  <a:cubicBezTo>
-                    <a:pt x="180" y="101"/>
-                    <a:pt x="176" y="104"/>
-                    <a:pt x="176" y="104"/>
-                  </a:cubicBezTo>
-                  <a:close/>
-                </a:path>
-              </a:pathLst>
-            </a:custGeom>
-            <a:grpFill/>
-            <a:ln w="9525">
-              <a:solidFill>
-                <a:schemeClr val="tx1"/>
-              </a:solidFill>
-              <a:round/>
-              <a:headEnd/>
-              <a:tailEnd/>
-            </a:ln>
-          </p:spPr>
-          <p:txBody>
-            <a:bodyPr/>
-            <a:lstStyle/>
-            <a:p>
-              <a:endParaRPr lang="en-US" dirty="0"/>
-            </a:p>
-          </p:txBody>
-        </p:sp>
-      </p:grpSp>
-      <p:grpSp>
-        <p:nvGrpSpPr>
-          <p:cNvPr id="27" name="Group 26" descr="clock icon">
-            <a:extLst>
-              <a:ext uri="{FF2B5EF4-FFF2-40B4-BE49-F238E27FC236}">
-                <a16:creationId xmlns:a16="http://schemas.microsoft.com/office/drawing/2014/main" id="{B808CBE1-9B84-7818-F1B7-F6B6847390C9}"/>
-              </a:ext>
-            </a:extLst>
-          </p:cNvPr>
-          <p:cNvGrpSpPr/>
-          <p:nvPr/>
-        </p:nvGrpSpPr>
-        <p:grpSpPr>
-          <a:xfrm>
-            <a:off x="10965805" y="3169273"/>
-            <a:ext cx="823913" cy="823912"/>
-            <a:chOff x="744537" y="3036069"/>
-            <a:chExt cx="823913" cy="823912"/>
-          </a:xfrm>
-          <a:solidFill>
-            <a:schemeClr val="bg1"/>
-          </a:solidFill>
-        </p:grpSpPr>
-        <p:sp>
-          <p:nvSpPr>
-            <p:cNvPr id="28" name="Oval 68">
-              <a:extLst>
-                <a:ext uri="{FF2B5EF4-FFF2-40B4-BE49-F238E27FC236}">
-                  <a16:creationId xmlns:a16="http://schemas.microsoft.com/office/drawing/2014/main" id="{0D5B9A7E-609B-61CB-6B76-65F108A044FB}"/>
-                </a:ext>
-                <a:ext uri="{C183D7F6-B498-43B3-948B-1728B52AA6E4}">
-                  <adec:decorative xmlns:adec="http://schemas.microsoft.com/office/drawing/2017/decorative" val="1"/>
-                </a:ext>
-              </a:extLst>
-            </p:cNvPr>
-            <p:cNvSpPr>
-              <a:spLocks noChangeArrowheads="1"/>
-            </p:cNvSpPr>
-            <p:nvPr/>
-          </p:nvSpPr>
-          <p:spPr bwMode="auto">
-            <a:xfrm>
-              <a:off x="744537" y="3036069"/>
-              <a:ext cx="823913" cy="823912"/>
-            </a:xfrm>
-            <a:prstGeom prst="ellipse">
-              <a:avLst/>
-            </a:prstGeom>
-            <a:grpFill/>
-            <a:ln>
-              <a:noFill/>
-            </a:ln>
-          </p:spPr>
-          <p:txBody>
-            <a:bodyPr/>
-            <a:lstStyle>
-              <a:lvl1pPr>
-                <a:defRPr>
-                  <a:solidFill>
-                    <a:schemeClr val="tx1"/>
-                  </a:solidFill>
-                  <a:latin typeface="Open Sans Light" pitchFamily="34" charset="0"/>
-                </a:defRPr>
-              </a:lvl1pPr>
-              <a:lvl2pPr marL="742950" indent="-285750">
-                <a:defRPr>
-                  <a:solidFill>
-                    <a:schemeClr val="tx1"/>
-                  </a:solidFill>
-                  <a:latin typeface="Open Sans Light" pitchFamily="34" charset="0"/>
-                </a:defRPr>
-              </a:lvl2pPr>
-              <a:lvl3pPr marL="1143000" indent="-228600">
-                <a:defRPr>
-                  <a:solidFill>
-                    <a:schemeClr val="tx1"/>
-                  </a:solidFill>
-                  <a:latin typeface="Open Sans Light" pitchFamily="34" charset="0"/>
-                </a:defRPr>
-              </a:lvl3pPr>
-              <a:lvl4pPr marL="1600200" indent="-228600">
-                <a:defRPr>
-                  <a:solidFill>
-                    <a:schemeClr val="tx1"/>
-                  </a:solidFill>
-                  <a:latin typeface="Open Sans Light" pitchFamily="34" charset="0"/>
-                </a:defRPr>
-              </a:lvl4pPr>
-              <a:lvl5pPr marL="2057400" indent="-228600">
-                <a:defRPr>
-                  <a:solidFill>
-                    <a:schemeClr val="tx1"/>
-                  </a:solidFill>
-                  <a:latin typeface="Open Sans Light" pitchFamily="34" charset="0"/>
-                </a:defRPr>
-              </a:lvl5pPr>
-              <a:lvl6pPr marL="2514600" indent="-228600" fontAlgn="base">
-                <a:spcBef>
-                  <a:spcPct val="0"/>
-                </a:spcBef>
-                <a:spcAft>
-                  <a:spcPct val="0"/>
-                </a:spcAft>
-                <a:defRPr>
-                  <a:solidFill>
-                    <a:schemeClr val="tx1"/>
-                  </a:solidFill>
-                  <a:latin typeface="Open Sans Light" pitchFamily="34" charset="0"/>
-                </a:defRPr>
-              </a:lvl6pPr>
-              <a:lvl7pPr marL="2971800" indent="-228600" fontAlgn="base">
-                <a:spcBef>
-                  <a:spcPct val="0"/>
-                </a:spcBef>
-                <a:spcAft>
-                  <a:spcPct val="0"/>
-                </a:spcAft>
-                <a:defRPr>
-                  <a:solidFill>
-                    <a:schemeClr val="tx1"/>
-                  </a:solidFill>
-                  <a:latin typeface="Open Sans Light" pitchFamily="34" charset="0"/>
-                </a:defRPr>
-              </a:lvl7pPr>
-              <a:lvl8pPr marL="3429000" indent="-228600" fontAlgn="base">
-                <a:spcBef>
-                  <a:spcPct val="0"/>
-                </a:spcBef>
-                <a:spcAft>
-                  <a:spcPct val="0"/>
-                </a:spcAft>
-                <a:defRPr>
-                  <a:solidFill>
-                    <a:schemeClr val="tx1"/>
-                  </a:solidFill>
-                  <a:latin typeface="Open Sans Light" pitchFamily="34" charset="0"/>
-                </a:defRPr>
-              </a:lvl8pPr>
-              <a:lvl9pPr marL="3886200" indent="-228600" fontAlgn="base">
-                <a:spcBef>
-                  <a:spcPct val="0"/>
-                </a:spcBef>
-                <a:spcAft>
-                  <a:spcPct val="0"/>
-                </a:spcAft>
-                <a:defRPr>
-                  <a:solidFill>
-                    <a:schemeClr val="tx1"/>
-                  </a:solidFill>
-                  <a:latin typeface="Open Sans Light" pitchFamily="34" charset="0"/>
-                </a:defRPr>
-              </a:lvl9pPr>
-            </a:lstStyle>
-            <a:p>
-              <a:pPr eaLnBrk="1" hangingPunct="1"/>
-              <a:endParaRPr lang="en-US" altLang="en-US" dirty="0"/>
-            </a:p>
-          </p:txBody>
-        </p:sp>
-        <p:grpSp>
-          <p:nvGrpSpPr>
-            <p:cNvPr id="29" name="Group 28" descr="Clock">
-              <a:extLst>
-                <a:ext uri="{FF2B5EF4-FFF2-40B4-BE49-F238E27FC236}">
-                  <a16:creationId xmlns:a16="http://schemas.microsoft.com/office/drawing/2014/main" id="{1C95187E-2D4F-6A0D-B336-8B096F1468D7}"/>
-                </a:ext>
-              </a:extLst>
-            </p:cNvPr>
-            <p:cNvGrpSpPr/>
-            <p:nvPr/>
-          </p:nvGrpSpPr>
-          <p:grpSpPr bwMode="auto">
-            <a:xfrm>
-              <a:off x="982527" y="3270522"/>
-              <a:ext cx="343634" cy="344872"/>
-              <a:chOff x="9155465" y="4372601"/>
-              <a:chExt cx="343634" cy="344872"/>
-            </a:xfrm>
-            <a:grpFill/>
-          </p:grpSpPr>
-          <p:sp>
-            <p:nvSpPr>
-              <p:cNvPr id="30" name="Freeform 158">
-                <a:extLst>
-                  <a:ext uri="{FF2B5EF4-FFF2-40B4-BE49-F238E27FC236}">
-                    <a16:creationId xmlns:a16="http://schemas.microsoft.com/office/drawing/2014/main" id="{6A73770E-F6A1-75D7-11EF-CB4EC6F3B336}"/>
-                  </a:ext>
-                </a:extLst>
-              </p:cNvPr>
-              <p:cNvSpPr>
-                <a:spLocks noEditPoints="1"/>
-              </p:cNvSpPr>
-              <p:nvPr/>
-            </p:nvSpPr>
-            <p:spPr bwMode="auto">
-              <a:xfrm>
-                <a:off x="9379198" y="4372601"/>
-                <a:ext cx="119901" cy="101360"/>
-              </a:xfrm>
-              <a:custGeom>
-                <a:avLst/>
-                <a:gdLst>
-                  <a:gd name="T0" fmla="*/ 50 w 63"/>
-                  <a:gd name="T1" fmla="*/ 53 h 53"/>
-                  <a:gd name="T2" fmla="*/ 47 w 63"/>
-                  <a:gd name="T3" fmla="*/ 49 h 53"/>
-                  <a:gd name="T4" fmla="*/ 4 w 63"/>
-                  <a:gd name="T5" fmla="*/ 15 h 53"/>
-                  <a:gd name="T6" fmla="*/ 0 w 63"/>
-                  <a:gd name="T7" fmla="*/ 14 h 53"/>
-                  <a:gd name="T8" fmla="*/ 2 w 63"/>
-                  <a:gd name="T9" fmla="*/ 10 h 53"/>
-                  <a:gd name="T10" fmla="*/ 19 w 63"/>
-                  <a:gd name="T11" fmla="*/ 0 h 53"/>
-                  <a:gd name="T12" fmla="*/ 42 w 63"/>
-                  <a:gd name="T13" fmla="*/ 11 h 53"/>
-                  <a:gd name="T14" fmla="*/ 52 w 63"/>
-                  <a:gd name="T15" fmla="*/ 50 h 53"/>
-                  <a:gd name="T16" fmla="*/ 50 w 63"/>
-                  <a:gd name="T17" fmla="*/ 53 h 53"/>
-                  <a:gd name="T18" fmla="*/ 10 w 63"/>
-                  <a:gd name="T19" fmla="*/ 11 h 53"/>
-                  <a:gd name="T20" fmla="*/ 50 w 63"/>
-                  <a:gd name="T21" fmla="*/ 42 h 53"/>
-                  <a:gd name="T22" fmla="*/ 39 w 63"/>
-                  <a:gd name="T23" fmla="*/ 16 h 53"/>
-                  <a:gd name="T24" fmla="*/ 19 w 63"/>
-                  <a:gd name="T25" fmla="*/ 6 h 53"/>
-                  <a:gd name="T26" fmla="*/ 10 w 63"/>
-                  <a:gd name="T27" fmla="*/ 11 h 53"/>
-                </a:gdLst>
-                <a:ahLst/>
-                <a:cxnLst>
-                  <a:cxn ang="0">
-                    <a:pos x="T0" y="T1"/>
-                  </a:cxn>
-                  <a:cxn ang="0">
-                    <a:pos x="T2" y="T3"/>
-                  </a:cxn>
-                  <a:cxn ang="0">
-                    <a:pos x="T4" y="T5"/>
-                  </a:cxn>
-                  <a:cxn ang="0">
-                    <a:pos x="T6" y="T7"/>
-                  </a:cxn>
-                  <a:cxn ang="0">
-                    <a:pos x="T8" y="T9"/>
-                  </a:cxn>
-                  <a:cxn ang="0">
-                    <a:pos x="T10" y="T11"/>
-                  </a:cxn>
-                  <a:cxn ang="0">
-                    <a:pos x="T12" y="T13"/>
-                  </a:cxn>
-                  <a:cxn ang="0">
-                    <a:pos x="T14" y="T15"/>
-                  </a:cxn>
-                  <a:cxn ang="0">
-                    <a:pos x="T16" y="T17"/>
-                  </a:cxn>
-                  <a:cxn ang="0">
-                    <a:pos x="T18" y="T19"/>
-                  </a:cxn>
-                  <a:cxn ang="0">
-                    <a:pos x="T20" y="T21"/>
-                  </a:cxn>
-                  <a:cxn ang="0">
-                    <a:pos x="T22" y="T23"/>
-                  </a:cxn>
-                  <a:cxn ang="0">
-                    <a:pos x="T24" y="T25"/>
-                  </a:cxn>
-                  <a:cxn ang="0">
-                    <a:pos x="T26" y="T27"/>
-                  </a:cxn>
-                </a:cxnLst>
-                <a:rect l="0" t="0" r="r" b="b"/>
-                <a:pathLst>
-                  <a:path w="63" h="53">
-                    <a:moveTo>
-                      <a:pt x="50" y="53"/>
-                    </a:moveTo>
-                    <a:cubicBezTo>
-                      <a:pt x="47" y="49"/>
-                      <a:pt x="47" y="49"/>
-                      <a:pt x="47" y="49"/>
-                    </a:cubicBezTo>
-                    <a:cubicBezTo>
-                      <a:pt x="37" y="33"/>
-                      <a:pt x="22" y="21"/>
-                      <a:pt x="4" y="15"/>
-                    </a:cubicBezTo>
-                    <a:cubicBezTo>
-                      <a:pt x="0" y="14"/>
-                      <a:pt x="0" y="14"/>
-                      <a:pt x="0" y="14"/>
-                    </a:cubicBezTo>
-                    <a:cubicBezTo>
-                      <a:pt x="2" y="10"/>
-                      <a:pt x="2" y="10"/>
-                      <a:pt x="2" y="10"/>
-                    </a:cubicBezTo>
-                    <a:cubicBezTo>
-                      <a:pt x="6" y="5"/>
-                      <a:pt x="11" y="0"/>
-                      <a:pt x="19" y="0"/>
-                    </a:cubicBezTo>
-                    <a:cubicBezTo>
-                      <a:pt x="26" y="0"/>
-                      <a:pt x="33" y="4"/>
-                      <a:pt x="42" y="11"/>
-                    </a:cubicBezTo>
-                    <a:cubicBezTo>
-                      <a:pt x="63" y="27"/>
-                      <a:pt x="61" y="38"/>
-                      <a:pt x="52" y="50"/>
-                    </a:cubicBezTo>
-                    <a:lnTo>
-                      <a:pt x="50" y="53"/>
-                    </a:lnTo>
-                    <a:close/>
-                    <a:moveTo>
-                      <a:pt x="10" y="11"/>
-                    </a:moveTo>
-                    <a:cubicBezTo>
-                      <a:pt x="26" y="17"/>
-                      <a:pt x="40" y="28"/>
-                      <a:pt x="50" y="42"/>
-                    </a:cubicBezTo>
-                    <a:cubicBezTo>
-                      <a:pt x="54" y="36"/>
-                      <a:pt x="55" y="29"/>
-                      <a:pt x="39" y="16"/>
-                    </a:cubicBezTo>
-                    <a:cubicBezTo>
-                      <a:pt x="30" y="9"/>
-                      <a:pt x="24" y="6"/>
-                      <a:pt x="19" y="6"/>
-                    </a:cubicBezTo>
-                    <a:cubicBezTo>
-                      <a:pt x="16" y="6"/>
-                      <a:pt x="13" y="8"/>
-                      <a:pt x="10" y="11"/>
-                    </a:cubicBezTo>
-                    <a:close/>
-                  </a:path>
-                </a:pathLst>
-              </a:custGeom>
-              <a:grpFill/>
-              <a:ln w="6350">
-                <a:solidFill>
-                  <a:schemeClr val="tx1"/>
-                </a:solidFill>
-                <a:round/>
-                <a:headEnd/>
-                <a:tailEnd/>
-              </a:ln>
-            </p:spPr>
-            <p:txBody>
-              <a:bodyPr/>
-              <a:lstStyle/>
-              <a:p>
-                <a:pPr eaLnBrk="1" fontAlgn="auto" hangingPunct="1">
-                  <a:spcBef>
-                    <a:spcPts val="0"/>
-                  </a:spcBef>
-                  <a:spcAft>
-                    <a:spcPts val="0"/>
-                  </a:spcAft>
-                  <a:defRPr/>
-                </a:pPr>
-                <a:endParaRPr lang="en-US" dirty="0">
-                  <a:latin typeface="+mn-lt"/>
-                </a:endParaRPr>
-              </a:p>
-            </p:txBody>
-          </p:sp>
-          <p:sp>
-            <p:nvSpPr>
-              <p:cNvPr id="31" name="Freeform 159">
-                <a:extLst>
-                  <a:ext uri="{FF2B5EF4-FFF2-40B4-BE49-F238E27FC236}">
-                    <a16:creationId xmlns:a16="http://schemas.microsoft.com/office/drawing/2014/main" id="{3529665D-D778-71CC-E4C5-628FF603244E}"/>
-                  </a:ext>
-                </a:extLst>
-              </p:cNvPr>
-              <p:cNvSpPr>
-                <a:spLocks noEditPoints="1"/>
-              </p:cNvSpPr>
-              <p:nvPr/>
-            </p:nvSpPr>
-            <p:spPr bwMode="auto">
-              <a:xfrm>
-                <a:off x="9155465" y="4372601"/>
-                <a:ext cx="119901" cy="101360"/>
-              </a:xfrm>
-              <a:custGeom>
-                <a:avLst/>
-                <a:gdLst>
-                  <a:gd name="T0" fmla="*/ 13 w 63"/>
-                  <a:gd name="T1" fmla="*/ 53 h 53"/>
-                  <a:gd name="T2" fmla="*/ 10 w 63"/>
-                  <a:gd name="T3" fmla="*/ 50 h 53"/>
-                  <a:gd name="T4" fmla="*/ 20 w 63"/>
-                  <a:gd name="T5" fmla="*/ 11 h 53"/>
-                  <a:gd name="T6" fmla="*/ 44 w 63"/>
-                  <a:gd name="T7" fmla="*/ 0 h 53"/>
-                  <a:gd name="T8" fmla="*/ 60 w 63"/>
-                  <a:gd name="T9" fmla="*/ 10 h 53"/>
-                  <a:gd name="T10" fmla="*/ 63 w 63"/>
-                  <a:gd name="T11" fmla="*/ 14 h 53"/>
-                  <a:gd name="T12" fmla="*/ 59 w 63"/>
-                  <a:gd name="T13" fmla="*/ 15 h 53"/>
-                  <a:gd name="T14" fmla="*/ 15 w 63"/>
-                  <a:gd name="T15" fmla="*/ 49 h 53"/>
-                  <a:gd name="T16" fmla="*/ 13 w 63"/>
-                  <a:gd name="T17" fmla="*/ 53 h 53"/>
-                  <a:gd name="T18" fmla="*/ 44 w 63"/>
-                  <a:gd name="T19" fmla="*/ 6 h 53"/>
-                  <a:gd name="T20" fmla="*/ 24 w 63"/>
-                  <a:gd name="T21" fmla="*/ 16 h 53"/>
-                  <a:gd name="T22" fmla="*/ 13 w 63"/>
-                  <a:gd name="T23" fmla="*/ 42 h 53"/>
-                  <a:gd name="T24" fmla="*/ 53 w 63"/>
-                  <a:gd name="T25" fmla="*/ 11 h 53"/>
-                  <a:gd name="T26" fmla="*/ 44 w 63"/>
-                  <a:gd name="T27" fmla="*/ 6 h 53"/>
-                </a:gdLst>
-                <a:ahLst/>
-                <a:cxnLst>
-                  <a:cxn ang="0">
-                    <a:pos x="T0" y="T1"/>
-                  </a:cxn>
-                  <a:cxn ang="0">
-                    <a:pos x="T2" y="T3"/>
-                  </a:cxn>
-                  <a:cxn ang="0">
-                    <a:pos x="T4" y="T5"/>
-                  </a:cxn>
-                  <a:cxn ang="0">
-                    <a:pos x="T6" y="T7"/>
-                  </a:cxn>
-                  <a:cxn ang="0">
-                    <a:pos x="T8" y="T9"/>
-                  </a:cxn>
-                  <a:cxn ang="0">
-                    <a:pos x="T10" y="T11"/>
-                  </a:cxn>
-                  <a:cxn ang="0">
-                    <a:pos x="T12" y="T13"/>
-                  </a:cxn>
-                  <a:cxn ang="0">
-                    <a:pos x="T14" y="T15"/>
-                  </a:cxn>
-                  <a:cxn ang="0">
-                    <a:pos x="T16" y="T17"/>
-                  </a:cxn>
-                  <a:cxn ang="0">
-                    <a:pos x="T18" y="T19"/>
-                  </a:cxn>
-                  <a:cxn ang="0">
-                    <a:pos x="T20" y="T21"/>
-                  </a:cxn>
-                  <a:cxn ang="0">
-                    <a:pos x="T22" y="T23"/>
-                  </a:cxn>
-                  <a:cxn ang="0">
-                    <a:pos x="T24" y="T25"/>
-                  </a:cxn>
-                  <a:cxn ang="0">
-                    <a:pos x="T26" y="T27"/>
-                  </a:cxn>
-                </a:cxnLst>
-                <a:rect l="0" t="0" r="r" b="b"/>
-                <a:pathLst>
-                  <a:path w="63" h="53">
-                    <a:moveTo>
-                      <a:pt x="13" y="53"/>
-                    </a:moveTo>
-                    <a:cubicBezTo>
-                      <a:pt x="10" y="50"/>
-                      <a:pt x="10" y="50"/>
-                      <a:pt x="10" y="50"/>
-                    </a:cubicBezTo>
-                    <a:cubicBezTo>
-                      <a:pt x="2" y="38"/>
-                      <a:pt x="0" y="27"/>
-                      <a:pt x="20" y="11"/>
-                    </a:cubicBezTo>
-                    <a:cubicBezTo>
-                      <a:pt x="30" y="4"/>
-                      <a:pt x="37" y="0"/>
-                      <a:pt x="44" y="0"/>
-                    </a:cubicBezTo>
-                    <a:cubicBezTo>
-                      <a:pt x="51" y="0"/>
-                      <a:pt x="56" y="5"/>
-                      <a:pt x="60" y="10"/>
-                    </a:cubicBezTo>
-                    <a:cubicBezTo>
-                      <a:pt x="63" y="14"/>
-                      <a:pt x="63" y="14"/>
-                      <a:pt x="63" y="14"/>
-                    </a:cubicBezTo>
-                    <a:cubicBezTo>
-                      <a:pt x="59" y="15"/>
-                      <a:pt x="59" y="15"/>
-                      <a:pt x="59" y="15"/>
-                    </a:cubicBezTo>
-                    <a:cubicBezTo>
-                      <a:pt x="41" y="21"/>
-                      <a:pt x="26" y="33"/>
-                      <a:pt x="15" y="49"/>
-                    </a:cubicBezTo>
-                    <a:lnTo>
-                      <a:pt x="13" y="53"/>
-                    </a:lnTo>
-                    <a:close/>
-                    <a:moveTo>
-                      <a:pt x="44" y="6"/>
-                    </a:moveTo>
-                    <a:cubicBezTo>
-                      <a:pt x="39" y="6"/>
-                      <a:pt x="32" y="9"/>
-                      <a:pt x="24" y="16"/>
-                    </a:cubicBezTo>
-                    <a:cubicBezTo>
-                      <a:pt x="8" y="29"/>
-                      <a:pt x="9" y="36"/>
-                      <a:pt x="13" y="42"/>
-                    </a:cubicBezTo>
-                    <a:cubicBezTo>
-                      <a:pt x="23" y="28"/>
-                      <a:pt x="37" y="17"/>
-                      <a:pt x="53" y="11"/>
-                    </a:cubicBezTo>
-                    <a:cubicBezTo>
-                      <a:pt x="50" y="8"/>
-                      <a:pt x="47" y="6"/>
-                      <a:pt x="44" y="6"/>
-                    </a:cubicBezTo>
-                    <a:close/>
-                  </a:path>
-                </a:pathLst>
-              </a:custGeom>
-              <a:grpFill/>
-              <a:ln w="6350">
-                <a:solidFill>
-                  <a:schemeClr val="tx1"/>
-                </a:solidFill>
-                <a:round/>
-                <a:headEnd/>
-                <a:tailEnd/>
-              </a:ln>
-            </p:spPr>
-            <p:txBody>
-              <a:bodyPr/>
-              <a:lstStyle/>
-              <a:p>
-                <a:pPr eaLnBrk="1" fontAlgn="auto" hangingPunct="1">
-                  <a:spcBef>
-                    <a:spcPts val="0"/>
-                  </a:spcBef>
-                  <a:spcAft>
-                    <a:spcPts val="0"/>
-                  </a:spcAft>
-                  <a:defRPr/>
-                </a:pPr>
-                <a:endParaRPr lang="en-US" dirty="0">
-                  <a:latin typeface="+mn-lt"/>
-                </a:endParaRPr>
-              </a:p>
-            </p:txBody>
-          </p:sp>
-          <p:sp>
-            <p:nvSpPr>
-              <p:cNvPr id="32" name="Freeform 160">
-                <a:extLst>
-                  <a:ext uri="{FF2B5EF4-FFF2-40B4-BE49-F238E27FC236}">
-                    <a16:creationId xmlns:a16="http://schemas.microsoft.com/office/drawing/2014/main" id="{1D07999A-0B9E-EABC-79E7-1E3F332E33D8}"/>
-                  </a:ext>
-                </a:extLst>
-              </p:cNvPr>
-              <p:cNvSpPr>
-                <a:spLocks/>
-              </p:cNvSpPr>
-              <p:nvPr/>
-            </p:nvSpPr>
-            <p:spPr bwMode="auto">
-              <a:xfrm>
-                <a:off x="9196256" y="4671737"/>
-                <a:ext cx="43263" cy="44500"/>
-              </a:xfrm>
-              <a:custGeom>
-                <a:avLst/>
-                <a:gdLst>
-                  <a:gd name="T0" fmla="*/ 6 w 35"/>
-                  <a:gd name="T1" fmla="*/ 36 h 36"/>
-                  <a:gd name="T2" fmla="*/ 0 w 35"/>
-                  <a:gd name="T3" fmla="*/ 30 h 36"/>
-                  <a:gd name="T4" fmla="*/ 29 w 35"/>
-                  <a:gd name="T5" fmla="*/ 0 h 36"/>
-                  <a:gd name="T6" fmla="*/ 35 w 35"/>
-                  <a:gd name="T7" fmla="*/ 8 h 36"/>
-                  <a:gd name="T8" fmla="*/ 6 w 35"/>
-                  <a:gd name="T9" fmla="*/ 36 h 36"/>
-                </a:gdLst>
-                <a:ahLst/>
-                <a:cxnLst>
-                  <a:cxn ang="0">
-                    <a:pos x="T0" y="T1"/>
-                  </a:cxn>
-                  <a:cxn ang="0">
-                    <a:pos x="T2" y="T3"/>
-                  </a:cxn>
-                  <a:cxn ang="0">
-                    <a:pos x="T4" y="T5"/>
-                  </a:cxn>
-                  <a:cxn ang="0">
-                    <a:pos x="T6" y="T7"/>
-                  </a:cxn>
-                  <a:cxn ang="0">
-                    <a:pos x="T8" y="T9"/>
-                  </a:cxn>
-                </a:cxnLst>
-                <a:rect l="0" t="0" r="r" b="b"/>
-                <a:pathLst>
-                  <a:path w="35" h="36">
-                    <a:moveTo>
-                      <a:pt x="6" y="36"/>
-                    </a:moveTo>
-                    <a:lnTo>
-                      <a:pt x="0" y="30"/>
-                    </a:lnTo>
-                    <a:lnTo>
-                      <a:pt x="29" y="0"/>
-                    </a:lnTo>
-                    <a:lnTo>
-                      <a:pt x="35" y="8"/>
-                    </a:lnTo>
-                    <a:lnTo>
-                      <a:pt x="6" y="36"/>
-                    </a:lnTo>
-                    <a:close/>
-                  </a:path>
-                </a:pathLst>
-              </a:custGeom>
-              <a:grpFill/>
-              <a:ln w="6350">
-                <a:solidFill>
-                  <a:schemeClr val="tx1"/>
-                </a:solidFill>
-                <a:round/>
-                <a:headEnd/>
-                <a:tailEnd/>
-              </a:ln>
-            </p:spPr>
-            <p:txBody>
-              <a:bodyPr/>
-              <a:lstStyle/>
-              <a:p>
-                <a:pPr eaLnBrk="1" fontAlgn="auto" hangingPunct="1">
-                  <a:spcBef>
-                    <a:spcPts val="0"/>
-                  </a:spcBef>
-                  <a:spcAft>
-                    <a:spcPts val="0"/>
-                  </a:spcAft>
-                  <a:defRPr/>
-                </a:pPr>
-                <a:endParaRPr lang="en-US" dirty="0">
-                  <a:latin typeface="+mn-lt"/>
-                </a:endParaRPr>
-              </a:p>
-            </p:txBody>
-          </p:sp>
-          <p:sp>
-            <p:nvSpPr>
-              <p:cNvPr id="33" name="Freeform 161">
-                <a:extLst>
-                  <a:ext uri="{FF2B5EF4-FFF2-40B4-BE49-F238E27FC236}">
-                    <a16:creationId xmlns:a16="http://schemas.microsoft.com/office/drawing/2014/main" id="{417F16D0-0B89-5C5D-14AF-5F751A829BE1}"/>
-                  </a:ext>
-                </a:extLst>
-              </p:cNvPr>
-              <p:cNvSpPr>
-                <a:spLocks/>
-              </p:cNvSpPr>
-              <p:nvPr/>
-            </p:nvSpPr>
-            <p:spPr bwMode="auto">
-              <a:xfrm>
-                <a:off x="9413809" y="4671737"/>
-                <a:ext cx="45736" cy="45736"/>
-              </a:xfrm>
-              <a:custGeom>
-                <a:avLst/>
-                <a:gdLst>
-                  <a:gd name="T0" fmla="*/ 29 w 37"/>
-                  <a:gd name="T1" fmla="*/ 37 h 37"/>
-                  <a:gd name="T2" fmla="*/ 0 w 37"/>
-                  <a:gd name="T3" fmla="*/ 8 h 37"/>
-                  <a:gd name="T4" fmla="*/ 6 w 37"/>
-                  <a:gd name="T5" fmla="*/ 0 h 37"/>
-                  <a:gd name="T6" fmla="*/ 37 w 37"/>
-                  <a:gd name="T7" fmla="*/ 31 h 37"/>
-                  <a:gd name="T8" fmla="*/ 29 w 37"/>
-                  <a:gd name="T9" fmla="*/ 37 h 37"/>
-                </a:gdLst>
-                <a:ahLst/>
-                <a:cxnLst>
-                  <a:cxn ang="0">
-                    <a:pos x="T0" y="T1"/>
-                  </a:cxn>
-                  <a:cxn ang="0">
-                    <a:pos x="T2" y="T3"/>
-                  </a:cxn>
-                  <a:cxn ang="0">
-                    <a:pos x="T4" y="T5"/>
-                  </a:cxn>
-                  <a:cxn ang="0">
-                    <a:pos x="T6" y="T7"/>
-                  </a:cxn>
-                  <a:cxn ang="0">
-                    <a:pos x="T8" y="T9"/>
-                  </a:cxn>
-                </a:cxnLst>
-                <a:rect l="0" t="0" r="r" b="b"/>
-                <a:pathLst>
-                  <a:path w="37" h="37">
-                    <a:moveTo>
-                      <a:pt x="29" y="37"/>
-                    </a:moveTo>
-                    <a:lnTo>
-                      <a:pt x="0" y="8"/>
-                    </a:lnTo>
-                    <a:lnTo>
-                      <a:pt x="6" y="0"/>
-                    </a:lnTo>
-                    <a:lnTo>
-                      <a:pt x="37" y="31"/>
-                    </a:lnTo>
-                    <a:lnTo>
-                      <a:pt x="29" y="37"/>
-                    </a:lnTo>
-                    <a:close/>
-                  </a:path>
-                </a:pathLst>
-              </a:custGeom>
-              <a:grpFill/>
-              <a:ln w="6350">
-                <a:solidFill>
-                  <a:schemeClr val="tx1"/>
-                </a:solidFill>
-                <a:round/>
-                <a:headEnd/>
-                <a:tailEnd/>
-              </a:ln>
-            </p:spPr>
-            <p:txBody>
-              <a:bodyPr/>
-              <a:lstStyle/>
-              <a:p>
-                <a:pPr eaLnBrk="1" fontAlgn="auto" hangingPunct="1">
-                  <a:spcBef>
-                    <a:spcPts val="0"/>
-                  </a:spcBef>
-                  <a:spcAft>
-                    <a:spcPts val="0"/>
-                  </a:spcAft>
-                  <a:defRPr/>
-                </a:pPr>
-                <a:endParaRPr lang="en-US" dirty="0">
-                  <a:latin typeface="+mn-lt"/>
-                </a:endParaRPr>
-              </a:p>
-            </p:txBody>
-          </p:sp>
-          <p:sp>
-            <p:nvSpPr>
-              <p:cNvPr id="34" name="Freeform 162">
-                <a:extLst>
-                  <a:ext uri="{FF2B5EF4-FFF2-40B4-BE49-F238E27FC236}">
-                    <a16:creationId xmlns:a16="http://schemas.microsoft.com/office/drawing/2014/main" id="{EBCE8487-1B7B-DC4F-4D30-0095CB46F85B}"/>
-                  </a:ext>
-                </a:extLst>
-              </p:cNvPr>
-              <p:cNvSpPr>
-                <a:spLocks noEditPoints="1"/>
-              </p:cNvSpPr>
-              <p:nvPr/>
-            </p:nvSpPr>
-            <p:spPr bwMode="auto">
-              <a:xfrm>
-                <a:off x="9167826" y="4397323"/>
-                <a:ext cx="320149" cy="320149"/>
-              </a:xfrm>
-              <a:custGeom>
-                <a:avLst/>
-                <a:gdLst>
-                  <a:gd name="T0" fmla="*/ 84 w 168"/>
-                  <a:gd name="T1" fmla="*/ 168 h 168"/>
-                  <a:gd name="T2" fmla="*/ 0 w 168"/>
-                  <a:gd name="T3" fmla="*/ 84 h 168"/>
-                  <a:gd name="T4" fmla="*/ 84 w 168"/>
-                  <a:gd name="T5" fmla="*/ 0 h 168"/>
-                  <a:gd name="T6" fmla="*/ 168 w 168"/>
-                  <a:gd name="T7" fmla="*/ 84 h 168"/>
-                  <a:gd name="T8" fmla="*/ 84 w 168"/>
-                  <a:gd name="T9" fmla="*/ 168 h 168"/>
-                  <a:gd name="T10" fmla="*/ 84 w 168"/>
-                  <a:gd name="T11" fmla="*/ 6 h 168"/>
-                  <a:gd name="T12" fmla="*/ 6 w 168"/>
-                  <a:gd name="T13" fmla="*/ 84 h 168"/>
-                  <a:gd name="T14" fmla="*/ 84 w 168"/>
-                  <a:gd name="T15" fmla="*/ 162 h 168"/>
-                  <a:gd name="T16" fmla="*/ 162 w 168"/>
-                  <a:gd name="T17" fmla="*/ 84 h 168"/>
-                  <a:gd name="T18" fmla="*/ 84 w 168"/>
-                  <a:gd name="T19" fmla="*/ 6 h 168"/>
-                </a:gdLst>
-                <a:ahLst/>
-                <a:cxnLst>
-                  <a:cxn ang="0">
-                    <a:pos x="T0" y="T1"/>
-                  </a:cxn>
-                  <a:cxn ang="0">
-                    <a:pos x="T2" y="T3"/>
-                  </a:cxn>
-                  <a:cxn ang="0">
-                    <a:pos x="T4" y="T5"/>
-                  </a:cxn>
-                  <a:cxn ang="0">
-                    <a:pos x="T6" y="T7"/>
-                  </a:cxn>
-                  <a:cxn ang="0">
-                    <a:pos x="T8" y="T9"/>
-                  </a:cxn>
-                  <a:cxn ang="0">
-                    <a:pos x="T10" y="T11"/>
-                  </a:cxn>
-                  <a:cxn ang="0">
-                    <a:pos x="T12" y="T13"/>
-                  </a:cxn>
-                  <a:cxn ang="0">
-                    <a:pos x="T14" y="T15"/>
-                  </a:cxn>
-                  <a:cxn ang="0">
-                    <a:pos x="T16" y="T17"/>
-                  </a:cxn>
-                  <a:cxn ang="0">
-                    <a:pos x="T18" y="T19"/>
-                  </a:cxn>
-                </a:cxnLst>
-                <a:rect l="0" t="0" r="r" b="b"/>
-                <a:pathLst>
-                  <a:path w="168" h="168">
-                    <a:moveTo>
-                      <a:pt x="84" y="168"/>
-                    </a:moveTo>
-                    <a:cubicBezTo>
-                      <a:pt x="38" y="168"/>
-                      <a:pt x="0" y="131"/>
-                      <a:pt x="0" y="84"/>
-                    </a:cubicBezTo>
-                    <a:cubicBezTo>
-                      <a:pt x="0" y="38"/>
-                      <a:pt x="38" y="0"/>
-                      <a:pt x="84" y="0"/>
-                    </a:cubicBezTo>
-                    <a:cubicBezTo>
-                      <a:pt x="130" y="0"/>
-                      <a:pt x="168" y="38"/>
-                      <a:pt x="168" y="84"/>
-                    </a:cubicBezTo>
-                    <a:cubicBezTo>
-                      <a:pt x="168" y="131"/>
-                      <a:pt x="130" y="168"/>
-                      <a:pt x="84" y="168"/>
-                    </a:cubicBezTo>
-                    <a:close/>
-                    <a:moveTo>
-                      <a:pt x="84" y="6"/>
-                    </a:moveTo>
-                    <a:cubicBezTo>
-                      <a:pt x="41" y="6"/>
-                      <a:pt x="6" y="41"/>
-                      <a:pt x="6" y="84"/>
-                    </a:cubicBezTo>
-                    <a:cubicBezTo>
-                      <a:pt x="6" y="127"/>
-                      <a:pt x="41" y="162"/>
-                      <a:pt x="84" y="162"/>
-                    </a:cubicBezTo>
-                    <a:cubicBezTo>
-                      <a:pt x="127" y="162"/>
-                      <a:pt x="162" y="127"/>
-                      <a:pt x="162" y="84"/>
-                    </a:cubicBezTo>
-                    <a:cubicBezTo>
-                      <a:pt x="162" y="41"/>
-                      <a:pt x="127" y="6"/>
-                      <a:pt x="84" y="6"/>
-                    </a:cubicBezTo>
-                    <a:close/>
-                  </a:path>
-                </a:pathLst>
-              </a:custGeom>
-              <a:grpFill/>
-              <a:ln w="6350">
-                <a:solidFill>
-                  <a:schemeClr val="tx1"/>
-                </a:solidFill>
-                <a:round/>
-                <a:headEnd/>
-                <a:tailEnd/>
-              </a:ln>
-            </p:spPr>
-            <p:txBody>
-              <a:bodyPr/>
-              <a:lstStyle/>
-              <a:p>
-                <a:pPr eaLnBrk="1" fontAlgn="auto" hangingPunct="1">
-                  <a:spcBef>
-                    <a:spcPts val="0"/>
-                  </a:spcBef>
-                  <a:spcAft>
-                    <a:spcPts val="0"/>
-                  </a:spcAft>
-                  <a:defRPr/>
-                </a:pPr>
-                <a:endParaRPr lang="en-US" dirty="0">
-                  <a:latin typeface="+mn-lt"/>
-                </a:endParaRPr>
-              </a:p>
-            </p:txBody>
-          </p:sp>
-          <p:sp>
-            <p:nvSpPr>
-              <p:cNvPr id="35" name="Freeform 163">
-                <a:extLst>
-                  <a:ext uri="{FF2B5EF4-FFF2-40B4-BE49-F238E27FC236}">
-                    <a16:creationId xmlns:a16="http://schemas.microsoft.com/office/drawing/2014/main" id="{6C353EFD-0A51-247D-9F9E-964856BBE9A0}"/>
-                  </a:ext>
-                </a:extLst>
-              </p:cNvPr>
-              <p:cNvSpPr>
-                <a:spLocks/>
-              </p:cNvSpPr>
-              <p:nvPr/>
-            </p:nvSpPr>
-            <p:spPr bwMode="auto">
-              <a:xfrm>
-                <a:off x="9234575" y="4446767"/>
-                <a:ext cx="100124" cy="126082"/>
-              </a:xfrm>
-              <a:custGeom>
-                <a:avLst/>
-                <a:gdLst>
-                  <a:gd name="T0" fmla="*/ 81 w 81"/>
-                  <a:gd name="T1" fmla="*/ 102 h 102"/>
-                  <a:gd name="T2" fmla="*/ 0 w 81"/>
-                  <a:gd name="T3" fmla="*/ 102 h 102"/>
-                  <a:gd name="T4" fmla="*/ 0 w 81"/>
-                  <a:gd name="T5" fmla="*/ 93 h 102"/>
-                  <a:gd name="T6" fmla="*/ 72 w 81"/>
-                  <a:gd name="T7" fmla="*/ 93 h 102"/>
-                  <a:gd name="T8" fmla="*/ 72 w 81"/>
-                  <a:gd name="T9" fmla="*/ 0 h 102"/>
-                  <a:gd name="T10" fmla="*/ 81 w 81"/>
-                  <a:gd name="T11" fmla="*/ 0 h 102"/>
-                  <a:gd name="T12" fmla="*/ 81 w 81"/>
-                  <a:gd name="T13" fmla="*/ 102 h 102"/>
-                </a:gdLst>
-                <a:ahLst/>
-                <a:cxnLst>
-                  <a:cxn ang="0">
-                    <a:pos x="T0" y="T1"/>
-                  </a:cxn>
-                  <a:cxn ang="0">
-                    <a:pos x="T2" y="T3"/>
-                  </a:cxn>
-                  <a:cxn ang="0">
-                    <a:pos x="T4" y="T5"/>
-                  </a:cxn>
-                  <a:cxn ang="0">
-                    <a:pos x="T6" y="T7"/>
-                  </a:cxn>
-                  <a:cxn ang="0">
-                    <a:pos x="T8" y="T9"/>
-                  </a:cxn>
-                  <a:cxn ang="0">
-                    <a:pos x="T10" y="T11"/>
-                  </a:cxn>
-                  <a:cxn ang="0">
-                    <a:pos x="T12" y="T13"/>
-                  </a:cxn>
-                </a:cxnLst>
-                <a:rect l="0" t="0" r="r" b="b"/>
-                <a:pathLst>
-                  <a:path w="81" h="102">
-                    <a:moveTo>
-                      <a:pt x="81" y="102"/>
-                    </a:moveTo>
-                    <a:lnTo>
-                      <a:pt x="0" y="102"/>
-                    </a:lnTo>
-                    <a:lnTo>
-                      <a:pt x="0" y="93"/>
-                    </a:lnTo>
-                    <a:lnTo>
-                      <a:pt x="72" y="93"/>
-                    </a:lnTo>
-                    <a:lnTo>
-                      <a:pt x="72" y="0"/>
-                    </a:lnTo>
-                    <a:lnTo>
-                      <a:pt x="81" y="0"/>
-                    </a:lnTo>
-                    <a:lnTo>
-                      <a:pt x="81" y="102"/>
-                    </a:lnTo>
-                    <a:close/>
-                  </a:path>
-                </a:pathLst>
-              </a:custGeom>
-              <a:grpFill/>
-              <a:ln w="6350">
-                <a:solidFill>
-                  <a:schemeClr val="tx1"/>
-                </a:solidFill>
-                <a:round/>
-                <a:headEnd/>
-                <a:tailEnd/>
-              </a:ln>
-            </p:spPr>
-            <p:txBody>
-              <a:bodyPr/>
-              <a:lstStyle/>
-              <a:p>
-                <a:pPr eaLnBrk="1" fontAlgn="auto" hangingPunct="1">
-                  <a:spcBef>
-                    <a:spcPts val="0"/>
-                  </a:spcBef>
-                  <a:spcAft>
-                    <a:spcPts val="0"/>
-                  </a:spcAft>
-                  <a:defRPr/>
-                </a:pPr>
-                <a:endParaRPr lang="en-US" dirty="0">
-                  <a:latin typeface="+mn-lt"/>
-                </a:endParaRPr>
-              </a:p>
-            </p:txBody>
-          </p:sp>
-        </p:grpSp>
-      </p:grpSp>
-      <p:grpSp>
-        <p:nvGrpSpPr>
-          <p:cNvPr id="36" name="Group 35" descr="search icon">
-            <a:extLst>
-              <a:ext uri="{FF2B5EF4-FFF2-40B4-BE49-F238E27FC236}">
-                <a16:creationId xmlns:a16="http://schemas.microsoft.com/office/drawing/2014/main" id="{687B6C54-1790-E64F-C35E-76DA0084E125}"/>
-              </a:ext>
-            </a:extLst>
-          </p:cNvPr>
-          <p:cNvGrpSpPr/>
-          <p:nvPr/>
-        </p:nvGrpSpPr>
-        <p:grpSpPr>
-          <a:xfrm>
-            <a:off x="10965805" y="4109091"/>
-            <a:ext cx="823913" cy="823912"/>
-            <a:chOff x="744537" y="3975887"/>
-            <a:chExt cx="823913" cy="823912"/>
-          </a:xfrm>
-          <a:solidFill>
-            <a:schemeClr val="bg1"/>
-          </a:solidFill>
-        </p:grpSpPr>
-        <p:sp>
-          <p:nvSpPr>
-            <p:cNvPr id="37" name="Oval 68">
-              <a:extLst>
-                <a:ext uri="{FF2B5EF4-FFF2-40B4-BE49-F238E27FC236}">
-                  <a16:creationId xmlns:a16="http://schemas.microsoft.com/office/drawing/2014/main" id="{B380DB8B-E26A-8E61-2773-43637836E1B1}"/>
-                </a:ext>
-                <a:ext uri="{C183D7F6-B498-43B3-948B-1728B52AA6E4}">
-                  <adec:decorative xmlns:adec="http://schemas.microsoft.com/office/drawing/2017/decorative" val="1"/>
-                </a:ext>
-              </a:extLst>
-            </p:cNvPr>
-            <p:cNvSpPr>
-              <a:spLocks noChangeArrowheads="1"/>
-            </p:cNvSpPr>
-            <p:nvPr/>
-          </p:nvSpPr>
-          <p:spPr bwMode="auto">
-            <a:xfrm>
-              <a:off x="744537" y="3975887"/>
-              <a:ext cx="823913" cy="823912"/>
-            </a:xfrm>
-            <a:prstGeom prst="ellipse">
-              <a:avLst/>
-            </a:prstGeom>
-            <a:grpFill/>
-            <a:ln w="57150">
-              <a:noFill/>
-              <a:round/>
-              <a:headEnd/>
-              <a:tailEnd/>
-            </a:ln>
-          </p:spPr>
-          <p:txBody>
-            <a:bodyPr/>
-            <a:lstStyle/>
-            <a:p>
-              <a:pPr eaLnBrk="1" fontAlgn="auto" hangingPunct="1">
-                <a:spcBef>
-                  <a:spcPts val="0"/>
-                </a:spcBef>
-                <a:spcAft>
-                  <a:spcPts val="0"/>
-                </a:spcAft>
-                <a:defRPr/>
-              </a:pPr>
-              <a:endParaRPr lang="en-US" dirty="0">
-                <a:latin typeface="+mn-lt"/>
-              </a:endParaRPr>
-            </a:p>
-          </p:txBody>
-        </p:sp>
-        <p:grpSp>
-          <p:nvGrpSpPr>
-            <p:cNvPr id="38" name="Group 37" descr="Unlock">
-              <a:extLst>
-                <a:ext uri="{FF2B5EF4-FFF2-40B4-BE49-F238E27FC236}">
-                  <a16:creationId xmlns:a16="http://schemas.microsoft.com/office/drawing/2014/main" id="{31961FAE-21E7-F95B-70E1-CB3C7A6E0466}"/>
-                </a:ext>
-              </a:extLst>
-            </p:cNvPr>
-            <p:cNvGrpSpPr/>
-            <p:nvPr/>
-          </p:nvGrpSpPr>
-          <p:grpSpPr bwMode="auto">
-            <a:xfrm>
-              <a:off x="993177" y="4210484"/>
-              <a:ext cx="360941" cy="337455"/>
-              <a:chOff x="6955211" y="4365185"/>
-              <a:chExt cx="360941" cy="337455"/>
-            </a:xfrm>
-            <a:grpFill/>
-          </p:grpSpPr>
-          <p:sp>
-            <p:nvSpPr>
-              <p:cNvPr id="39" name="Freeform 188">
-                <a:extLst>
-                  <a:ext uri="{FF2B5EF4-FFF2-40B4-BE49-F238E27FC236}">
-                    <a16:creationId xmlns:a16="http://schemas.microsoft.com/office/drawing/2014/main" id="{EA3947DC-A4F0-4BBD-41F0-EA78C084B8E8}"/>
-                  </a:ext>
-                </a:extLst>
-              </p:cNvPr>
-              <p:cNvSpPr>
-                <a:spLocks/>
-              </p:cNvSpPr>
-              <p:nvPr/>
-            </p:nvSpPr>
-            <p:spPr bwMode="auto">
-              <a:xfrm>
-                <a:off x="6955211" y="4365185"/>
-                <a:ext cx="337455" cy="337455"/>
-              </a:xfrm>
-              <a:custGeom>
-                <a:avLst/>
-                <a:gdLst>
-                  <a:gd name="T0" fmla="*/ 88 w 177"/>
-                  <a:gd name="T1" fmla="*/ 177 h 177"/>
-                  <a:gd name="T2" fmla="*/ 26 w 177"/>
-                  <a:gd name="T3" fmla="*/ 151 h 177"/>
-                  <a:gd name="T4" fmla="*/ 0 w 177"/>
-                  <a:gd name="T5" fmla="*/ 89 h 177"/>
-                  <a:gd name="T6" fmla="*/ 26 w 177"/>
-                  <a:gd name="T7" fmla="*/ 27 h 177"/>
-                  <a:gd name="T8" fmla="*/ 88 w 177"/>
-                  <a:gd name="T9" fmla="*/ 0 h 177"/>
-                  <a:gd name="T10" fmla="*/ 88 w 177"/>
-                  <a:gd name="T11" fmla="*/ 0 h 177"/>
-                  <a:gd name="T12" fmla="*/ 177 w 177"/>
-                  <a:gd name="T13" fmla="*/ 88 h 177"/>
-                  <a:gd name="T14" fmla="*/ 171 w 177"/>
-                  <a:gd name="T15" fmla="*/ 88 h 177"/>
-                  <a:gd name="T16" fmla="*/ 88 w 177"/>
-                  <a:gd name="T17" fmla="*/ 6 h 177"/>
-                  <a:gd name="T18" fmla="*/ 88 w 177"/>
-                  <a:gd name="T19" fmla="*/ 6 h 177"/>
-                  <a:gd name="T20" fmla="*/ 30 w 177"/>
-                  <a:gd name="T21" fmla="*/ 31 h 177"/>
-                  <a:gd name="T22" fmla="*/ 6 w 177"/>
-                  <a:gd name="T23" fmla="*/ 89 h 177"/>
-                  <a:gd name="T24" fmla="*/ 31 w 177"/>
-                  <a:gd name="T25" fmla="*/ 147 h 177"/>
-                  <a:gd name="T26" fmla="*/ 88 w 177"/>
-                  <a:gd name="T27" fmla="*/ 171 h 177"/>
-                  <a:gd name="T28" fmla="*/ 89 w 177"/>
-                  <a:gd name="T29" fmla="*/ 171 h 177"/>
-                  <a:gd name="T30" fmla="*/ 155 w 177"/>
-                  <a:gd name="T31" fmla="*/ 136 h 177"/>
-                  <a:gd name="T32" fmla="*/ 160 w 177"/>
-                  <a:gd name="T33" fmla="*/ 140 h 177"/>
-                  <a:gd name="T34" fmla="*/ 89 w 177"/>
-                  <a:gd name="T35" fmla="*/ 177 h 177"/>
-                  <a:gd name="T36" fmla="*/ 88 w 177"/>
-                  <a:gd name="T37" fmla="*/ 177 h 177"/>
-                </a:gdLst>
-                <a:ahLst/>
-                <a:cxnLst>
-                  <a:cxn ang="0">
-                    <a:pos x="T0" y="T1"/>
-                  </a:cxn>
-                  <a:cxn ang="0">
-                    <a:pos x="T2" y="T3"/>
-                  </a:cxn>
-                  <a:cxn ang="0">
-                    <a:pos x="T4" y="T5"/>
-                  </a:cxn>
-                  <a:cxn ang="0">
-                    <a:pos x="T6" y="T7"/>
-                  </a:cxn>
-                  <a:cxn ang="0">
-                    <a:pos x="T8" y="T9"/>
-                  </a:cxn>
-                  <a:cxn ang="0">
-                    <a:pos x="T10" y="T11"/>
-                  </a:cxn>
-                  <a:cxn ang="0">
-                    <a:pos x="T12" y="T13"/>
-                  </a:cxn>
-                  <a:cxn ang="0">
-                    <a:pos x="T14" y="T15"/>
-                  </a:cxn>
-                  <a:cxn ang="0">
-                    <a:pos x="T16" y="T17"/>
-                  </a:cxn>
-                  <a:cxn ang="0">
-                    <a:pos x="T18" y="T19"/>
-                  </a:cxn>
-                  <a:cxn ang="0">
-                    <a:pos x="T20" y="T21"/>
-                  </a:cxn>
-                  <a:cxn ang="0">
-                    <a:pos x="T22" y="T23"/>
-                  </a:cxn>
-                  <a:cxn ang="0">
-                    <a:pos x="T24" y="T25"/>
-                  </a:cxn>
-                  <a:cxn ang="0">
-                    <a:pos x="T26" y="T27"/>
-                  </a:cxn>
-                  <a:cxn ang="0">
-                    <a:pos x="T28" y="T29"/>
-                  </a:cxn>
-                  <a:cxn ang="0">
-                    <a:pos x="T30" y="T31"/>
-                  </a:cxn>
-                  <a:cxn ang="0">
-                    <a:pos x="T32" y="T33"/>
-                  </a:cxn>
-                  <a:cxn ang="0">
-                    <a:pos x="T34" y="T35"/>
-                  </a:cxn>
-                  <a:cxn ang="0">
-                    <a:pos x="T36" y="T37"/>
-                  </a:cxn>
-                </a:cxnLst>
-                <a:rect l="0" t="0" r="r" b="b"/>
-                <a:pathLst>
-                  <a:path w="177" h="177">
-                    <a:moveTo>
-                      <a:pt x="88" y="177"/>
-                    </a:moveTo>
-                    <a:cubicBezTo>
-                      <a:pt x="65" y="177"/>
-                      <a:pt x="43" y="168"/>
-                      <a:pt x="26" y="151"/>
-                    </a:cubicBezTo>
-                    <a:cubicBezTo>
-                      <a:pt x="10" y="135"/>
-                      <a:pt x="0" y="113"/>
-                      <a:pt x="0" y="89"/>
-                    </a:cubicBezTo>
-                    <a:cubicBezTo>
-                      <a:pt x="0" y="66"/>
-                      <a:pt x="9" y="43"/>
-                      <a:pt x="26" y="27"/>
-                    </a:cubicBezTo>
-                    <a:cubicBezTo>
-                      <a:pt x="42" y="10"/>
-                      <a:pt x="64" y="1"/>
-                      <a:pt x="88" y="0"/>
-                    </a:cubicBezTo>
-                    <a:cubicBezTo>
-                      <a:pt x="88" y="0"/>
-                      <a:pt x="88" y="0"/>
-                      <a:pt x="88" y="0"/>
-                    </a:cubicBezTo>
-                    <a:cubicBezTo>
-                      <a:pt x="137" y="0"/>
-                      <a:pt x="176" y="40"/>
-                      <a:pt x="177" y="88"/>
-                    </a:cubicBezTo>
-                    <a:cubicBezTo>
-                      <a:pt x="171" y="88"/>
-                      <a:pt x="171" y="88"/>
-                      <a:pt x="171" y="88"/>
-                    </a:cubicBezTo>
-                    <a:cubicBezTo>
-                      <a:pt x="170" y="43"/>
-                      <a:pt x="133" y="6"/>
-                      <a:pt x="88" y="6"/>
-                    </a:cubicBezTo>
-                    <a:cubicBezTo>
-                      <a:pt x="88" y="6"/>
-                      <a:pt x="88" y="6"/>
-                      <a:pt x="88" y="6"/>
-                    </a:cubicBezTo>
-                    <a:cubicBezTo>
-                      <a:pt x="66" y="7"/>
-                      <a:pt x="45" y="15"/>
-                      <a:pt x="30" y="31"/>
-                    </a:cubicBezTo>
-                    <a:cubicBezTo>
-                      <a:pt x="14" y="46"/>
-                      <a:pt x="6" y="67"/>
-                      <a:pt x="6" y="89"/>
-                    </a:cubicBezTo>
-                    <a:cubicBezTo>
-                      <a:pt x="6" y="111"/>
-                      <a:pt x="15" y="132"/>
-                      <a:pt x="31" y="147"/>
-                    </a:cubicBezTo>
-                    <a:cubicBezTo>
-                      <a:pt x="46" y="162"/>
-                      <a:pt x="67" y="171"/>
-                      <a:pt x="88" y="171"/>
-                    </a:cubicBezTo>
-                    <a:cubicBezTo>
-                      <a:pt x="88" y="171"/>
-                      <a:pt x="89" y="171"/>
-                      <a:pt x="89" y="171"/>
-                    </a:cubicBezTo>
-                    <a:cubicBezTo>
-                      <a:pt x="115" y="171"/>
-                      <a:pt x="140" y="158"/>
-                      <a:pt x="155" y="136"/>
-                    </a:cubicBezTo>
-                    <a:cubicBezTo>
-                      <a:pt x="160" y="140"/>
-                      <a:pt x="160" y="140"/>
-                      <a:pt x="160" y="140"/>
-                    </a:cubicBezTo>
-                    <a:cubicBezTo>
-                      <a:pt x="144" y="163"/>
-                      <a:pt x="117" y="177"/>
-                      <a:pt x="89" y="177"/>
-                    </a:cubicBezTo>
-                    <a:cubicBezTo>
-                      <a:pt x="89" y="177"/>
-                      <a:pt x="89" y="177"/>
-                      <a:pt x="88" y="177"/>
-                    </a:cubicBezTo>
-                    <a:close/>
-                  </a:path>
-                </a:pathLst>
-              </a:custGeom>
-              <a:grpFill/>
-              <a:ln w="9525">
-                <a:solidFill>
-                  <a:schemeClr val="tx1"/>
-                </a:solidFill>
-                <a:round/>
-                <a:headEnd/>
-                <a:tailEnd/>
-              </a:ln>
-            </p:spPr>
-            <p:txBody>
-              <a:bodyPr/>
-              <a:lstStyle/>
-              <a:p>
-                <a:pPr eaLnBrk="1" fontAlgn="auto" hangingPunct="1">
-                  <a:spcBef>
-                    <a:spcPts val="0"/>
-                  </a:spcBef>
-                  <a:spcAft>
-                    <a:spcPts val="0"/>
-                  </a:spcAft>
-                  <a:defRPr/>
-                </a:pPr>
-                <a:endParaRPr lang="en-US" dirty="0">
-                  <a:latin typeface="+mn-lt"/>
-                </a:endParaRPr>
-              </a:p>
-            </p:txBody>
-          </p:sp>
-          <p:sp>
-            <p:nvSpPr>
-              <p:cNvPr id="40" name="Freeform 189">
-                <a:extLst>
-                  <a:ext uri="{FF2B5EF4-FFF2-40B4-BE49-F238E27FC236}">
-                    <a16:creationId xmlns:a16="http://schemas.microsoft.com/office/drawing/2014/main" id="{3CF09D77-F139-589A-402B-7F84A005143C}"/>
-                  </a:ext>
-                </a:extLst>
-              </p:cNvPr>
-              <p:cNvSpPr>
-                <a:spLocks/>
-              </p:cNvSpPr>
-              <p:nvPr/>
-            </p:nvSpPr>
-            <p:spPr bwMode="auto">
-              <a:xfrm>
-                <a:off x="7241986" y="4491267"/>
-                <a:ext cx="74166" cy="66749"/>
-              </a:xfrm>
-              <a:custGeom>
-                <a:avLst/>
-                <a:gdLst>
-                  <a:gd name="T0" fmla="*/ 0 w 60"/>
-                  <a:gd name="T1" fmla="*/ 0 h 54"/>
-                  <a:gd name="T2" fmla="*/ 31 w 60"/>
-                  <a:gd name="T3" fmla="*/ 54 h 54"/>
-                  <a:gd name="T4" fmla="*/ 60 w 60"/>
-                  <a:gd name="T5" fmla="*/ 0 h 54"/>
-                  <a:gd name="T6" fmla="*/ 0 w 60"/>
-                  <a:gd name="T7" fmla="*/ 0 h 54"/>
-                </a:gdLst>
-                <a:ahLst/>
-                <a:cxnLst>
-                  <a:cxn ang="0">
-                    <a:pos x="T0" y="T1"/>
-                  </a:cxn>
-                  <a:cxn ang="0">
-                    <a:pos x="T2" y="T3"/>
-                  </a:cxn>
-                  <a:cxn ang="0">
-                    <a:pos x="T4" y="T5"/>
-                  </a:cxn>
-                  <a:cxn ang="0">
-                    <a:pos x="T6" y="T7"/>
-                  </a:cxn>
-                </a:cxnLst>
-                <a:rect l="0" t="0" r="r" b="b"/>
-                <a:pathLst>
-                  <a:path w="60" h="54">
-                    <a:moveTo>
-                      <a:pt x="0" y="0"/>
-                    </a:moveTo>
-                    <a:lnTo>
-                      <a:pt x="31" y="54"/>
-                    </a:lnTo>
-                    <a:lnTo>
-                      <a:pt x="60" y="0"/>
-                    </a:lnTo>
-                    <a:lnTo>
-                      <a:pt x="0" y="0"/>
-                    </a:lnTo>
-                    <a:close/>
-                  </a:path>
-                </a:pathLst>
-              </a:custGeom>
-              <a:grpFill/>
-              <a:ln w="9525">
-                <a:solidFill>
-                  <a:schemeClr val="tx1"/>
-                </a:solidFill>
-                <a:round/>
-                <a:headEnd/>
-                <a:tailEnd/>
-              </a:ln>
-            </p:spPr>
-            <p:txBody>
-              <a:bodyPr/>
-              <a:lstStyle/>
-              <a:p>
-                <a:pPr eaLnBrk="1" fontAlgn="auto" hangingPunct="1">
-                  <a:spcBef>
-                    <a:spcPts val="0"/>
-                  </a:spcBef>
-                  <a:spcAft>
-                    <a:spcPts val="0"/>
-                  </a:spcAft>
-                  <a:defRPr/>
-                </a:pPr>
-                <a:endParaRPr lang="en-US" dirty="0">
-                  <a:latin typeface="+mn-lt"/>
-                </a:endParaRPr>
-              </a:p>
-            </p:txBody>
-          </p:sp>
-          <p:sp>
-            <p:nvSpPr>
-              <p:cNvPr id="41" name="Freeform 190">
-                <a:extLst>
-                  <a:ext uri="{FF2B5EF4-FFF2-40B4-BE49-F238E27FC236}">
-                    <a16:creationId xmlns:a16="http://schemas.microsoft.com/office/drawing/2014/main" id="{DF1C3F24-8703-6BE4-9364-F8F863E7757D}"/>
-                  </a:ext>
-                </a:extLst>
-              </p:cNvPr>
-              <p:cNvSpPr>
-                <a:spLocks noEditPoints="1"/>
-              </p:cNvSpPr>
-              <p:nvPr/>
-            </p:nvSpPr>
-            <p:spPr bwMode="auto">
-              <a:xfrm>
-                <a:off x="7077585" y="4452947"/>
-                <a:ext cx="91471" cy="76638"/>
-              </a:xfrm>
-              <a:custGeom>
-                <a:avLst/>
-                <a:gdLst>
-                  <a:gd name="T0" fmla="*/ 1 w 48"/>
-                  <a:gd name="T1" fmla="*/ 40 h 40"/>
-                  <a:gd name="T2" fmla="*/ 0 w 48"/>
-                  <a:gd name="T3" fmla="*/ 24 h 40"/>
-                  <a:gd name="T4" fmla="*/ 24 w 48"/>
-                  <a:gd name="T5" fmla="*/ 0 h 40"/>
-                  <a:gd name="T6" fmla="*/ 48 w 48"/>
-                  <a:gd name="T7" fmla="*/ 23 h 40"/>
-                  <a:gd name="T8" fmla="*/ 48 w 48"/>
-                  <a:gd name="T9" fmla="*/ 40 h 40"/>
-                  <a:gd name="T10" fmla="*/ 1 w 48"/>
-                  <a:gd name="T11" fmla="*/ 40 h 40"/>
-                  <a:gd name="T12" fmla="*/ 24 w 48"/>
-                  <a:gd name="T13" fmla="*/ 6 h 40"/>
-                  <a:gd name="T14" fmla="*/ 6 w 48"/>
-                  <a:gd name="T15" fmla="*/ 24 h 40"/>
-                  <a:gd name="T16" fmla="*/ 7 w 48"/>
-                  <a:gd name="T17" fmla="*/ 34 h 40"/>
-                  <a:gd name="T18" fmla="*/ 42 w 48"/>
-                  <a:gd name="T19" fmla="*/ 34 h 40"/>
-                  <a:gd name="T20" fmla="*/ 42 w 48"/>
-                  <a:gd name="T21" fmla="*/ 23 h 40"/>
-                  <a:gd name="T22" fmla="*/ 24 w 48"/>
-                  <a:gd name="T23" fmla="*/ 6 h 40"/>
-                </a:gdLst>
-                <a:ahLst/>
-                <a:cxnLst>
-                  <a:cxn ang="0">
-                    <a:pos x="T0" y="T1"/>
-                  </a:cxn>
-                  <a:cxn ang="0">
-                    <a:pos x="T2" y="T3"/>
-                  </a:cxn>
-                  <a:cxn ang="0">
-                    <a:pos x="T4" y="T5"/>
-                  </a:cxn>
-                  <a:cxn ang="0">
-                    <a:pos x="T6" y="T7"/>
-                  </a:cxn>
-                  <a:cxn ang="0">
-                    <a:pos x="T8" y="T9"/>
-                  </a:cxn>
-                  <a:cxn ang="0">
-                    <a:pos x="T10" y="T11"/>
-                  </a:cxn>
-                  <a:cxn ang="0">
-                    <a:pos x="T12" y="T13"/>
-                  </a:cxn>
-                  <a:cxn ang="0">
-                    <a:pos x="T14" y="T15"/>
-                  </a:cxn>
-                  <a:cxn ang="0">
-                    <a:pos x="T16" y="T17"/>
-                  </a:cxn>
-                  <a:cxn ang="0">
-                    <a:pos x="T18" y="T19"/>
-                  </a:cxn>
-                  <a:cxn ang="0">
-                    <a:pos x="T20" y="T21"/>
-                  </a:cxn>
-                  <a:cxn ang="0">
-                    <a:pos x="T22" y="T23"/>
-                  </a:cxn>
-                </a:cxnLst>
-                <a:rect l="0" t="0" r="r" b="b"/>
-                <a:pathLst>
-                  <a:path w="48" h="40">
-                    <a:moveTo>
-                      <a:pt x="1" y="40"/>
-                    </a:moveTo>
-                    <a:cubicBezTo>
-                      <a:pt x="0" y="24"/>
-                      <a:pt x="0" y="24"/>
-                      <a:pt x="0" y="24"/>
-                    </a:cubicBezTo>
-                    <a:cubicBezTo>
-                      <a:pt x="0" y="11"/>
-                      <a:pt x="11" y="0"/>
-                      <a:pt x="24" y="0"/>
-                    </a:cubicBezTo>
-                    <a:cubicBezTo>
-                      <a:pt x="37" y="0"/>
-                      <a:pt x="48" y="10"/>
-                      <a:pt x="48" y="23"/>
-                    </a:cubicBezTo>
-                    <a:cubicBezTo>
-                      <a:pt x="48" y="40"/>
-                      <a:pt x="48" y="40"/>
-                      <a:pt x="48" y="40"/>
-                    </a:cubicBezTo>
-                    <a:lnTo>
-                      <a:pt x="1" y="40"/>
-                    </a:lnTo>
-                    <a:close/>
-                    <a:moveTo>
-                      <a:pt x="24" y="6"/>
-                    </a:moveTo>
-                    <a:cubicBezTo>
-                      <a:pt x="14" y="6"/>
-                      <a:pt x="6" y="14"/>
-                      <a:pt x="6" y="24"/>
-                    </a:cubicBezTo>
-                    <a:cubicBezTo>
-                      <a:pt x="7" y="34"/>
-                      <a:pt x="7" y="34"/>
-                      <a:pt x="7" y="34"/>
-                    </a:cubicBezTo>
-                    <a:cubicBezTo>
-                      <a:pt x="42" y="34"/>
-                      <a:pt x="42" y="34"/>
-                      <a:pt x="42" y="34"/>
-                    </a:cubicBezTo>
-                    <a:cubicBezTo>
-                      <a:pt x="42" y="23"/>
-                      <a:pt x="42" y="23"/>
-                      <a:pt x="42" y="23"/>
-                    </a:cubicBezTo>
-                    <a:cubicBezTo>
-                      <a:pt x="42" y="14"/>
-                      <a:pt x="34" y="6"/>
-                      <a:pt x="24" y="6"/>
-                    </a:cubicBezTo>
-                    <a:close/>
-                  </a:path>
-                </a:pathLst>
-              </a:custGeom>
-              <a:grpFill/>
-              <a:ln w="9525">
-                <a:solidFill>
-                  <a:schemeClr val="tx1"/>
-                </a:solidFill>
-                <a:round/>
-                <a:headEnd/>
-                <a:tailEnd/>
-              </a:ln>
-            </p:spPr>
-            <p:txBody>
-              <a:bodyPr/>
-              <a:lstStyle/>
-              <a:p>
-                <a:pPr eaLnBrk="1" fontAlgn="auto" hangingPunct="1">
-                  <a:spcBef>
-                    <a:spcPts val="0"/>
-                  </a:spcBef>
-                  <a:spcAft>
-                    <a:spcPts val="0"/>
-                  </a:spcAft>
-                  <a:defRPr/>
-                </a:pPr>
-                <a:endParaRPr lang="en-US" dirty="0">
-                  <a:latin typeface="+mn-lt"/>
-                </a:endParaRPr>
-              </a:p>
-            </p:txBody>
-          </p:sp>
-          <p:sp>
-            <p:nvSpPr>
-              <p:cNvPr id="42" name="Freeform 191">
-                <a:extLst>
-                  <a:ext uri="{FF2B5EF4-FFF2-40B4-BE49-F238E27FC236}">
-                    <a16:creationId xmlns:a16="http://schemas.microsoft.com/office/drawing/2014/main" id="{1DE81C7A-C97B-97B8-B392-DBCDDA5F8A07}"/>
-                  </a:ext>
-                </a:extLst>
-              </p:cNvPr>
-              <p:cNvSpPr>
-                <a:spLocks noEditPoints="1"/>
-              </p:cNvSpPr>
-              <p:nvPr/>
-            </p:nvSpPr>
-            <p:spPr bwMode="auto">
-              <a:xfrm>
-                <a:off x="7059043" y="4517225"/>
-                <a:ext cx="131026" cy="100124"/>
-              </a:xfrm>
-              <a:custGeom>
-                <a:avLst/>
-                <a:gdLst>
-                  <a:gd name="T0" fmla="*/ 5 w 69"/>
-                  <a:gd name="T1" fmla="*/ 52 h 52"/>
-                  <a:gd name="T2" fmla="*/ 5 w 69"/>
-                  <a:gd name="T3" fmla="*/ 52 h 52"/>
-                  <a:gd name="T4" fmla="*/ 1 w 69"/>
-                  <a:gd name="T5" fmla="*/ 47 h 52"/>
-                  <a:gd name="T6" fmla="*/ 0 w 69"/>
-                  <a:gd name="T7" fmla="*/ 4 h 52"/>
-                  <a:gd name="T8" fmla="*/ 5 w 69"/>
-                  <a:gd name="T9" fmla="*/ 0 h 52"/>
-                  <a:gd name="T10" fmla="*/ 64 w 69"/>
-                  <a:gd name="T11" fmla="*/ 0 h 52"/>
-                  <a:gd name="T12" fmla="*/ 68 w 69"/>
-                  <a:gd name="T13" fmla="*/ 4 h 52"/>
-                  <a:gd name="T14" fmla="*/ 69 w 69"/>
-                  <a:gd name="T15" fmla="*/ 47 h 52"/>
-                  <a:gd name="T16" fmla="*/ 67 w 69"/>
-                  <a:gd name="T17" fmla="*/ 50 h 52"/>
-                  <a:gd name="T18" fmla="*/ 64 w 69"/>
-                  <a:gd name="T19" fmla="*/ 51 h 52"/>
-                  <a:gd name="T20" fmla="*/ 5 w 69"/>
-                  <a:gd name="T21" fmla="*/ 52 h 52"/>
-                  <a:gd name="T22" fmla="*/ 6 w 69"/>
-                  <a:gd name="T23" fmla="*/ 6 h 52"/>
-                  <a:gd name="T24" fmla="*/ 7 w 69"/>
-                  <a:gd name="T25" fmla="*/ 46 h 52"/>
-                  <a:gd name="T26" fmla="*/ 62 w 69"/>
-                  <a:gd name="T27" fmla="*/ 45 h 52"/>
-                  <a:gd name="T28" fmla="*/ 62 w 69"/>
-                  <a:gd name="T29" fmla="*/ 6 h 52"/>
-                  <a:gd name="T30" fmla="*/ 6 w 69"/>
-                  <a:gd name="T31" fmla="*/ 6 h 52"/>
-                </a:gdLst>
-                <a:ahLst/>
-                <a:cxnLst>
-                  <a:cxn ang="0">
-                    <a:pos x="T0" y="T1"/>
-                  </a:cxn>
-                  <a:cxn ang="0">
-                    <a:pos x="T2" y="T3"/>
-                  </a:cxn>
-                  <a:cxn ang="0">
-                    <a:pos x="T4" y="T5"/>
-                  </a:cxn>
-                  <a:cxn ang="0">
-                    <a:pos x="T6" y="T7"/>
-                  </a:cxn>
-                  <a:cxn ang="0">
-                    <a:pos x="T8" y="T9"/>
-                  </a:cxn>
-                  <a:cxn ang="0">
-                    <a:pos x="T10" y="T11"/>
-                  </a:cxn>
-                  <a:cxn ang="0">
-                    <a:pos x="T12" y="T13"/>
-                  </a:cxn>
-                  <a:cxn ang="0">
-                    <a:pos x="T14" y="T15"/>
-                  </a:cxn>
-                  <a:cxn ang="0">
-                    <a:pos x="T16" y="T17"/>
-                  </a:cxn>
-                  <a:cxn ang="0">
-                    <a:pos x="T18" y="T19"/>
-                  </a:cxn>
-                  <a:cxn ang="0">
-                    <a:pos x="T20" y="T21"/>
-                  </a:cxn>
-                  <a:cxn ang="0">
-                    <a:pos x="T22" y="T23"/>
-                  </a:cxn>
-                  <a:cxn ang="0">
-                    <a:pos x="T24" y="T25"/>
-                  </a:cxn>
-                  <a:cxn ang="0">
-                    <a:pos x="T26" y="T27"/>
-                  </a:cxn>
-                  <a:cxn ang="0">
-                    <a:pos x="T28" y="T29"/>
-                  </a:cxn>
-                  <a:cxn ang="0">
-                    <a:pos x="T30" y="T31"/>
-                  </a:cxn>
-                </a:cxnLst>
-                <a:rect l="0" t="0" r="r" b="b"/>
-                <a:pathLst>
-                  <a:path w="69" h="52">
-                    <a:moveTo>
-                      <a:pt x="5" y="52"/>
-                    </a:moveTo>
-                    <a:cubicBezTo>
-                      <a:pt x="5" y="52"/>
-                      <a:pt x="5" y="52"/>
-                      <a:pt x="5" y="52"/>
-                    </a:cubicBezTo>
-                    <a:cubicBezTo>
-                      <a:pt x="3" y="52"/>
-                      <a:pt x="1" y="50"/>
-                      <a:pt x="1" y="47"/>
-                    </a:cubicBezTo>
-                    <a:cubicBezTo>
-                      <a:pt x="0" y="4"/>
-                      <a:pt x="0" y="4"/>
-                      <a:pt x="0" y="4"/>
-                    </a:cubicBezTo>
-                    <a:cubicBezTo>
-                      <a:pt x="0" y="2"/>
-                      <a:pt x="2" y="0"/>
-                      <a:pt x="5" y="0"/>
-                    </a:cubicBezTo>
-                    <a:cubicBezTo>
-                      <a:pt x="64" y="0"/>
-                      <a:pt x="64" y="0"/>
-                      <a:pt x="64" y="0"/>
-                    </a:cubicBezTo>
-                    <a:cubicBezTo>
-                      <a:pt x="66" y="0"/>
-                      <a:pt x="68" y="2"/>
-                      <a:pt x="68" y="4"/>
-                    </a:cubicBezTo>
-                    <a:cubicBezTo>
-                      <a:pt x="69" y="47"/>
-                      <a:pt x="69" y="47"/>
-                      <a:pt x="69" y="47"/>
-                    </a:cubicBezTo>
-                    <a:cubicBezTo>
-                      <a:pt x="69" y="48"/>
-                      <a:pt x="68" y="49"/>
-                      <a:pt x="67" y="50"/>
-                    </a:cubicBezTo>
-                    <a:cubicBezTo>
-                      <a:pt x="66" y="51"/>
-                      <a:pt x="65" y="51"/>
-                      <a:pt x="64" y="51"/>
-                    </a:cubicBezTo>
-                    <a:lnTo>
-                      <a:pt x="5" y="52"/>
-                    </a:lnTo>
-                    <a:close/>
-                    <a:moveTo>
-                      <a:pt x="6" y="6"/>
-                    </a:moveTo>
-                    <a:cubicBezTo>
-                      <a:pt x="7" y="46"/>
-                      <a:pt x="7" y="46"/>
-                      <a:pt x="7" y="46"/>
-                    </a:cubicBezTo>
-                    <a:cubicBezTo>
-                      <a:pt x="62" y="45"/>
-                      <a:pt x="62" y="45"/>
-                      <a:pt x="62" y="45"/>
-                    </a:cubicBezTo>
-                    <a:cubicBezTo>
-                      <a:pt x="62" y="6"/>
-                      <a:pt x="62" y="6"/>
-                      <a:pt x="62" y="6"/>
-                    </a:cubicBezTo>
-                    <a:lnTo>
-                      <a:pt x="6" y="6"/>
-                    </a:lnTo>
-                    <a:close/>
-                  </a:path>
-                </a:pathLst>
-              </a:custGeom>
-              <a:grpFill/>
-              <a:ln w="9525">
-                <a:solidFill>
-                  <a:schemeClr val="tx1"/>
-                </a:solidFill>
-                <a:round/>
-                <a:headEnd/>
-                <a:tailEnd/>
-              </a:ln>
-            </p:spPr>
-            <p:txBody>
-              <a:bodyPr/>
-              <a:lstStyle/>
-              <a:p>
-                <a:pPr eaLnBrk="1" fontAlgn="auto" hangingPunct="1">
-                  <a:spcBef>
-                    <a:spcPts val="0"/>
-                  </a:spcBef>
-                  <a:spcAft>
-                    <a:spcPts val="0"/>
-                  </a:spcAft>
-                  <a:defRPr/>
-                </a:pPr>
-                <a:endParaRPr lang="en-US" dirty="0">
-                  <a:latin typeface="+mn-lt"/>
-                </a:endParaRPr>
-              </a:p>
-            </p:txBody>
-          </p:sp>
-        </p:grpSp>
-      </p:grpSp>
-      <p:grpSp>
-        <p:nvGrpSpPr>
-          <p:cNvPr id="43" name="Group 42" descr="tools icon">
-            <a:extLst>
-              <a:ext uri="{FF2B5EF4-FFF2-40B4-BE49-F238E27FC236}">
-                <a16:creationId xmlns:a16="http://schemas.microsoft.com/office/drawing/2014/main" id="{3B45C904-9ACC-B1CD-AC94-A5F94AF041AF}"/>
-              </a:ext>
-            </a:extLst>
-          </p:cNvPr>
-          <p:cNvGrpSpPr/>
-          <p:nvPr/>
-        </p:nvGrpSpPr>
-        <p:grpSpPr>
-          <a:xfrm>
-            <a:off x="10934055" y="5079052"/>
-            <a:ext cx="823913" cy="823912"/>
-            <a:chOff x="712787" y="4945848"/>
-            <a:chExt cx="823913" cy="823912"/>
-          </a:xfrm>
-          <a:solidFill>
-            <a:schemeClr val="bg1"/>
-          </a:solidFill>
-        </p:grpSpPr>
-        <p:sp>
-          <p:nvSpPr>
-            <p:cNvPr id="44" name="Oval 68">
-              <a:extLst>
-                <a:ext uri="{FF2B5EF4-FFF2-40B4-BE49-F238E27FC236}">
-                  <a16:creationId xmlns:a16="http://schemas.microsoft.com/office/drawing/2014/main" id="{30FC6696-8ED2-5800-8AD1-C2F5C1FCEEDC}"/>
-                </a:ext>
-                <a:ext uri="{C183D7F6-B498-43B3-948B-1728B52AA6E4}">
-                  <adec:decorative xmlns:adec="http://schemas.microsoft.com/office/drawing/2017/decorative" val="1"/>
-                </a:ext>
-              </a:extLst>
-            </p:cNvPr>
-            <p:cNvSpPr>
-              <a:spLocks noChangeArrowheads="1"/>
-            </p:cNvSpPr>
-            <p:nvPr/>
-          </p:nvSpPr>
-          <p:spPr bwMode="auto">
-            <a:xfrm>
-              <a:off x="712787" y="4945848"/>
-              <a:ext cx="823913" cy="823912"/>
-            </a:xfrm>
-            <a:prstGeom prst="ellipse">
-              <a:avLst/>
-            </a:prstGeom>
-            <a:grpFill/>
-            <a:ln w="57150">
-              <a:noFill/>
-              <a:round/>
-              <a:headEnd/>
-              <a:tailEnd/>
-            </a:ln>
-          </p:spPr>
-          <p:txBody>
-            <a:bodyPr/>
-            <a:lstStyle/>
-            <a:p>
-              <a:pPr eaLnBrk="1" fontAlgn="auto" hangingPunct="1">
-                <a:spcBef>
-                  <a:spcPts val="0"/>
-                </a:spcBef>
-                <a:spcAft>
-                  <a:spcPts val="0"/>
-                </a:spcAft>
-                <a:defRPr/>
-              </a:pPr>
-              <a:endParaRPr lang="en-US" dirty="0">
-                <a:latin typeface="+mn-lt"/>
-              </a:endParaRPr>
-            </a:p>
-          </p:txBody>
-        </p:sp>
-        <p:grpSp>
-          <p:nvGrpSpPr>
-            <p:cNvPr id="45" name="Group 44" descr="Mechanics">
-              <a:extLst>
-                <a:ext uri="{FF2B5EF4-FFF2-40B4-BE49-F238E27FC236}">
-                  <a16:creationId xmlns:a16="http://schemas.microsoft.com/office/drawing/2014/main" id="{6B0F16DB-169E-EC84-058E-2EA7335875D9}"/>
-                </a:ext>
-              </a:extLst>
-            </p:cNvPr>
-            <p:cNvGrpSpPr/>
-            <p:nvPr/>
-          </p:nvGrpSpPr>
-          <p:grpSpPr bwMode="auto">
-            <a:xfrm>
-              <a:off x="925095" y="5165730"/>
-              <a:ext cx="396000" cy="396000"/>
-              <a:chOff x="5508977" y="3649484"/>
-              <a:chExt cx="331274" cy="323857"/>
-            </a:xfrm>
-            <a:grpFill/>
-          </p:grpSpPr>
-          <p:sp>
-            <p:nvSpPr>
-              <p:cNvPr id="46" name="Freeform 129">
-                <a:extLst>
-                  <a:ext uri="{FF2B5EF4-FFF2-40B4-BE49-F238E27FC236}">
-                    <a16:creationId xmlns:a16="http://schemas.microsoft.com/office/drawing/2014/main" id="{0B8AAE0D-A0CC-6781-4119-45DC8DA00CC2}"/>
-                  </a:ext>
-                </a:extLst>
-              </p:cNvPr>
-              <p:cNvSpPr>
-                <a:spLocks noEditPoints="1"/>
-              </p:cNvSpPr>
-              <p:nvPr/>
-            </p:nvSpPr>
-            <p:spPr bwMode="auto">
-              <a:xfrm>
-                <a:off x="5678322" y="3828718"/>
-                <a:ext cx="161929" cy="144623"/>
-              </a:xfrm>
-              <a:custGeom>
-                <a:avLst/>
-                <a:gdLst>
-                  <a:gd name="T0" fmla="*/ 60 w 85"/>
-                  <a:gd name="T1" fmla="*/ 76 h 76"/>
-                  <a:gd name="T2" fmla="*/ 60 w 85"/>
-                  <a:gd name="T3" fmla="*/ 76 h 76"/>
-                  <a:gd name="T4" fmla="*/ 52 w 85"/>
-                  <a:gd name="T5" fmla="*/ 73 h 76"/>
-                  <a:gd name="T6" fmla="*/ 0 w 85"/>
-                  <a:gd name="T7" fmla="*/ 22 h 76"/>
-                  <a:gd name="T8" fmla="*/ 13 w 85"/>
-                  <a:gd name="T9" fmla="*/ 9 h 76"/>
-                  <a:gd name="T10" fmla="*/ 30 w 85"/>
-                  <a:gd name="T11" fmla="*/ 1 h 76"/>
-                  <a:gd name="T12" fmla="*/ 33 w 85"/>
-                  <a:gd name="T13" fmla="*/ 0 h 76"/>
-                  <a:gd name="T14" fmla="*/ 79 w 85"/>
-                  <a:gd name="T15" fmla="*/ 46 h 76"/>
-                  <a:gd name="T16" fmla="*/ 74 w 85"/>
-                  <a:gd name="T17" fmla="*/ 69 h 76"/>
-                  <a:gd name="T18" fmla="*/ 60 w 85"/>
-                  <a:gd name="T19" fmla="*/ 76 h 76"/>
-                  <a:gd name="T20" fmla="*/ 58 w 85"/>
-                  <a:gd name="T21" fmla="*/ 68 h 76"/>
-                  <a:gd name="T22" fmla="*/ 60 w 85"/>
-                  <a:gd name="T23" fmla="*/ 68 h 76"/>
-                  <a:gd name="T24" fmla="*/ 68 w 85"/>
-                  <a:gd name="T25" fmla="*/ 63 h 76"/>
-                  <a:gd name="T26" fmla="*/ 73 w 85"/>
-                  <a:gd name="T27" fmla="*/ 52 h 76"/>
-                  <a:gd name="T28" fmla="*/ 30 w 85"/>
-                  <a:gd name="T29" fmla="*/ 9 h 76"/>
-                  <a:gd name="T30" fmla="*/ 18 w 85"/>
-                  <a:gd name="T31" fmla="*/ 14 h 76"/>
-                  <a:gd name="T32" fmla="*/ 11 w 85"/>
-                  <a:gd name="T33" fmla="*/ 21 h 76"/>
-                  <a:gd name="T34" fmla="*/ 58 w 85"/>
-                  <a:gd name="T35" fmla="*/ 68 h 76"/>
-                  <a:gd name="T36" fmla="*/ 58 w 85"/>
-                  <a:gd name="T37" fmla="*/ 68 h 76"/>
-                </a:gdLst>
-                <a:ahLst/>
-                <a:cxnLst>
-                  <a:cxn ang="0">
-                    <a:pos x="T0" y="T1"/>
-                  </a:cxn>
-                  <a:cxn ang="0">
-                    <a:pos x="T2" y="T3"/>
-                  </a:cxn>
-                  <a:cxn ang="0">
-                    <a:pos x="T4" y="T5"/>
-                  </a:cxn>
-                  <a:cxn ang="0">
-                    <a:pos x="T6" y="T7"/>
-                  </a:cxn>
-                  <a:cxn ang="0">
-                    <a:pos x="T8" y="T9"/>
-                  </a:cxn>
-                  <a:cxn ang="0">
-                    <a:pos x="T10" y="T11"/>
-                  </a:cxn>
-                  <a:cxn ang="0">
-                    <a:pos x="T12" y="T13"/>
-                  </a:cxn>
-                  <a:cxn ang="0">
-                    <a:pos x="T14" y="T15"/>
-                  </a:cxn>
-                  <a:cxn ang="0">
-                    <a:pos x="T16" y="T17"/>
-                  </a:cxn>
-                  <a:cxn ang="0">
-                    <a:pos x="T18" y="T19"/>
-                  </a:cxn>
-                  <a:cxn ang="0">
-                    <a:pos x="T20" y="T21"/>
-                  </a:cxn>
-                  <a:cxn ang="0">
-                    <a:pos x="T22" y="T23"/>
-                  </a:cxn>
-                  <a:cxn ang="0">
-                    <a:pos x="T24" y="T25"/>
-                  </a:cxn>
-                  <a:cxn ang="0">
-                    <a:pos x="T26" y="T27"/>
-                  </a:cxn>
-                  <a:cxn ang="0">
-                    <a:pos x="T28" y="T29"/>
-                  </a:cxn>
-                  <a:cxn ang="0">
-                    <a:pos x="T30" y="T31"/>
-                  </a:cxn>
-                  <a:cxn ang="0">
-                    <a:pos x="T32" y="T33"/>
-                  </a:cxn>
-                  <a:cxn ang="0">
-                    <a:pos x="T34" y="T35"/>
-                  </a:cxn>
-                  <a:cxn ang="0">
-                    <a:pos x="T36" y="T37"/>
-                  </a:cxn>
-                </a:cxnLst>
-                <a:rect l="0" t="0" r="r" b="b"/>
-                <a:pathLst>
-                  <a:path w="85" h="76">
-                    <a:moveTo>
-                      <a:pt x="60" y="76"/>
-                    </a:moveTo>
-                    <a:cubicBezTo>
-                      <a:pt x="60" y="76"/>
-                      <a:pt x="60" y="76"/>
-                      <a:pt x="60" y="76"/>
-                    </a:cubicBezTo>
-                    <a:cubicBezTo>
-                      <a:pt x="55" y="76"/>
-                      <a:pt x="52" y="74"/>
-                      <a:pt x="52" y="73"/>
-                    </a:cubicBezTo>
-                    <a:cubicBezTo>
-                      <a:pt x="0" y="22"/>
-                      <a:pt x="0" y="22"/>
-                      <a:pt x="0" y="22"/>
-                    </a:cubicBezTo>
-                    <a:cubicBezTo>
-                      <a:pt x="13" y="9"/>
-                      <a:pt x="13" y="9"/>
-                      <a:pt x="13" y="9"/>
-                    </a:cubicBezTo>
-                    <a:cubicBezTo>
-                      <a:pt x="14" y="8"/>
-                      <a:pt x="17" y="5"/>
-                      <a:pt x="30" y="1"/>
-                    </a:cubicBezTo>
-                    <a:cubicBezTo>
-                      <a:pt x="33" y="0"/>
-                      <a:pt x="33" y="0"/>
-                      <a:pt x="33" y="0"/>
-                    </a:cubicBezTo>
-                    <a:cubicBezTo>
-                      <a:pt x="79" y="46"/>
-                      <a:pt x="79" y="46"/>
-                      <a:pt x="79" y="46"/>
-                    </a:cubicBezTo>
-                    <a:cubicBezTo>
-                      <a:pt x="82" y="49"/>
-                      <a:pt x="85" y="58"/>
-                      <a:pt x="74" y="69"/>
-                    </a:cubicBezTo>
-                    <a:cubicBezTo>
-                      <a:pt x="69" y="74"/>
-                      <a:pt x="64" y="76"/>
-                      <a:pt x="60" y="76"/>
-                    </a:cubicBezTo>
-                    <a:close/>
-                    <a:moveTo>
-                      <a:pt x="58" y="68"/>
-                    </a:moveTo>
-                    <a:cubicBezTo>
-                      <a:pt x="58" y="68"/>
-                      <a:pt x="58" y="68"/>
-                      <a:pt x="60" y="68"/>
-                    </a:cubicBezTo>
-                    <a:cubicBezTo>
-                      <a:pt x="62" y="68"/>
-                      <a:pt x="65" y="66"/>
-                      <a:pt x="68" y="63"/>
-                    </a:cubicBezTo>
-                    <a:cubicBezTo>
-                      <a:pt x="76" y="56"/>
-                      <a:pt x="73" y="52"/>
-                      <a:pt x="73" y="52"/>
-                    </a:cubicBezTo>
-                    <a:cubicBezTo>
-                      <a:pt x="30" y="9"/>
-                      <a:pt x="30" y="9"/>
-                      <a:pt x="30" y="9"/>
-                    </a:cubicBezTo>
-                    <a:cubicBezTo>
-                      <a:pt x="21" y="12"/>
-                      <a:pt x="19" y="14"/>
-                      <a:pt x="18" y="14"/>
-                    </a:cubicBezTo>
-                    <a:cubicBezTo>
-                      <a:pt x="11" y="21"/>
-                      <a:pt x="11" y="21"/>
-                      <a:pt x="11" y="21"/>
-                    </a:cubicBezTo>
-                    <a:cubicBezTo>
-                      <a:pt x="58" y="68"/>
-                      <a:pt x="58" y="68"/>
-                      <a:pt x="58" y="68"/>
-                    </a:cubicBezTo>
-                    <a:cubicBezTo>
-                      <a:pt x="58" y="68"/>
-                      <a:pt x="58" y="68"/>
-                      <a:pt x="58" y="68"/>
-                    </a:cubicBezTo>
-                    <a:close/>
-                  </a:path>
-                </a:pathLst>
-              </a:custGeom>
-              <a:grpFill/>
-              <a:ln w="3175">
-                <a:solidFill>
-                  <a:schemeClr val="tx1"/>
-                </a:solidFill>
-                <a:round/>
-                <a:headEnd/>
-                <a:tailEnd/>
-              </a:ln>
-            </p:spPr>
-            <p:txBody>
-              <a:bodyPr/>
-              <a:lstStyle/>
-              <a:p>
-                <a:pPr eaLnBrk="1" fontAlgn="auto" hangingPunct="1">
-                  <a:spcBef>
-                    <a:spcPts val="0"/>
-                  </a:spcBef>
-                  <a:spcAft>
-                    <a:spcPts val="0"/>
-                  </a:spcAft>
-                  <a:defRPr/>
-                </a:pPr>
-                <a:endParaRPr lang="en-US" dirty="0">
-                  <a:latin typeface="+mn-lt"/>
-                </a:endParaRPr>
-              </a:p>
-            </p:txBody>
-          </p:sp>
-          <p:sp>
-            <p:nvSpPr>
-              <p:cNvPr id="47" name="Freeform 130">
-                <a:extLst>
-                  <a:ext uri="{FF2B5EF4-FFF2-40B4-BE49-F238E27FC236}">
-                    <a16:creationId xmlns:a16="http://schemas.microsoft.com/office/drawing/2014/main" id="{C4AA161E-775B-9704-92E4-4BAC4DDBBBE7}"/>
-                  </a:ext>
-                </a:extLst>
-              </p:cNvPr>
-              <p:cNvSpPr>
-                <a:spLocks noEditPoints="1"/>
-              </p:cNvSpPr>
-              <p:nvPr/>
-            </p:nvSpPr>
-            <p:spPr bwMode="auto">
-              <a:xfrm>
-                <a:off x="5508977" y="3649484"/>
-                <a:ext cx="154512" cy="153276"/>
-              </a:xfrm>
-              <a:custGeom>
-                <a:avLst/>
-                <a:gdLst>
-                  <a:gd name="T0" fmla="*/ 65 w 81"/>
-                  <a:gd name="T1" fmla="*/ 80 h 80"/>
-                  <a:gd name="T2" fmla="*/ 32 w 81"/>
-                  <a:gd name="T3" fmla="*/ 47 h 80"/>
-                  <a:gd name="T4" fmla="*/ 18 w 81"/>
-                  <a:gd name="T5" fmla="*/ 41 h 80"/>
-                  <a:gd name="T6" fmla="*/ 0 w 81"/>
-                  <a:gd name="T7" fmla="*/ 15 h 80"/>
-                  <a:gd name="T8" fmla="*/ 15 w 81"/>
-                  <a:gd name="T9" fmla="*/ 0 h 80"/>
-                  <a:gd name="T10" fmla="*/ 42 w 81"/>
-                  <a:gd name="T11" fmla="*/ 17 h 80"/>
-                  <a:gd name="T12" fmla="*/ 48 w 81"/>
-                  <a:gd name="T13" fmla="*/ 31 h 80"/>
-                  <a:gd name="T14" fmla="*/ 81 w 81"/>
-                  <a:gd name="T15" fmla="*/ 64 h 80"/>
-                  <a:gd name="T16" fmla="*/ 79 w 81"/>
-                  <a:gd name="T17" fmla="*/ 67 h 80"/>
-                  <a:gd name="T18" fmla="*/ 74 w 81"/>
-                  <a:gd name="T19" fmla="*/ 72 h 80"/>
-                  <a:gd name="T20" fmla="*/ 74 w 81"/>
-                  <a:gd name="T21" fmla="*/ 73 h 80"/>
-                  <a:gd name="T22" fmla="*/ 65 w 81"/>
-                  <a:gd name="T23" fmla="*/ 80 h 80"/>
-                  <a:gd name="T24" fmla="*/ 23 w 81"/>
-                  <a:gd name="T25" fmla="*/ 35 h 80"/>
-                  <a:gd name="T26" fmla="*/ 36 w 81"/>
-                  <a:gd name="T27" fmla="*/ 41 h 80"/>
-                  <a:gd name="T28" fmla="*/ 65 w 81"/>
-                  <a:gd name="T29" fmla="*/ 70 h 80"/>
-                  <a:gd name="T30" fmla="*/ 69 w 81"/>
-                  <a:gd name="T31" fmla="*/ 66 h 80"/>
-                  <a:gd name="T32" fmla="*/ 70 w 81"/>
-                  <a:gd name="T33" fmla="*/ 65 h 80"/>
-                  <a:gd name="T34" fmla="*/ 41 w 81"/>
-                  <a:gd name="T35" fmla="*/ 36 h 80"/>
-                  <a:gd name="T36" fmla="*/ 35 w 81"/>
-                  <a:gd name="T37" fmla="*/ 22 h 80"/>
-                  <a:gd name="T38" fmla="*/ 16 w 81"/>
-                  <a:gd name="T39" fmla="*/ 10 h 80"/>
-                  <a:gd name="T40" fmla="*/ 11 w 81"/>
-                  <a:gd name="T41" fmla="*/ 16 h 80"/>
-                  <a:gd name="T42" fmla="*/ 23 w 81"/>
-                  <a:gd name="T43" fmla="*/ 35 h 80"/>
-                </a:gdLst>
-                <a:ahLst/>
-                <a:cxnLst>
-                  <a:cxn ang="0">
-                    <a:pos x="T0" y="T1"/>
-                  </a:cxn>
-                  <a:cxn ang="0">
-                    <a:pos x="T2" y="T3"/>
-                  </a:cxn>
-                  <a:cxn ang="0">
-                    <a:pos x="T4" y="T5"/>
-                  </a:cxn>
-                  <a:cxn ang="0">
-                    <a:pos x="T6" y="T7"/>
-                  </a:cxn>
-                  <a:cxn ang="0">
-                    <a:pos x="T8" y="T9"/>
-                  </a:cxn>
-                  <a:cxn ang="0">
-                    <a:pos x="T10" y="T11"/>
-                  </a:cxn>
-                  <a:cxn ang="0">
-                    <a:pos x="T12" y="T13"/>
-                  </a:cxn>
-                  <a:cxn ang="0">
-                    <a:pos x="T14" y="T15"/>
-                  </a:cxn>
-                  <a:cxn ang="0">
-                    <a:pos x="T16" y="T17"/>
-                  </a:cxn>
-                  <a:cxn ang="0">
-                    <a:pos x="T18" y="T19"/>
-                  </a:cxn>
-                  <a:cxn ang="0">
-                    <a:pos x="T20" y="T21"/>
-                  </a:cxn>
-                  <a:cxn ang="0">
-                    <a:pos x="T22" y="T23"/>
-                  </a:cxn>
-                  <a:cxn ang="0">
-                    <a:pos x="T24" y="T25"/>
-                  </a:cxn>
-                  <a:cxn ang="0">
-                    <a:pos x="T26" y="T27"/>
-                  </a:cxn>
-                  <a:cxn ang="0">
-                    <a:pos x="T28" y="T29"/>
-                  </a:cxn>
-                  <a:cxn ang="0">
-                    <a:pos x="T30" y="T31"/>
-                  </a:cxn>
-                  <a:cxn ang="0">
-                    <a:pos x="T32" y="T33"/>
-                  </a:cxn>
-                  <a:cxn ang="0">
-                    <a:pos x="T34" y="T35"/>
-                  </a:cxn>
-                  <a:cxn ang="0">
-                    <a:pos x="T36" y="T37"/>
-                  </a:cxn>
-                  <a:cxn ang="0">
-                    <a:pos x="T38" y="T39"/>
-                  </a:cxn>
-                  <a:cxn ang="0">
-                    <a:pos x="T40" y="T41"/>
-                  </a:cxn>
-                  <a:cxn ang="0">
-                    <a:pos x="T42" y="T43"/>
-                  </a:cxn>
-                </a:cxnLst>
-                <a:rect l="0" t="0" r="r" b="b"/>
-                <a:pathLst>
-                  <a:path w="81" h="80">
-                    <a:moveTo>
-                      <a:pt x="65" y="80"/>
-                    </a:moveTo>
-                    <a:cubicBezTo>
-                      <a:pt x="32" y="47"/>
-                      <a:pt x="32" y="47"/>
-                      <a:pt x="32" y="47"/>
-                    </a:cubicBezTo>
-                    <a:cubicBezTo>
-                      <a:pt x="18" y="41"/>
-                      <a:pt x="18" y="41"/>
-                      <a:pt x="18" y="41"/>
-                    </a:cubicBezTo>
-                    <a:cubicBezTo>
-                      <a:pt x="0" y="15"/>
-                      <a:pt x="0" y="15"/>
-                      <a:pt x="0" y="15"/>
-                    </a:cubicBezTo>
-                    <a:cubicBezTo>
-                      <a:pt x="15" y="0"/>
-                      <a:pt x="15" y="0"/>
-                      <a:pt x="15" y="0"/>
-                    </a:cubicBezTo>
-                    <a:cubicBezTo>
-                      <a:pt x="42" y="17"/>
-                      <a:pt x="42" y="17"/>
-                      <a:pt x="42" y="17"/>
-                    </a:cubicBezTo>
-                    <a:cubicBezTo>
-                      <a:pt x="48" y="31"/>
-                      <a:pt x="48" y="31"/>
-                      <a:pt x="48" y="31"/>
-                    </a:cubicBezTo>
-                    <a:cubicBezTo>
-                      <a:pt x="81" y="64"/>
-                      <a:pt x="81" y="64"/>
-                      <a:pt x="81" y="64"/>
-                    </a:cubicBezTo>
-                    <a:cubicBezTo>
-                      <a:pt x="79" y="67"/>
-                      <a:pt x="79" y="67"/>
-                      <a:pt x="79" y="67"/>
-                    </a:cubicBezTo>
-                    <a:cubicBezTo>
-                      <a:pt x="77" y="69"/>
-                      <a:pt x="76" y="71"/>
-                      <a:pt x="74" y="72"/>
-                    </a:cubicBezTo>
-                    <a:cubicBezTo>
-                      <a:pt x="74" y="73"/>
-                      <a:pt x="74" y="73"/>
-                      <a:pt x="74" y="73"/>
-                    </a:cubicBezTo>
-                    <a:lnTo>
-                      <a:pt x="65" y="80"/>
-                    </a:lnTo>
-                    <a:close/>
-                    <a:moveTo>
-                      <a:pt x="23" y="35"/>
-                    </a:moveTo>
-                    <a:cubicBezTo>
-                      <a:pt x="36" y="41"/>
-                      <a:pt x="36" y="41"/>
-                      <a:pt x="36" y="41"/>
-                    </a:cubicBezTo>
-                    <a:cubicBezTo>
-                      <a:pt x="65" y="70"/>
-                      <a:pt x="65" y="70"/>
-                      <a:pt x="65" y="70"/>
-                    </a:cubicBezTo>
-                    <a:cubicBezTo>
-                      <a:pt x="69" y="66"/>
-                      <a:pt x="69" y="66"/>
-                      <a:pt x="69" y="66"/>
-                    </a:cubicBezTo>
-                    <a:cubicBezTo>
-                      <a:pt x="69" y="66"/>
-                      <a:pt x="70" y="65"/>
-                      <a:pt x="70" y="65"/>
-                    </a:cubicBezTo>
-                    <a:cubicBezTo>
-                      <a:pt x="41" y="36"/>
-                      <a:pt x="41" y="36"/>
-                      <a:pt x="41" y="36"/>
-                    </a:cubicBezTo>
-                    <a:cubicBezTo>
-                      <a:pt x="35" y="22"/>
-                      <a:pt x="35" y="22"/>
-                      <a:pt x="35" y="22"/>
-                    </a:cubicBezTo>
-                    <a:cubicBezTo>
-                      <a:pt x="16" y="10"/>
-                      <a:pt x="16" y="10"/>
-                      <a:pt x="16" y="10"/>
-                    </a:cubicBezTo>
-                    <a:cubicBezTo>
-                      <a:pt x="11" y="16"/>
-                      <a:pt x="11" y="16"/>
-                      <a:pt x="11" y="16"/>
-                    </a:cubicBezTo>
-                    <a:lnTo>
-                      <a:pt x="23" y="35"/>
-                    </a:lnTo>
-                    <a:close/>
-                  </a:path>
-                </a:pathLst>
-              </a:custGeom>
-              <a:grpFill/>
-              <a:ln w="3175">
-                <a:solidFill>
-                  <a:schemeClr val="tx1"/>
-                </a:solidFill>
-                <a:round/>
-                <a:headEnd/>
-                <a:tailEnd/>
-              </a:ln>
-            </p:spPr>
-            <p:txBody>
-              <a:bodyPr/>
-              <a:lstStyle/>
-              <a:p>
-                <a:pPr eaLnBrk="1" fontAlgn="auto" hangingPunct="1">
-                  <a:spcBef>
-                    <a:spcPts val="0"/>
-                  </a:spcBef>
-                  <a:spcAft>
-                    <a:spcPts val="0"/>
-                  </a:spcAft>
-                  <a:defRPr/>
-                </a:pPr>
-                <a:endParaRPr lang="en-US" dirty="0">
-                  <a:latin typeface="+mn-lt"/>
-                </a:endParaRPr>
-              </a:p>
-            </p:txBody>
-          </p:sp>
-          <p:sp>
-            <p:nvSpPr>
-              <p:cNvPr id="48" name="Freeform 131">
-                <a:extLst>
-                  <a:ext uri="{FF2B5EF4-FFF2-40B4-BE49-F238E27FC236}">
-                    <a16:creationId xmlns:a16="http://schemas.microsoft.com/office/drawing/2014/main" id="{CFC8005E-4EBB-D416-EE9D-B49224478123}"/>
-                  </a:ext>
-                </a:extLst>
-              </p:cNvPr>
-              <p:cNvSpPr>
-                <a:spLocks noEditPoints="1"/>
-              </p:cNvSpPr>
-              <p:nvPr/>
-            </p:nvSpPr>
-            <p:spPr bwMode="auto">
-              <a:xfrm>
-                <a:off x="5513921" y="3670498"/>
-                <a:ext cx="302844" cy="286775"/>
-              </a:xfrm>
-              <a:custGeom>
-                <a:avLst/>
-                <a:gdLst>
-                  <a:gd name="T0" fmla="*/ 127 w 159"/>
-                  <a:gd name="T1" fmla="*/ 4 h 150"/>
-                  <a:gd name="T2" fmla="*/ 140 w 159"/>
-                  <a:gd name="T3" fmla="*/ 6 h 150"/>
-                  <a:gd name="T4" fmla="*/ 123 w 159"/>
-                  <a:gd name="T5" fmla="*/ 13 h 150"/>
-                  <a:gd name="T6" fmla="*/ 121 w 159"/>
-                  <a:gd name="T7" fmla="*/ 14 h 150"/>
-                  <a:gd name="T8" fmla="*/ 121 w 159"/>
-                  <a:gd name="T9" fmla="*/ 16 h 150"/>
-                  <a:gd name="T10" fmla="*/ 120 w 159"/>
-                  <a:gd name="T11" fmla="*/ 23 h 150"/>
-                  <a:gd name="T12" fmla="*/ 120 w 159"/>
-                  <a:gd name="T13" fmla="*/ 24 h 150"/>
-                  <a:gd name="T14" fmla="*/ 120 w 159"/>
-                  <a:gd name="T15" fmla="*/ 25 h 150"/>
-                  <a:gd name="T16" fmla="*/ 126 w 159"/>
-                  <a:gd name="T17" fmla="*/ 39 h 150"/>
-                  <a:gd name="T18" fmla="*/ 128 w 159"/>
-                  <a:gd name="T19" fmla="*/ 43 h 150"/>
-                  <a:gd name="T20" fmla="*/ 131 w 159"/>
-                  <a:gd name="T21" fmla="*/ 41 h 150"/>
-                  <a:gd name="T22" fmla="*/ 152 w 159"/>
-                  <a:gd name="T23" fmla="*/ 32 h 150"/>
-                  <a:gd name="T24" fmla="*/ 135 w 159"/>
-                  <a:gd name="T25" fmla="*/ 50 h 150"/>
-                  <a:gd name="T26" fmla="*/ 132 w 159"/>
-                  <a:gd name="T27" fmla="*/ 52 h 150"/>
-                  <a:gd name="T28" fmla="*/ 133 w 159"/>
-                  <a:gd name="T29" fmla="*/ 56 h 150"/>
-                  <a:gd name="T30" fmla="*/ 138 w 159"/>
-                  <a:gd name="T31" fmla="*/ 68 h 150"/>
-                  <a:gd name="T32" fmla="*/ 90 w 159"/>
-                  <a:gd name="T33" fmla="*/ 83 h 150"/>
-                  <a:gd name="T34" fmla="*/ 33 w 159"/>
-                  <a:gd name="T35" fmla="*/ 142 h 150"/>
-                  <a:gd name="T36" fmla="*/ 23 w 159"/>
-                  <a:gd name="T37" fmla="*/ 146 h 150"/>
-                  <a:gd name="T38" fmla="*/ 15 w 159"/>
-                  <a:gd name="T39" fmla="*/ 142 h 150"/>
-                  <a:gd name="T40" fmla="*/ 15 w 159"/>
-                  <a:gd name="T41" fmla="*/ 123 h 150"/>
-                  <a:gd name="T42" fmla="*/ 80 w 159"/>
-                  <a:gd name="T43" fmla="*/ 71 h 150"/>
-                  <a:gd name="T44" fmla="*/ 80 w 159"/>
-                  <a:gd name="T45" fmla="*/ 71 h 150"/>
-                  <a:gd name="T46" fmla="*/ 80 w 159"/>
-                  <a:gd name="T47" fmla="*/ 70 h 150"/>
-                  <a:gd name="T48" fmla="*/ 102 w 159"/>
-                  <a:gd name="T49" fmla="*/ 23 h 150"/>
-                  <a:gd name="T50" fmla="*/ 104 w 159"/>
-                  <a:gd name="T51" fmla="*/ 15 h 150"/>
-                  <a:gd name="T52" fmla="*/ 121 w 159"/>
-                  <a:gd name="T53" fmla="*/ 4 h 150"/>
-                  <a:gd name="T54" fmla="*/ 122 w 159"/>
-                  <a:gd name="T55" fmla="*/ 4 h 150"/>
-                  <a:gd name="T56" fmla="*/ 127 w 159"/>
-                  <a:gd name="T57" fmla="*/ 4 h 150"/>
-                  <a:gd name="T58" fmla="*/ 127 w 159"/>
-                  <a:gd name="T59" fmla="*/ 4 h 150"/>
-                  <a:gd name="T60" fmla="*/ 24 w 159"/>
-                  <a:gd name="T61" fmla="*/ 142 h 150"/>
-                  <a:gd name="T62" fmla="*/ 31 w 159"/>
-                  <a:gd name="T63" fmla="*/ 139 h 150"/>
-                  <a:gd name="T64" fmla="*/ 31 w 159"/>
-                  <a:gd name="T65" fmla="*/ 125 h 150"/>
-                  <a:gd name="T66" fmla="*/ 24 w 159"/>
-                  <a:gd name="T67" fmla="*/ 122 h 150"/>
-                  <a:gd name="T68" fmla="*/ 17 w 159"/>
-                  <a:gd name="T69" fmla="*/ 125 h 150"/>
-                  <a:gd name="T70" fmla="*/ 17 w 159"/>
-                  <a:gd name="T71" fmla="*/ 139 h 150"/>
-                  <a:gd name="T72" fmla="*/ 24 w 159"/>
-                  <a:gd name="T73" fmla="*/ 142 h 150"/>
-                  <a:gd name="T74" fmla="*/ 127 w 159"/>
-                  <a:gd name="T75" fmla="*/ 0 h 150"/>
-                  <a:gd name="T76" fmla="*/ 121 w 159"/>
-                  <a:gd name="T77" fmla="*/ 0 h 150"/>
-                  <a:gd name="T78" fmla="*/ 100 w 159"/>
-                  <a:gd name="T79" fmla="*/ 13 h 150"/>
-                  <a:gd name="T80" fmla="*/ 77 w 159"/>
-                  <a:gd name="T81" fmla="*/ 68 h 150"/>
-                  <a:gd name="T82" fmla="*/ 12 w 159"/>
-                  <a:gd name="T83" fmla="*/ 120 h 150"/>
-                  <a:gd name="T84" fmla="*/ 12 w 159"/>
-                  <a:gd name="T85" fmla="*/ 145 h 150"/>
-                  <a:gd name="T86" fmla="*/ 23 w 159"/>
-                  <a:gd name="T87" fmla="*/ 150 h 150"/>
-                  <a:gd name="T88" fmla="*/ 36 w 159"/>
-                  <a:gd name="T89" fmla="*/ 145 h 150"/>
-                  <a:gd name="T90" fmla="*/ 93 w 159"/>
-                  <a:gd name="T91" fmla="*/ 85 h 150"/>
-                  <a:gd name="T92" fmla="*/ 144 w 159"/>
-                  <a:gd name="T93" fmla="*/ 71 h 150"/>
-                  <a:gd name="T94" fmla="*/ 137 w 159"/>
-                  <a:gd name="T95" fmla="*/ 54 h 150"/>
-                  <a:gd name="T96" fmla="*/ 159 w 159"/>
-                  <a:gd name="T97" fmla="*/ 25 h 150"/>
-                  <a:gd name="T98" fmla="*/ 130 w 159"/>
-                  <a:gd name="T99" fmla="*/ 37 h 150"/>
-                  <a:gd name="T100" fmla="*/ 124 w 159"/>
-                  <a:gd name="T101" fmla="*/ 24 h 150"/>
-                  <a:gd name="T102" fmla="*/ 125 w 159"/>
-                  <a:gd name="T103" fmla="*/ 17 h 150"/>
-                  <a:gd name="T104" fmla="*/ 149 w 159"/>
-                  <a:gd name="T105" fmla="*/ 6 h 150"/>
-                  <a:gd name="T106" fmla="*/ 127 w 159"/>
-                  <a:gd name="T107" fmla="*/ 0 h 150"/>
-                  <a:gd name="T108" fmla="*/ 24 w 159"/>
-                  <a:gd name="T109" fmla="*/ 138 h 150"/>
-                  <a:gd name="T110" fmla="*/ 20 w 159"/>
-                  <a:gd name="T111" fmla="*/ 136 h 150"/>
-                  <a:gd name="T112" fmla="*/ 20 w 159"/>
-                  <a:gd name="T113" fmla="*/ 128 h 150"/>
-                  <a:gd name="T114" fmla="*/ 24 w 159"/>
-                  <a:gd name="T115" fmla="*/ 126 h 150"/>
-                  <a:gd name="T116" fmla="*/ 29 w 159"/>
-                  <a:gd name="T117" fmla="*/ 128 h 150"/>
-                  <a:gd name="T118" fmla="*/ 29 w 159"/>
-                  <a:gd name="T119" fmla="*/ 136 h 150"/>
-                  <a:gd name="T120" fmla="*/ 24 w 159"/>
-                  <a:gd name="T121" fmla="*/ 138 h 150"/>
-                </a:gdLst>
-                <a:ahLst/>
-                <a:cxnLst>
-                  <a:cxn ang="0">
-                    <a:pos x="T0" y="T1"/>
-                  </a:cxn>
-                  <a:cxn ang="0">
-                    <a:pos x="T2" y="T3"/>
-                  </a:cxn>
-                  <a:cxn ang="0">
-                    <a:pos x="T4" y="T5"/>
-                  </a:cxn>
-                  <a:cxn ang="0">
-                    <a:pos x="T6" y="T7"/>
-                  </a:cxn>
-                  <a:cxn ang="0">
-                    <a:pos x="T8" y="T9"/>
-                  </a:cxn>
-                  <a:cxn ang="0">
-                    <a:pos x="T10" y="T11"/>
-                  </a:cxn>
-                  <a:cxn ang="0">
-                    <a:pos x="T12" y="T13"/>
-                  </a:cxn>
-                  <a:cxn ang="0">
-                    <a:pos x="T14" y="T15"/>
-                  </a:cxn>
-                  <a:cxn ang="0">
-                    <a:pos x="T16" y="T17"/>
-                  </a:cxn>
-                  <a:cxn ang="0">
-                    <a:pos x="T18" y="T19"/>
-                  </a:cxn>
-                  <a:cxn ang="0">
-                    <a:pos x="T20" y="T21"/>
-                  </a:cxn>
-                  <a:cxn ang="0">
-                    <a:pos x="T22" y="T23"/>
-                  </a:cxn>
-                  <a:cxn ang="0">
-                    <a:pos x="T24" y="T25"/>
-                  </a:cxn>
-                  <a:cxn ang="0">
-                    <a:pos x="T26" y="T27"/>
-                  </a:cxn>
-                  <a:cxn ang="0">
-                    <a:pos x="T28" y="T29"/>
-                  </a:cxn>
-                  <a:cxn ang="0">
-                    <a:pos x="T30" y="T31"/>
-                  </a:cxn>
-                  <a:cxn ang="0">
-                    <a:pos x="T32" y="T33"/>
-                  </a:cxn>
-                  <a:cxn ang="0">
-                    <a:pos x="T34" y="T35"/>
-                  </a:cxn>
-                  <a:cxn ang="0">
-                    <a:pos x="T36" y="T37"/>
-                  </a:cxn>
-                  <a:cxn ang="0">
-                    <a:pos x="T38" y="T39"/>
-                  </a:cxn>
-                  <a:cxn ang="0">
-                    <a:pos x="T40" y="T41"/>
-                  </a:cxn>
-                  <a:cxn ang="0">
-                    <a:pos x="T42" y="T43"/>
-                  </a:cxn>
-                  <a:cxn ang="0">
-                    <a:pos x="T44" y="T45"/>
-                  </a:cxn>
-                  <a:cxn ang="0">
-                    <a:pos x="T46" y="T47"/>
-                  </a:cxn>
-                  <a:cxn ang="0">
-                    <a:pos x="T48" y="T49"/>
-                  </a:cxn>
-                  <a:cxn ang="0">
-                    <a:pos x="T50" y="T51"/>
-                  </a:cxn>
-                  <a:cxn ang="0">
-                    <a:pos x="T52" y="T53"/>
-                  </a:cxn>
-                  <a:cxn ang="0">
-                    <a:pos x="T54" y="T55"/>
-                  </a:cxn>
-                  <a:cxn ang="0">
-                    <a:pos x="T56" y="T57"/>
-                  </a:cxn>
-                  <a:cxn ang="0">
-                    <a:pos x="T58" y="T59"/>
-                  </a:cxn>
-                  <a:cxn ang="0">
-                    <a:pos x="T60" y="T61"/>
-                  </a:cxn>
-                  <a:cxn ang="0">
-                    <a:pos x="T62" y="T63"/>
-                  </a:cxn>
-                  <a:cxn ang="0">
-                    <a:pos x="T64" y="T65"/>
-                  </a:cxn>
-                  <a:cxn ang="0">
-                    <a:pos x="T66" y="T67"/>
-                  </a:cxn>
-                  <a:cxn ang="0">
-                    <a:pos x="T68" y="T69"/>
-                  </a:cxn>
-                  <a:cxn ang="0">
-                    <a:pos x="T70" y="T71"/>
-                  </a:cxn>
-                  <a:cxn ang="0">
-                    <a:pos x="T72" y="T73"/>
-                  </a:cxn>
-                  <a:cxn ang="0">
-                    <a:pos x="T74" y="T75"/>
-                  </a:cxn>
-                  <a:cxn ang="0">
-                    <a:pos x="T76" y="T77"/>
-                  </a:cxn>
-                  <a:cxn ang="0">
-                    <a:pos x="T78" y="T79"/>
-                  </a:cxn>
-                  <a:cxn ang="0">
-                    <a:pos x="T80" y="T81"/>
-                  </a:cxn>
-                  <a:cxn ang="0">
-                    <a:pos x="T82" y="T83"/>
-                  </a:cxn>
-                  <a:cxn ang="0">
-                    <a:pos x="T84" y="T85"/>
-                  </a:cxn>
-                  <a:cxn ang="0">
-                    <a:pos x="T86" y="T87"/>
-                  </a:cxn>
-                  <a:cxn ang="0">
-                    <a:pos x="T88" y="T89"/>
-                  </a:cxn>
-                  <a:cxn ang="0">
-                    <a:pos x="T90" y="T91"/>
-                  </a:cxn>
-                  <a:cxn ang="0">
-                    <a:pos x="T92" y="T93"/>
-                  </a:cxn>
-                  <a:cxn ang="0">
-                    <a:pos x="T94" y="T95"/>
-                  </a:cxn>
-                  <a:cxn ang="0">
-                    <a:pos x="T96" y="T97"/>
-                  </a:cxn>
-                  <a:cxn ang="0">
-                    <a:pos x="T98" y="T99"/>
-                  </a:cxn>
-                  <a:cxn ang="0">
-                    <a:pos x="T100" y="T101"/>
-                  </a:cxn>
-                  <a:cxn ang="0">
-                    <a:pos x="T102" y="T103"/>
-                  </a:cxn>
-                  <a:cxn ang="0">
-                    <a:pos x="T104" y="T105"/>
-                  </a:cxn>
-                  <a:cxn ang="0">
-                    <a:pos x="T106" y="T107"/>
-                  </a:cxn>
-                  <a:cxn ang="0">
-                    <a:pos x="T108" y="T109"/>
-                  </a:cxn>
-                  <a:cxn ang="0">
-                    <a:pos x="T110" y="T111"/>
-                  </a:cxn>
-                  <a:cxn ang="0">
-                    <a:pos x="T112" y="T113"/>
-                  </a:cxn>
-                  <a:cxn ang="0">
-                    <a:pos x="T114" y="T115"/>
-                  </a:cxn>
-                  <a:cxn ang="0">
-                    <a:pos x="T116" y="T117"/>
-                  </a:cxn>
-                  <a:cxn ang="0">
-                    <a:pos x="T118" y="T119"/>
-                  </a:cxn>
-                  <a:cxn ang="0">
-                    <a:pos x="T120" y="T121"/>
-                  </a:cxn>
-                </a:cxnLst>
-                <a:rect l="0" t="0" r="r" b="b"/>
-                <a:pathLst>
-                  <a:path w="159" h="150">
-                    <a:moveTo>
-                      <a:pt x="127" y="4"/>
-                    </a:moveTo>
-                    <a:cubicBezTo>
-                      <a:pt x="132" y="4"/>
-                      <a:pt x="136" y="5"/>
-                      <a:pt x="140" y="6"/>
-                    </a:cubicBezTo>
-                    <a:cubicBezTo>
-                      <a:pt x="123" y="13"/>
-                      <a:pt x="123" y="13"/>
-                      <a:pt x="123" y="13"/>
-                    </a:cubicBezTo>
-                    <a:cubicBezTo>
-                      <a:pt x="121" y="14"/>
-                      <a:pt x="121" y="14"/>
-                      <a:pt x="121" y="14"/>
-                    </a:cubicBezTo>
-                    <a:cubicBezTo>
-                      <a:pt x="121" y="16"/>
-                      <a:pt x="121" y="16"/>
-                      <a:pt x="121" y="16"/>
-                    </a:cubicBezTo>
-                    <a:cubicBezTo>
-                      <a:pt x="120" y="23"/>
-                      <a:pt x="120" y="23"/>
-                      <a:pt x="120" y="23"/>
-                    </a:cubicBezTo>
-                    <a:cubicBezTo>
-                      <a:pt x="120" y="24"/>
-                      <a:pt x="120" y="24"/>
-                      <a:pt x="120" y="24"/>
-                    </a:cubicBezTo>
-                    <a:cubicBezTo>
-                      <a:pt x="120" y="25"/>
-                      <a:pt x="120" y="25"/>
-                      <a:pt x="120" y="25"/>
-                    </a:cubicBezTo>
-                    <a:cubicBezTo>
-                      <a:pt x="126" y="39"/>
-                      <a:pt x="126" y="39"/>
-                      <a:pt x="126" y="39"/>
-                    </a:cubicBezTo>
-                    <a:cubicBezTo>
-                      <a:pt x="128" y="43"/>
-                      <a:pt x="128" y="43"/>
-                      <a:pt x="128" y="43"/>
-                    </a:cubicBezTo>
-                    <a:cubicBezTo>
-                      <a:pt x="131" y="41"/>
-                      <a:pt x="131" y="41"/>
-                      <a:pt x="131" y="41"/>
-                    </a:cubicBezTo>
-                    <a:cubicBezTo>
-                      <a:pt x="152" y="32"/>
-                      <a:pt x="152" y="32"/>
-                      <a:pt x="152" y="32"/>
-                    </a:cubicBezTo>
-                    <a:cubicBezTo>
-                      <a:pt x="148" y="38"/>
-                      <a:pt x="143" y="46"/>
-                      <a:pt x="135" y="50"/>
-                    </a:cubicBezTo>
-                    <a:cubicBezTo>
-                      <a:pt x="132" y="52"/>
-                      <a:pt x="132" y="52"/>
-                      <a:pt x="132" y="52"/>
-                    </a:cubicBezTo>
-                    <a:cubicBezTo>
-                      <a:pt x="133" y="56"/>
-                      <a:pt x="133" y="56"/>
-                      <a:pt x="133" y="56"/>
-                    </a:cubicBezTo>
-                    <a:cubicBezTo>
-                      <a:pt x="138" y="68"/>
-                      <a:pt x="138" y="68"/>
-                      <a:pt x="138" y="68"/>
-                    </a:cubicBezTo>
-                    <a:cubicBezTo>
-                      <a:pt x="126" y="69"/>
-                      <a:pt x="98" y="74"/>
-                      <a:pt x="90" y="83"/>
-                    </a:cubicBezTo>
-                    <a:cubicBezTo>
-                      <a:pt x="33" y="142"/>
-                      <a:pt x="33" y="142"/>
-                      <a:pt x="33" y="142"/>
-                    </a:cubicBezTo>
-                    <a:cubicBezTo>
-                      <a:pt x="33" y="142"/>
-                      <a:pt x="28" y="146"/>
-                      <a:pt x="23" y="146"/>
-                    </a:cubicBezTo>
-                    <a:cubicBezTo>
-                      <a:pt x="20" y="146"/>
-                      <a:pt x="17" y="144"/>
-                      <a:pt x="15" y="142"/>
-                    </a:cubicBezTo>
-                    <a:cubicBezTo>
-                      <a:pt x="7" y="134"/>
-                      <a:pt x="13" y="125"/>
-                      <a:pt x="15" y="123"/>
-                    </a:cubicBezTo>
-                    <a:cubicBezTo>
-                      <a:pt x="80" y="71"/>
-                      <a:pt x="80" y="71"/>
-                      <a:pt x="80" y="71"/>
-                    </a:cubicBezTo>
-                    <a:cubicBezTo>
-                      <a:pt x="80" y="71"/>
-                      <a:pt x="80" y="71"/>
-                      <a:pt x="80" y="71"/>
-                    </a:cubicBezTo>
-                    <a:cubicBezTo>
-                      <a:pt x="80" y="70"/>
-                      <a:pt x="80" y="70"/>
-                      <a:pt x="80" y="70"/>
-                    </a:cubicBezTo>
-                    <a:cubicBezTo>
-                      <a:pt x="93" y="58"/>
-                      <a:pt x="98" y="36"/>
-                      <a:pt x="102" y="23"/>
-                    </a:cubicBezTo>
-                    <a:cubicBezTo>
-                      <a:pt x="103" y="19"/>
-                      <a:pt x="103" y="17"/>
-                      <a:pt x="104" y="15"/>
-                    </a:cubicBezTo>
-                    <a:cubicBezTo>
-                      <a:pt x="106" y="7"/>
-                      <a:pt x="107" y="7"/>
-                      <a:pt x="121" y="4"/>
-                    </a:cubicBezTo>
-                    <a:cubicBezTo>
-                      <a:pt x="122" y="4"/>
-                      <a:pt x="122" y="4"/>
-                      <a:pt x="122" y="4"/>
-                    </a:cubicBezTo>
-                    <a:cubicBezTo>
-                      <a:pt x="124" y="4"/>
-                      <a:pt x="125" y="4"/>
-                      <a:pt x="127" y="4"/>
-                    </a:cubicBezTo>
-                    <a:cubicBezTo>
-                      <a:pt x="127" y="4"/>
-                      <a:pt x="127" y="4"/>
-                      <a:pt x="127" y="4"/>
-                    </a:cubicBezTo>
-                    <a:moveTo>
-                      <a:pt x="24" y="142"/>
-                    </a:moveTo>
-                    <a:cubicBezTo>
-                      <a:pt x="27" y="142"/>
-                      <a:pt x="30" y="141"/>
-                      <a:pt x="31" y="139"/>
-                    </a:cubicBezTo>
-                    <a:cubicBezTo>
-                      <a:pt x="35" y="135"/>
-                      <a:pt x="35" y="129"/>
-                      <a:pt x="31" y="125"/>
-                    </a:cubicBezTo>
-                    <a:cubicBezTo>
-                      <a:pt x="30" y="123"/>
-                      <a:pt x="27" y="122"/>
-                      <a:pt x="24" y="122"/>
-                    </a:cubicBezTo>
-                    <a:cubicBezTo>
-                      <a:pt x="22" y="122"/>
-                      <a:pt x="19" y="123"/>
-                      <a:pt x="17" y="125"/>
-                    </a:cubicBezTo>
-                    <a:cubicBezTo>
-                      <a:pt x="13" y="129"/>
-                      <a:pt x="13" y="135"/>
-                      <a:pt x="17" y="139"/>
-                    </a:cubicBezTo>
-                    <a:cubicBezTo>
-                      <a:pt x="19" y="141"/>
-                      <a:pt x="22" y="142"/>
-                      <a:pt x="24" y="142"/>
-                    </a:cubicBezTo>
-                    <a:moveTo>
-                      <a:pt x="127" y="0"/>
-                    </a:moveTo>
-                    <a:cubicBezTo>
-                      <a:pt x="125" y="0"/>
-                      <a:pt x="123" y="0"/>
-                      <a:pt x="121" y="0"/>
-                    </a:cubicBezTo>
-                    <a:cubicBezTo>
-                      <a:pt x="106" y="3"/>
-                      <a:pt x="103" y="4"/>
-                      <a:pt x="100" y="13"/>
-                    </a:cubicBezTo>
-                    <a:cubicBezTo>
-                      <a:pt x="97" y="23"/>
-                      <a:pt x="93" y="53"/>
-                      <a:pt x="77" y="68"/>
-                    </a:cubicBezTo>
-                    <a:cubicBezTo>
-                      <a:pt x="12" y="120"/>
-                      <a:pt x="12" y="120"/>
-                      <a:pt x="12" y="120"/>
-                    </a:cubicBezTo>
-                    <a:cubicBezTo>
-                      <a:pt x="12" y="120"/>
-                      <a:pt x="0" y="133"/>
-                      <a:pt x="12" y="145"/>
-                    </a:cubicBezTo>
-                    <a:cubicBezTo>
-                      <a:pt x="16" y="148"/>
-                      <a:pt x="20" y="150"/>
-                      <a:pt x="23" y="150"/>
-                    </a:cubicBezTo>
-                    <a:cubicBezTo>
-                      <a:pt x="30" y="150"/>
-                      <a:pt x="36" y="145"/>
-                      <a:pt x="36" y="145"/>
-                    </a:cubicBezTo>
-                    <a:cubicBezTo>
-                      <a:pt x="93" y="85"/>
-                      <a:pt x="93" y="85"/>
-                      <a:pt x="93" y="85"/>
-                    </a:cubicBezTo>
-                    <a:cubicBezTo>
-                      <a:pt x="102" y="76"/>
-                      <a:pt x="144" y="71"/>
-                      <a:pt x="144" y="71"/>
-                    </a:cubicBezTo>
-                    <a:cubicBezTo>
-                      <a:pt x="137" y="54"/>
-                      <a:pt x="137" y="54"/>
-                      <a:pt x="137" y="54"/>
-                    </a:cubicBezTo>
-                    <a:cubicBezTo>
-                      <a:pt x="153" y="46"/>
-                      <a:pt x="159" y="25"/>
-                      <a:pt x="159" y="25"/>
-                    </a:cubicBezTo>
-                    <a:cubicBezTo>
-                      <a:pt x="130" y="37"/>
-                      <a:pt x="130" y="37"/>
-                      <a:pt x="130" y="37"/>
-                    </a:cubicBezTo>
-                    <a:cubicBezTo>
-                      <a:pt x="124" y="24"/>
-                      <a:pt x="124" y="24"/>
-                      <a:pt x="124" y="24"/>
-                    </a:cubicBezTo>
-                    <a:cubicBezTo>
-                      <a:pt x="125" y="17"/>
-                      <a:pt x="125" y="17"/>
-                      <a:pt x="125" y="17"/>
-                    </a:cubicBezTo>
-                    <a:cubicBezTo>
-                      <a:pt x="149" y="6"/>
-                      <a:pt x="149" y="6"/>
-                      <a:pt x="149" y="6"/>
-                    </a:cubicBezTo>
-                    <a:cubicBezTo>
-                      <a:pt x="149" y="6"/>
-                      <a:pt x="139" y="0"/>
-                      <a:pt x="127" y="0"/>
-                    </a:cubicBezTo>
-                    <a:close/>
-                    <a:moveTo>
-                      <a:pt x="24" y="138"/>
-                    </a:moveTo>
-                    <a:cubicBezTo>
-                      <a:pt x="23" y="138"/>
-                      <a:pt x="21" y="138"/>
-                      <a:pt x="20" y="136"/>
-                    </a:cubicBezTo>
-                    <a:cubicBezTo>
-                      <a:pt x="17" y="134"/>
-                      <a:pt x="17" y="130"/>
-                      <a:pt x="20" y="128"/>
-                    </a:cubicBezTo>
-                    <a:cubicBezTo>
-                      <a:pt x="21" y="127"/>
-                      <a:pt x="23" y="126"/>
-                      <a:pt x="24" y="126"/>
-                    </a:cubicBezTo>
-                    <a:cubicBezTo>
-                      <a:pt x="26" y="126"/>
-                      <a:pt x="27" y="127"/>
-                      <a:pt x="29" y="128"/>
-                    </a:cubicBezTo>
-                    <a:cubicBezTo>
-                      <a:pt x="31" y="130"/>
-                      <a:pt x="31" y="134"/>
-                      <a:pt x="29" y="136"/>
-                    </a:cubicBezTo>
-                    <a:cubicBezTo>
-                      <a:pt x="27" y="138"/>
-                      <a:pt x="26" y="138"/>
-                      <a:pt x="24" y="138"/>
-                    </a:cubicBezTo>
-                    <a:close/>
-                  </a:path>
-                </a:pathLst>
-              </a:custGeom>
-              <a:grpFill/>
-              <a:ln w="3175">
-                <a:solidFill>
-                  <a:schemeClr val="tx1"/>
-                </a:solidFill>
-                <a:round/>
-                <a:headEnd/>
-                <a:tailEnd/>
-              </a:ln>
-            </p:spPr>
-            <p:txBody>
-              <a:bodyPr/>
-              <a:lstStyle/>
-              <a:p>
-                <a:pPr eaLnBrk="1" fontAlgn="auto" hangingPunct="1">
-                  <a:spcBef>
-                    <a:spcPts val="0"/>
-                  </a:spcBef>
-                  <a:spcAft>
-                    <a:spcPts val="0"/>
-                  </a:spcAft>
-                  <a:defRPr/>
-                </a:pPr>
-                <a:endParaRPr lang="en-US" dirty="0">
-                  <a:latin typeface="+mn-lt"/>
-                </a:endParaRPr>
-              </a:p>
-            </p:txBody>
-          </p:sp>
-        </p:grpSp>
-      </p:grpSp>
-    </p:spTree>
-    <p:extLst>
-      <p:ext uri="{BB962C8B-B14F-4D97-AF65-F5344CB8AC3E}">
-        <p14:creationId xmlns:p14="http://schemas.microsoft.com/office/powerpoint/2010/main" val="3754613224"/>
-      </p:ext>
-    </p:extLst>
-  </p:cSld>
-  <p:clrMapOvr>
-    <a:masterClrMapping/>
-  </p:clrMapOvr>
-</p:sld>
-</file>
-
-<file path=ppt/slides/slide17.xml><?xml version="1.0" encoding="utf-8"?>
-<p:sld xmlns:a="http://schemas.openxmlformats.org/drawingml/2006/main" xmlns:r="http://schemas.openxmlformats.org/officeDocument/2006/relationships" xmlns:p="http://schemas.openxmlformats.org/presentationml/2006/main">
-  <p:cSld>
-    <p:spTree>
-      <p:nvGrpSpPr>
-        <p:cNvPr id="1" name=""/>
-        <p:cNvGrpSpPr/>
-        <p:nvPr/>
-      </p:nvGrpSpPr>
-      <p:grpSpPr>
-        <a:xfrm>
-          <a:off x="0" y="0"/>
-          <a:ext cx="0" cy="0"/>
-          <a:chOff x="0" y="0"/>
-          <a:chExt cx="0" cy="0"/>
-        </a:xfrm>
-      </p:grpSpPr>
-      <p:sp>
-        <p:nvSpPr>
-          <p:cNvPr id="3" name="Text Placeholder 2">
-            <a:extLst>
-              <a:ext uri="{FF2B5EF4-FFF2-40B4-BE49-F238E27FC236}">
-                <a16:creationId xmlns:a16="http://schemas.microsoft.com/office/drawing/2014/main" id="{C02D07F7-B946-BB66-E6EA-DD92C38B1926}"/>
-              </a:ext>
-            </a:extLst>
-          </p:cNvPr>
-          <p:cNvSpPr>
-            <a:spLocks noGrp="1"/>
-          </p:cNvSpPr>
-          <p:nvPr>
-            <p:ph type="body" sz="quarter" idx="12"/>
-          </p:nvPr>
-        </p:nvSpPr>
-        <p:spPr>
-          <a:xfrm>
-            <a:off x="158671" y="3038483"/>
-            <a:ext cx="11562786" cy="584775"/>
-          </a:xfrm>
-        </p:spPr>
-        <p:txBody>
-          <a:bodyPr/>
-          <a:lstStyle/>
-          <a:p>
-            <a:r>
-              <a:rPr lang="en-US" sz="3200" dirty="0"/>
               <a:t>Learning is also Fun!</a:t>
             </a:r>
             <a:endParaRPr lang="en-IN" sz="4000" dirty="0"/>
@@ -16842,7 +9376,7 @@
 </p:sld>
 </file>
 
-<file path=ppt/slides/slide18.xml><?xml version="1.0" encoding="utf-8"?>
+<file path=ppt/slides/slide12.xml><?xml version="1.0" encoding="utf-8"?>
 <p:sld xmlns:a="http://schemas.openxmlformats.org/drawingml/2006/main" xmlns:r="http://schemas.openxmlformats.org/officeDocument/2006/relationships" xmlns:p="http://schemas.openxmlformats.org/presentationml/2006/main">
   <p:cSld>
     <p:spTree>
@@ -17059,7 +9593,7 @@
             <a:fld id="{0879F475-59B1-4993-848A-C2B683DE9AF5}" type="slidenum">
               <a:rPr lang="en-IN" smtClean="0"/>
               <a:pPr/>
-              <a:t>18</a:t>
+              <a:t>12</a:t>
             </a:fld>
             <a:endParaRPr lang="en-IN" dirty="0"/>
           </a:p>
@@ -17312,26 +9846,7 @@
             </a:pPr>
             <a:r>
               <a:rPr lang="en-US" sz="2000" dirty="0"/>
-              <a:t>Please share how ”Your” learning was fun this week</a:t>
-            </a:r>
-          </a:p>
-          <a:p>
-            <a:pPr marL="0" indent="0">
-              <a:buFont typeface="Arial" panose="020B0604020202020204" pitchFamily="34" charset="0"/>
-              <a:buNone/>
-            </a:pPr>
-            <a:endParaRPr lang="en-US" sz="2000" dirty="0"/>
-          </a:p>
-          <a:p>
-            <a:r>
-              <a:rPr lang="en-US" sz="2000" dirty="0"/>
-              <a:t>Details of any group activity</a:t>
-            </a:r>
-          </a:p>
-          <a:p>
-            <a:r>
-              <a:rPr lang="en-US" sz="2000" dirty="0"/>
-              <a:t>Details of any funny incident which had an element of new learning for this week’s topic</a:t>
+              <a:t>We had a fun time doing a group activity about meeting etiquettes. The dos and don’ts on how to go about communicating in a work place.</a:t>
             </a:r>
           </a:p>
         </p:txBody>
@@ -17545,13 +10060,57 @@
               <a:buFont typeface="Arial" panose="020B0604020202020204" pitchFamily="34" charset="0"/>
               <a:buNone/>
             </a:pPr>
-            <a:r>
-              <a:rPr lang="en-US" sz="2000" dirty="0"/>
-              <a:t>[Add a graphic or a picture of how you/your team enjoyed the new learning]</a:t>
-            </a:r>
+            <a:endParaRPr lang="en-US" sz="2000" dirty="0"/>
           </a:p>
         </p:txBody>
       </p:sp>
+      <p:pic>
+        <p:nvPicPr>
+          <p:cNvPr id="4098" name="Picture 2" descr="Get Giggling: 4 Ways to Laugh the Stress Out of Your Life | HealthAhead">
+            <a:extLst>
+              <a:ext uri="{FF2B5EF4-FFF2-40B4-BE49-F238E27FC236}">
+                <a16:creationId xmlns:a16="http://schemas.microsoft.com/office/drawing/2014/main" id="{B2938B63-7617-7218-C0C5-4FD0441537FF}"/>
+              </a:ext>
+            </a:extLst>
+          </p:cNvPr>
+          <p:cNvPicPr>
+            <a:picLocks noChangeAspect="1" noChangeArrowheads="1"/>
+          </p:cNvPicPr>
+          <p:nvPr/>
+        </p:nvPicPr>
+        <p:blipFill>
+          <a:blip r:embed="rId7" cstate="screen">
+            <a:extLst>
+              <a:ext uri="{28A0092B-C50C-407E-A947-70E740481C1C}">
+                <a14:useLocalDpi xmlns:a14="http://schemas.microsoft.com/office/drawing/2010/main" val="0"/>
+              </a:ext>
+            </a:extLst>
+          </a:blip>
+          <a:srcRect/>
+          <a:stretch>
+            <a:fillRect/>
+          </a:stretch>
+        </p:blipFill>
+        <p:spPr bwMode="auto">
+          <a:xfrm>
+            <a:off x="6613401" y="2841331"/>
+            <a:ext cx="4925503" cy="2321214"/>
+          </a:xfrm>
+          <a:prstGeom prst="rect">
+            <a:avLst/>
+          </a:prstGeom>
+          <a:noFill/>
+          <a:extLst>
+            <a:ext uri="{909E8E84-426E-40DD-AFC4-6F175D3DCCD1}">
+              <a14:hiddenFill xmlns:a14="http://schemas.microsoft.com/office/drawing/2010/main">
+                <a:solidFill>
+                  <a:srgbClr val="FFFFFF"/>
+                </a:solidFill>
+              </a14:hiddenFill>
+            </a:ext>
+          </a:extLst>
+        </p:spPr>
+      </p:pic>
     </p:spTree>
     <p:extLst>
       <p:ext uri="{BB962C8B-B14F-4D97-AF65-F5344CB8AC3E}">
@@ -17565,7 +10124,7 @@
 </p:sld>
 </file>
 
-<file path=ppt/slides/slide19.xml><?xml version="1.0" encoding="utf-8"?>
+<file path=ppt/slides/slide13.xml><?xml version="1.0" encoding="utf-8"?>
 <p:sld xmlns:a="http://schemas.openxmlformats.org/drawingml/2006/main" xmlns:r="http://schemas.openxmlformats.org/officeDocument/2006/relationships" xmlns:p="http://schemas.openxmlformats.org/presentationml/2006/main">
   <p:cSld>
     <p:spTree>
@@ -17582,136 +10141,12 @@
           <a:chExt cx="0" cy="0"/>
         </a:xfrm>
       </p:grpSpPr>
-      <p:graphicFrame>
-        <p:nvGraphicFramePr>
-          <p:cNvPr id="7" name="think-cell data - do not delete" hidden="1">
-            <a:extLst>
-              <a:ext uri="{FF2B5EF4-FFF2-40B4-BE49-F238E27FC236}">
-                <a16:creationId xmlns:a16="http://schemas.microsoft.com/office/drawing/2014/main" id="{3583FF9E-539E-FE29-E73B-3EF7E093601C}"/>
-              </a:ext>
-            </a:extLst>
-          </p:cNvPr>
-          <p:cNvGraphicFramePr>
-            <a:graphicFrameLocks noChangeAspect="1"/>
-          </p:cNvGraphicFramePr>
-          <p:nvPr>
-            <p:custDataLst>
-              <p:tags r:id="rId1"/>
-            </p:custDataLst>
-            <p:extLst>
-              <p:ext uri="{D42A27DB-BD31-4B8C-83A1-F6EECF244321}">
-                <p14:modId xmlns:p14="http://schemas.microsoft.com/office/powerpoint/2010/main" val="674348093"/>
-              </p:ext>
-            </p:extLst>
-          </p:nvPr>
-        </p:nvGraphicFramePr>
-        <p:xfrm>
-          <a:off x="1588" y="1588"/>
-          <a:ext cx="1588" cy="1588"/>
-        </p:xfrm>
-        <a:graphic>
-          <a:graphicData uri="http://schemas.openxmlformats.org/presentationml/2006/ole">
-            <mc:AlternateContent xmlns:mc="http://schemas.openxmlformats.org/markup-compatibility/2006">
-              <mc:Choice xmlns:v="urn:schemas-microsoft-com:vml" Requires="v">
-                <p:oleObj name="think-cell Slide" r:id="rId3" imgW="395" imgH="394" progId="TCLayout.ActiveDocument.1">
-                  <p:embed/>
-                </p:oleObj>
-              </mc:Choice>
-              <mc:Fallback>
-                <p:oleObj name="think-cell Slide" r:id="rId3" imgW="395" imgH="394" progId="TCLayout.ActiveDocument.1">
-                  <p:embed/>
-                  <p:pic>
-                    <p:nvPicPr>
-                      <p:cNvPr id="7" name="think-cell data - do not delete" hidden="1">
-                        <a:extLst>
-                          <a:ext uri="{FF2B5EF4-FFF2-40B4-BE49-F238E27FC236}">
-                            <a16:creationId xmlns:a16="http://schemas.microsoft.com/office/drawing/2014/main" id="{3583FF9E-539E-FE29-E73B-3EF7E093601C}"/>
-                          </a:ext>
-                        </a:extLst>
-                      </p:cNvPr>
-                      <p:cNvPicPr/>
-                      <p:nvPr/>
-                    </p:nvPicPr>
-                    <p:blipFill>
-                      <a:blip r:embed="rId4"/>
-                      <a:stretch>
-                        <a:fillRect/>
-                      </a:stretch>
-                    </p:blipFill>
-                    <p:spPr>
-                      <a:xfrm>
-                        <a:off x="1588" y="1588"/>
-                        <a:ext cx="1588" cy="1588"/>
-                      </a:xfrm>
-                      <a:prstGeom prst="rect">
-                        <a:avLst/>
-                      </a:prstGeom>
-                    </p:spPr>
-                  </p:pic>
-                </p:oleObj>
-              </mc:Fallback>
-            </mc:AlternateContent>
-          </a:graphicData>
-        </a:graphic>
-      </p:graphicFrame>
       <p:sp>
         <p:nvSpPr>
-          <p:cNvPr id="10" name="Rectangle 9">
+          <p:cNvPr id="5" name="Text Placeholder 4">
             <a:extLst>
               <a:ext uri="{FF2B5EF4-FFF2-40B4-BE49-F238E27FC236}">
-                <a16:creationId xmlns:a16="http://schemas.microsoft.com/office/drawing/2014/main" id="{8686D658-9330-BA20-4BC9-1E47EEC5B53D}"/>
-              </a:ext>
-            </a:extLst>
-          </p:cNvPr>
-          <p:cNvSpPr/>
-          <p:nvPr/>
-        </p:nvSpPr>
-        <p:spPr>
-          <a:xfrm>
-            <a:off x="10861040" y="0"/>
-            <a:ext cx="1330960" cy="1463040"/>
-          </a:xfrm>
-          <a:prstGeom prst="rect">
-            <a:avLst/>
-          </a:prstGeom>
-          <a:solidFill>
-            <a:srgbClr val="C00000"/>
-          </a:solidFill>
-          <a:ln>
-            <a:noFill/>
-          </a:ln>
-        </p:spPr>
-        <p:style>
-          <a:lnRef idx="2">
-            <a:schemeClr val="accent1">
-              <a:shade val="15000"/>
-            </a:schemeClr>
-          </a:lnRef>
-          <a:fillRef idx="1">
-            <a:schemeClr val="accent1"/>
-          </a:fillRef>
-          <a:effectRef idx="0">
-            <a:schemeClr val="accent1"/>
-          </a:effectRef>
-          <a:fontRef idx="minor">
-            <a:schemeClr val="lt1"/>
-          </a:fontRef>
-        </p:style>
-        <p:txBody>
-          <a:bodyPr rtlCol="0" anchor="ctr"/>
-          <a:lstStyle/>
-          <a:p>
-            <a:pPr algn="ctr"/>
-            <a:endParaRPr lang="en-IN"/>
-          </a:p>
-        </p:txBody>
-      </p:sp>
-      <p:sp>
-        <p:nvSpPr>
-          <p:cNvPr id="3" name="Title 2">
-            <a:extLst>
-              <a:ext uri="{FF2B5EF4-FFF2-40B4-BE49-F238E27FC236}">
-                <a16:creationId xmlns:a16="http://schemas.microsoft.com/office/drawing/2014/main" id="{CEA128C4-A0BC-A895-713C-306E7FF62894}"/>
+                <a16:creationId xmlns:a16="http://schemas.microsoft.com/office/drawing/2014/main" id="{02BCC5FF-5A86-457C-9D70-8722A7CA3A57}"/>
               </a:ext>
             </a:extLst>
           </p:cNvPr>
@@ -17719,365 +10154,40 @@
             <a:spLocks noGrp="1"/>
           </p:cNvSpPr>
           <p:nvPr>
-            <p:ph type="title"/>
+            <p:ph type="body" sz="quarter" idx="12"/>
           </p:nvPr>
         </p:nvSpPr>
-        <p:spPr/>
-        <p:txBody>
-          <a:bodyPr vert="horz" anchor="ctr">
-            <a:noAutofit/>
-          </a:bodyPr>
-          <a:lstStyle/>
-          <a:p>
-            <a:r>
-              <a:rPr lang="en-US" b="1" dirty="0">
-                <a:effectLst>
-                  <a:outerShdw blurRad="38100" dist="38100" dir="2700000" algn="tl">
-                    <a:srgbClr val="000000">
-                      <a:alpha val="43137"/>
-                    </a:srgbClr>
-                  </a:outerShdw>
-                </a:effectLst>
-                <a:latin typeface="+mn-lt"/>
-                <a:cs typeface="+mj-cs"/>
-              </a:rPr>
-              <a:t>Summary</a:t>
-            </a:r>
-            <a:endParaRPr lang="en-IN" sz="4000" i="1" u="sng" dirty="0">
-              <a:effectLst>
-                <a:outerShdw blurRad="38100" dist="38100" dir="2700000" algn="tl">
-                  <a:srgbClr val="000000">
-                    <a:alpha val="43137"/>
-                  </a:srgbClr>
-                </a:outerShdw>
-              </a:effectLst>
-              <a:highlight>
-                <a:srgbClr val="FF6600"/>
-              </a:highlight>
-            </a:endParaRPr>
-          </a:p>
-        </p:txBody>
-      </p:sp>
-      <p:sp>
-        <p:nvSpPr>
-          <p:cNvPr id="4" name="Slide Number Placeholder 3">
-            <a:extLst>
-              <a:ext uri="{FF2B5EF4-FFF2-40B4-BE49-F238E27FC236}">
-                <a16:creationId xmlns:a16="http://schemas.microsoft.com/office/drawing/2014/main" id="{82193751-E94F-32C7-DCCA-7D3244D279EA}"/>
-              </a:ext>
-            </a:extLst>
-          </p:cNvPr>
-          <p:cNvSpPr>
-            <a:spLocks noGrp="1"/>
-          </p:cNvSpPr>
-          <p:nvPr>
-            <p:ph type="sldNum" sz="quarter" idx="15"/>
-          </p:nvPr>
-        </p:nvSpPr>
-        <p:spPr/>
+        <p:spPr>
+          <a:xfrm>
+            <a:off x="545642" y="2673043"/>
+            <a:ext cx="10525125" cy="923330"/>
+          </a:xfrm>
+        </p:spPr>
         <p:txBody>
           <a:bodyPr/>
           <a:lstStyle/>
           <a:p>
-            <a:fld id="{0879F475-59B1-4993-848A-C2B683DE9AF5}" type="slidenum">
-              <a:rPr lang="en-IN" smtClean="0"/>
-              <a:pPr/>
-              <a:t>19</a:t>
-            </a:fld>
-            <a:endParaRPr lang="en-IN" dirty="0"/>
-          </a:p>
-        </p:txBody>
-      </p:sp>
-      <p:pic>
-        <p:nvPicPr>
-          <p:cNvPr id="5" name="Graphic 4" descr="Future with solid fill">
-            <a:extLst>
-              <a:ext uri="{FF2B5EF4-FFF2-40B4-BE49-F238E27FC236}">
-                <a16:creationId xmlns:a16="http://schemas.microsoft.com/office/drawing/2014/main" id="{4C05FBB4-1D96-ED51-AB17-618E4D4052D9}"/>
-              </a:ext>
-            </a:extLst>
-          </p:cNvPr>
-          <p:cNvPicPr>
-            <a:picLocks noChangeAspect="1"/>
-          </p:cNvPicPr>
-          <p:nvPr/>
-        </p:nvPicPr>
-        <p:blipFill>
-          <a:blip r:embed="rId5">
-            <a:extLst>
-              <a:ext uri="{96DAC541-7B7A-43D3-8B79-37D633B846F1}">
-                <asvg:svgBlip xmlns:asvg="http://schemas.microsoft.com/office/drawing/2016/SVG/main" r:embed="rId6"/>
-              </a:ext>
-            </a:extLst>
-          </a:blip>
-          <a:stretch>
-            <a:fillRect/>
-          </a:stretch>
-        </p:blipFill>
-        <p:spPr>
-          <a:xfrm>
-            <a:off x="10924305" y="129305"/>
-            <a:ext cx="1204430" cy="1204430"/>
-          </a:xfrm>
-          <a:prstGeom prst="rect">
-            <a:avLst/>
-          </a:prstGeom>
-        </p:spPr>
-      </p:pic>
-      <p:sp>
-        <p:nvSpPr>
-          <p:cNvPr id="6" name="Text Placeholder 1">
-            <a:extLst>
-              <a:ext uri="{FF2B5EF4-FFF2-40B4-BE49-F238E27FC236}">
-                <a16:creationId xmlns:a16="http://schemas.microsoft.com/office/drawing/2014/main" id="{AC2F88D2-81D4-FAD4-568E-A3F495B06411}"/>
-              </a:ext>
-            </a:extLst>
-          </p:cNvPr>
-          <p:cNvSpPr txBox="1">
-            <a:spLocks/>
-          </p:cNvSpPr>
-          <p:nvPr/>
-        </p:nvSpPr>
-        <p:spPr>
-          <a:xfrm>
-            <a:off x="812799" y="1624200"/>
-            <a:ext cx="9804401" cy="4010139"/>
-          </a:xfrm>
-          <a:prstGeom prst="rect">
-            <a:avLst/>
-          </a:prstGeom>
-        </p:spPr>
-        <p:txBody>
-          <a:bodyPr anchor="t">
-            <a:normAutofit/>
-          </a:bodyPr>
-          <a:lstStyle>
-            <a:lvl1pPr marL="228600" indent="-228600" algn="l" defTabSz="914400" rtl="0" eaLnBrk="1" latinLnBrk="0" hangingPunct="1">
-              <a:lnSpc>
-                <a:spcPct val="90000"/>
-              </a:lnSpc>
-              <a:spcBef>
-                <a:spcPts val="1000"/>
-              </a:spcBef>
-              <a:buFont typeface="Arial" panose="020B0604020202020204" pitchFamily="34" charset="0"/>
-              <a:buChar char="•"/>
-              <a:defRPr sz="1600" kern="1200">
-                <a:solidFill>
-                  <a:schemeClr val="tx1"/>
-                </a:solidFill>
-                <a:latin typeface="+mn-lt"/>
-                <a:ea typeface="+mn-ea"/>
-                <a:cs typeface="+mn-cs"/>
-              </a:defRPr>
-            </a:lvl1pPr>
-            <a:lvl2pPr marL="685800" indent="-228600" algn="l" defTabSz="914400" rtl="0" eaLnBrk="1" latinLnBrk="0" hangingPunct="1">
-              <a:lnSpc>
-                <a:spcPct val="90000"/>
-              </a:lnSpc>
-              <a:spcBef>
-                <a:spcPts val="500"/>
-              </a:spcBef>
-              <a:buFont typeface="Arial" panose="020B0604020202020204" pitchFamily="34" charset="0"/>
-              <a:buChar char="•"/>
-              <a:defRPr sz="1600" kern="1200">
-                <a:solidFill>
-                  <a:schemeClr val="tx1"/>
-                </a:solidFill>
-                <a:latin typeface="+mn-lt"/>
-                <a:ea typeface="+mn-ea"/>
-                <a:cs typeface="+mn-cs"/>
-              </a:defRPr>
-            </a:lvl2pPr>
-            <a:lvl3pPr marL="1143000" indent="-228600" algn="l" defTabSz="914400" rtl="0" eaLnBrk="1" latinLnBrk="0" hangingPunct="1">
-              <a:lnSpc>
-                <a:spcPct val="90000"/>
-              </a:lnSpc>
-              <a:spcBef>
-                <a:spcPts val="500"/>
-              </a:spcBef>
-              <a:buFont typeface="Arial" panose="020B0604020202020204" pitchFamily="34" charset="0"/>
-              <a:buChar char="•"/>
-              <a:defRPr sz="1600" kern="1200">
-                <a:solidFill>
-                  <a:schemeClr val="tx1"/>
-                </a:solidFill>
-                <a:latin typeface="+mn-lt"/>
-                <a:ea typeface="+mn-ea"/>
-                <a:cs typeface="+mn-cs"/>
-              </a:defRPr>
-            </a:lvl3pPr>
-            <a:lvl4pPr marL="1600200" indent="-228600" algn="l" defTabSz="914400" rtl="0" eaLnBrk="1" latinLnBrk="0" hangingPunct="1">
-              <a:lnSpc>
-                <a:spcPct val="90000"/>
-              </a:lnSpc>
-              <a:spcBef>
-                <a:spcPts val="500"/>
-              </a:spcBef>
-              <a:buFont typeface="Arial" panose="020B0604020202020204" pitchFamily="34" charset="0"/>
-              <a:buChar char="•"/>
-              <a:defRPr sz="1600" kern="1200">
-                <a:solidFill>
-                  <a:schemeClr val="tx1"/>
-                </a:solidFill>
-                <a:latin typeface="+mn-lt"/>
-                <a:ea typeface="+mn-ea"/>
-                <a:cs typeface="+mn-cs"/>
-              </a:defRPr>
-            </a:lvl4pPr>
-            <a:lvl5pPr marL="2057400" indent="-228600" algn="l" defTabSz="914400" rtl="0" eaLnBrk="1" latinLnBrk="0" hangingPunct="1">
-              <a:lnSpc>
-                <a:spcPct val="90000"/>
-              </a:lnSpc>
-              <a:spcBef>
-                <a:spcPts val="500"/>
-              </a:spcBef>
-              <a:buFont typeface="Arial" panose="020B0604020202020204" pitchFamily="34" charset="0"/>
-              <a:buChar char="•"/>
-              <a:defRPr sz="1600" kern="1200">
-                <a:solidFill>
-                  <a:schemeClr val="tx1"/>
-                </a:solidFill>
-                <a:latin typeface="+mn-lt"/>
-                <a:ea typeface="+mn-ea"/>
-                <a:cs typeface="+mn-cs"/>
-              </a:defRPr>
-            </a:lvl5pPr>
-            <a:lvl6pPr marL="2514600" indent="-228600" algn="l" defTabSz="914400" rtl="0" eaLnBrk="1" latinLnBrk="0" hangingPunct="1">
-              <a:lnSpc>
-                <a:spcPct val="90000"/>
-              </a:lnSpc>
-              <a:spcBef>
-                <a:spcPts val="500"/>
-              </a:spcBef>
-              <a:buFont typeface="Arial" panose="020B0604020202020204" pitchFamily="34" charset="0"/>
-              <a:buChar char="•"/>
-              <a:defRPr sz="1800" kern="1200">
-                <a:solidFill>
-                  <a:schemeClr val="tx1"/>
-                </a:solidFill>
-                <a:latin typeface="+mn-lt"/>
-                <a:ea typeface="+mn-ea"/>
-                <a:cs typeface="+mn-cs"/>
-              </a:defRPr>
-            </a:lvl6pPr>
-            <a:lvl7pPr marL="2971800" indent="-228600" algn="l" defTabSz="914400" rtl="0" eaLnBrk="1" latinLnBrk="0" hangingPunct="1">
-              <a:lnSpc>
-                <a:spcPct val="90000"/>
-              </a:lnSpc>
-              <a:spcBef>
-                <a:spcPts val="500"/>
-              </a:spcBef>
-              <a:buFont typeface="Arial" panose="020B0604020202020204" pitchFamily="34" charset="0"/>
-              <a:buChar char="•"/>
-              <a:defRPr sz="1800" kern="1200">
-                <a:solidFill>
-                  <a:schemeClr val="tx1"/>
-                </a:solidFill>
-                <a:latin typeface="+mn-lt"/>
-                <a:ea typeface="+mn-ea"/>
-                <a:cs typeface="+mn-cs"/>
-              </a:defRPr>
-            </a:lvl7pPr>
-            <a:lvl8pPr marL="3429000" indent="-228600" algn="l" defTabSz="914400" rtl="0" eaLnBrk="1" latinLnBrk="0" hangingPunct="1">
-              <a:lnSpc>
-                <a:spcPct val="90000"/>
-              </a:lnSpc>
-              <a:spcBef>
-                <a:spcPts val="500"/>
-              </a:spcBef>
-              <a:buFont typeface="Arial" panose="020B0604020202020204" pitchFamily="34" charset="0"/>
-              <a:buChar char="•"/>
-              <a:defRPr sz="1800" kern="1200">
-                <a:solidFill>
-                  <a:schemeClr val="tx1"/>
-                </a:solidFill>
-                <a:latin typeface="+mn-lt"/>
-                <a:ea typeface="+mn-ea"/>
-                <a:cs typeface="+mn-cs"/>
-              </a:defRPr>
-            </a:lvl8pPr>
-            <a:lvl9pPr marL="3886200" indent="-228600" algn="l" defTabSz="914400" rtl="0" eaLnBrk="1" latinLnBrk="0" hangingPunct="1">
-              <a:lnSpc>
-                <a:spcPct val="90000"/>
-              </a:lnSpc>
-              <a:spcBef>
-                <a:spcPts val="500"/>
-              </a:spcBef>
-              <a:buFont typeface="Arial" panose="020B0604020202020204" pitchFamily="34" charset="0"/>
-              <a:buChar char="•"/>
-              <a:defRPr sz="1800" kern="1200">
-                <a:solidFill>
-                  <a:schemeClr val="tx1"/>
-                </a:solidFill>
-                <a:latin typeface="+mn-lt"/>
-                <a:ea typeface="+mn-ea"/>
-                <a:cs typeface="+mn-cs"/>
-              </a:defRPr>
-            </a:lvl9pPr>
-          </a:lstStyle>
-          <a:p>
-            <a:pPr>
-              <a:lnSpc>
-                <a:spcPct val="100000"/>
-              </a:lnSpc>
-            </a:pPr>
+            <a:pPr algn="ctr"/>
             <a:r>
-              <a:rPr lang="en-US" sz="2000" dirty="0"/>
-              <a:t>Quick summary</a:t>
+              <a:rPr lang="en-US" sz="6000" dirty="0"/>
+              <a:t>Thank</a:t>
             </a:r>
-          </a:p>
-          <a:p>
-            <a:pPr>
-              <a:lnSpc>
-                <a:spcPct val="100000"/>
-              </a:lnSpc>
-            </a:pPr>
-            <a:endParaRPr lang="en-US" sz="2000" dirty="0"/>
-          </a:p>
-          <a:p>
-            <a:pPr>
-              <a:lnSpc>
-                <a:spcPct val="100000"/>
-              </a:lnSpc>
-            </a:pPr>
             <a:r>
-              <a:rPr lang="en-US" sz="1800" dirty="0"/>
-              <a:t>Importance of topics of upcoming week</a:t>
+              <a:rPr lang="en-US" sz="3200" dirty="0"/>
+              <a:t> </a:t>
             </a:r>
-          </a:p>
-          <a:p>
-            <a:pPr>
-              <a:lnSpc>
-                <a:spcPct val="100000"/>
-              </a:lnSpc>
-            </a:pPr>
-            <a:endParaRPr lang="en-US" sz="1800" dirty="0"/>
-          </a:p>
-          <a:p>
-            <a:pPr>
-              <a:lnSpc>
-                <a:spcPct val="100000"/>
-              </a:lnSpc>
-            </a:pPr>
             <a:r>
-              <a:rPr lang="en-US" sz="1800" dirty="0"/>
-              <a:t>Connectivity of topics from current week</a:t>
+              <a:rPr lang="en-US" sz="5400" dirty="0"/>
+              <a:t>You</a:t>
             </a:r>
-          </a:p>
-          <a:p>
-            <a:pPr marL="457200" indent="-457200">
-              <a:lnSpc>
-                <a:spcPct val="100000"/>
-              </a:lnSpc>
-            </a:pPr>
-            <a:endParaRPr lang="en-US" sz="1800" dirty="0"/>
+            <a:endParaRPr lang="en-US" sz="3200" dirty="0"/>
           </a:p>
         </p:txBody>
       </p:sp>
     </p:spTree>
     <p:extLst>
       <p:ext uri="{BB962C8B-B14F-4D97-AF65-F5344CB8AC3E}">
-        <p14:creationId xmlns:p14="http://schemas.microsoft.com/office/powerpoint/2010/main" val="3865850111"/>
+        <p14:creationId xmlns:p14="http://schemas.microsoft.com/office/powerpoint/2010/main" val="3805975874"/>
       </p:ext>
     </p:extLst>
   </p:cSld>
@@ -18742,79 +10852,6 @@
 </p:sld>
 </file>
 
-<file path=ppt/slides/slide20.xml><?xml version="1.0" encoding="utf-8"?>
-<p:sld xmlns:a="http://schemas.openxmlformats.org/drawingml/2006/main" xmlns:r="http://schemas.openxmlformats.org/officeDocument/2006/relationships" xmlns:p="http://schemas.openxmlformats.org/presentationml/2006/main">
-  <p:cSld>
-    <p:spTree>
-      <p:nvGrpSpPr>
-        <p:cNvPr id="1" name=""/>
-        <p:cNvGrpSpPr/>
-        <p:nvPr/>
-      </p:nvGrpSpPr>
-      <p:grpSpPr>
-        <a:xfrm>
-          <a:off x="0" y="0"/>
-          <a:ext cx="0" cy="0"/>
-          <a:chOff x="0" y="0"/>
-          <a:chExt cx="0" cy="0"/>
-        </a:xfrm>
-      </p:grpSpPr>
-      <p:sp>
-        <p:nvSpPr>
-          <p:cNvPr id="5" name="Text Placeholder 4">
-            <a:extLst>
-              <a:ext uri="{FF2B5EF4-FFF2-40B4-BE49-F238E27FC236}">
-                <a16:creationId xmlns:a16="http://schemas.microsoft.com/office/drawing/2014/main" id="{02BCC5FF-5A86-457C-9D70-8722A7CA3A57}"/>
-              </a:ext>
-            </a:extLst>
-          </p:cNvPr>
-          <p:cNvSpPr>
-            <a:spLocks noGrp="1"/>
-          </p:cNvSpPr>
-          <p:nvPr>
-            <p:ph type="body" sz="quarter" idx="12"/>
-          </p:nvPr>
-        </p:nvSpPr>
-        <p:spPr>
-          <a:xfrm>
-            <a:off x="545642" y="2673043"/>
-            <a:ext cx="10525125" cy="923330"/>
-          </a:xfrm>
-        </p:spPr>
-        <p:txBody>
-          <a:bodyPr/>
-          <a:lstStyle/>
-          <a:p>
-            <a:pPr algn="ctr"/>
-            <a:r>
-              <a:rPr lang="en-US" sz="6000" dirty="0"/>
-              <a:t>Thank</a:t>
-            </a:r>
-            <a:r>
-              <a:rPr lang="en-US" sz="3200" dirty="0"/>
-              <a:t> </a:t>
-            </a:r>
-            <a:r>
-              <a:rPr lang="en-US" sz="5400" dirty="0"/>
-              <a:t>You</a:t>
-            </a:r>
-            <a:endParaRPr lang="en-US" sz="3200" dirty="0"/>
-          </a:p>
-        </p:txBody>
-      </p:sp>
-    </p:spTree>
-    <p:extLst>
-      <p:ext uri="{BB962C8B-B14F-4D97-AF65-F5344CB8AC3E}">
-        <p14:creationId xmlns:p14="http://schemas.microsoft.com/office/powerpoint/2010/main" val="3805975874"/>
-      </p:ext>
-    </p:extLst>
-  </p:cSld>
-  <p:clrMapOvr>
-    <a:masterClrMapping/>
-  </p:clrMapOvr>
-</p:sld>
-</file>
-
 <file path=ppt/slides/slide3.xml><?xml version="1.0" encoding="utf-8"?>
 <p:sld xmlns:a="http://schemas.openxmlformats.org/drawingml/2006/main" xmlns:r="http://schemas.openxmlformats.org/officeDocument/2006/relationships" xmlns:p="http://schemas.openxmlformats.org/presentationml/2006/main">
   <p:cSld>
@@ -19091,7 +11128,7 @@
                 <a:latin typeface="+mn-lt"/>
                 <a:cs typeface="+mj-cs"/>
               </a:rPr>
-              <a:t>Learning 1 | My takeaways</a:t>
+              <a:t>Learning 1 | Email Writing</a:t>
             </a:r>
             <a:endParaRPr lang="en-IN" sz="4000" i="1" u="sng" dirty="0">
               <a:effectLst>
@@ -19440,8 +11477,8 @@
         </p:nvSpPr>
         <p:spPr>
           <a:xfrm>
-            <a:off x="6400799" y="1860993"/>
-            <a:ext cx="5350706" cy="4076241"/>
+            <a:off x="7556263" y="2483435"/>
+            <a:ext cx="4195241" cy="3453799"/>
           </a:xfrm>
           <a:prstGeom prst="rect">
             <a:avLst/>
@@ -19633,20 +11670,57 @@
               <a:buFont typeface="Arial" panose="020B0604020202020204" pitchFamily="34" charset="0"/>
               <a:buNone/>
             </a:pPr>
-            <a:r>
-              <a:rPr lang="en-US" sz="2000"/>
-              <a:t>[Add a graphic that provides evidence of what you learned]</a:t>
-            </a:r>
-          </a:p>
-          <a:p>
-            <a:pPr marL="0" indent="0">
-              <a:buFont typeface="Arial" panose="020B0604020202020204" pitchFamily="34" charset="0"/>
-              <a:buNone/>
-            </a:pPr>
             <a:endParaRPr lang="en-US" sz="2000" dirty="0"/>
           </a:p>
         </p:txBody>
       </p:sp>
+      <p:pic>
+        <p:nvPicPr>
+          <p:cNvPr id="5122" name="Picture 2" descr="Sending Letter Email. Isolated Cute Mail Cartoon Face Vector ...">
+            <a:extLst>
+              <a:ext uri="{FF2B5EF4-FFF2-40B4-BE49-F238E27FC236}">
+                <a16:creationId xmlns:a16="http://schemas.microsoft.com/office/drawing/2014/main" id="{E11AFCF8-D69D-A5E7-4EA3-D029A2AE9891}"/>
+              </a:ext>
+            </a:extLst>
+          </p:cNvPr>
+          <p:cNvPicPr>
+            <a:picLocks noChangeAspect="1" noChangeArrowheads="1"/>
+          </p:cNvPicPr>
+          <p:nvPr/>
+        </p:nvPicPr>
+        <p:blipFill>
+          <a:blip r:embed="rId7">
+            <a:extLst>
+              <a:ext uri="{28A0092B-C50C-407E-A947-70E740481C1C}">
+                <a14:useLocalDpi xmlns:a14="http://schemas.microsoft.com/office/drawing/2010/main" val="0"/>
+              </a:ext>
+            </a:extLst>
+          </a:blip>
+          <a:srcRect/>
+          <a:stretch>
+            <a:fillRect/>
+          </a:stretch>
+        </p:blipFill>
+        <p:spPr bwMode="auto">
+          <a:xfrm>
+            <a:off x="8212347" y="2592503"/>
+            <a:ext cx="3022699" cy="3022699"/>
+          </a:xfrm>
+          <a:prstGeom prst="rect">
+            <a:avLst/>
+          </a:prstGeom>
+          <a:noFill/>
+          <a:extLst>
+            <a:ext uri="{909E8E84-426E-40DD-AFC4-6F175D3DCCD1}">
+              <a14:hiddenFill xmlns:a14="http://schemas.microsoft.com/office/drawing/2010/main">
+                <a:solidFill>
+                  <a:srgbClr val="FFFFFF"/>
+                </a:solidFill>
+              </a14:hiddenFill>
+            </a:ext>
+          </a:extLst>
+        </p:spPr>
+      </p:pic>
     </p:spTree>
     <p:extLst>
       <p:ext uri="{BB962C8B-B14F-4D97-AF65-F5344CB8AC3E}">
@@ -19836,7 +11910,7 @@
                 <a:latin typeface="+mn-lt"/>
                 <a:cs typeface="+mj-cs"/>
               </a:rPr>
-              <a:t>Learning 2 | My takeaways</a:t>
+              <a:t>Learning 2 | Stakeholder management</a:t>
             </a:r>
             <a:endParaRPr lang="en-IN" sz="4000" i="1" u="sng" dirty="0">
               <a:effectLst>
@@ -20375,20 +12449,57 @@
               <a:buFont typeface="Arial" panose="020B0604020202020204" pitchFamily="34" charset="0"/>
               <a:buNone/>
             </a:pPr>
-            <a:r>
-              <a:rPr lang="en-US" sz="2000"/>
-              <a:t>[Add a graphic that provides evidence of what you learned]</a:t>
-            </a:r>
-          </a:p>
-          <a:p>
-            <a:pPr marL="0" indent="0">
-              <a:buFont typeface="Arial" panose="020B0604020202020204" pitchFamily="34" charset="0"/>
-              <a:buNone/>
-            </a:pPr>
             <a:endParaRPr lang="en-US" sz="2000" dirty="0"/>
           </a:p>
         </p:txBody>
       </p:sp>
+      <p:pic>
+        <p:nvPicPr>
+          <p:cNvPr id="6148" name="Picture 4" descr="Succession Season 5 Release Date, News">
+            <a:extLst>
+              <a:ext uri="{FF2B5EF4-FFF2-40B4-BE49-F238E27FC236}">
+                <a16:creationId xmlns:a16="http://schemas.microsoft.com/office/drawing/2014/main" id="{CA3EF23A-806B-7340-20FF-83D6C59C4D8D}"/>
+              </a:ext>
+            </a:extLst>
+          </p:cNvPr>
+          <p:cNvPicPr>
+            <a:picLocks noChangeAspect="1" noChangeArrowheads="1"/>
+          </p:cNvPicPr>
+          <p:nvPr/>
+        </p:nvPicPr>
+        <p:blipFill>
+          <a:blip r:embed="rId7" cstate="screen">
+            <a:extLst>
+              <a:ext uri="{28A0092B-C50C-407E-A947-70E740481C1C}">
+                <a14:useLocalDpi xmlns:a14="http://schemas.microsoft.com/office/drawing/2010/main" val="0"/>
+              </a:ext>
+            </a:extLst>
+          </a:blip>
+          <a:srcRect/>
+          <a:stretch>
+            <a:fillRect/>
+          </a:stretch>
+        </p:blipFill>
+        <p:spPr bwMode="auto">
+          <a:xfrm>
+            <a:off x="6974182" y="2716755"/>
+            <a:ext cx="4203939" cy="2364716"/>
+          </a:xfrm>
+          <a:prstGeom prst="rect">
+            <a:avLst/>
+          </a:prstGeom>
+          <a:noFill/>
+          <a:extLst>
+            <a:ext uri="{909E8E84-426E-40DD-AFC4-6F175D3DCCD1}">
+              <a14:hiddenFill xmlns:a14="http://schemas.microsoft.com/office/drawing/2010/main">
+                <a:solidFill>
+                  <a:srgbClr val="FFFFFF"/>
+                </a:solidFill>
+              </a14:hiddenFill>
+            </a:ext>
+          </a:extLst>
+        </p:spPr>
+      </p:pic>
     </p:spTree>
     <p:extLst>
       <p:ext uri="{BB962C8B-B14F-4D97-AF65-F5344CB8AC3E}">
@@ -20559,7 +12670,12 @@
             <p:ph type="title"/>
           </p:nvPr>
         </p:nvSpPr>
-        <p:spPr/>
+        <p:spPr>
+          <a:xfrm>
+            <a:off x="463550" y="720750"/>
+            <a:ext cx="7552122" cy="471167"/>
+          </a:xfrm>
+        </p:spPr>
         <p:txBody>
           <a:bodyPr vert="horz" anchor="ctr">
             <a:noAutofit/>
@@ -21118,20 +13234,57 @@
               <a:buFont typeface="Arial" panose="020B0604020202020204" pitchFamily="34" charset="0"/>
               <a:buNone/>
             </a:pPr>
-            <a:r>
-              <a:rPr lang="en-US" sz="2000"/>
-              <a:t>[Add a graphic that provides evidence of what you learned]</a:t>
-            </a:r>
-          </a:p>
-          <a:p>
-            <a:pPr marL="0" indent="0">
-              <a:buFont typeface="Arial" panose="020B0604020202020204" pitchFamily="34" charset="0"/>
-              <a:buNone/>
-            </a:pPr>
             <a:endParaRPr lang="en-US" sz="2000" dirty="0"/>
           </a:p>
         </p:txBody>
       </p:sp>
+      <p:pic>
+        <p:nvPicPr>
+          <p:cNvPr id="7170" name="Picture 2" descr="Trust stock illustration. Illustration of human, standing - 37901574">
+            <a:extLst>
+              <a:ext uri="{FF2B5EF4-FFF2-40B4-BE49-F238E27FC236}">
+                <a16:creationId xmlns:a16="http://schemas.microsoft.com/office/drawing/2014/main" id="{129A5F02-BF9D-31A2-C35F-590919139F85}"/>
+              </a:ext>
+            </a:extLst>
+          </p:cNvPr>
+          <p:cNvPicPr>
+            <a:picLocks noChangeAspect="1" noChangeArrowheads="1"/>
+          </p:cNvPicPr>
+          <p:nvPr/>
+        </p:nvPicPr>
+        <p:blipFill>
+          <a:blip r:embed="rId7">
+            <a:extLst>
+              <a:ext uri="{28A0092B-C50C-407E-A947-70E740481C1C}">
+                <a14:useLocalDpi xmlns:a14="http://schemas.microsoft.com/office/drawing/2010/main" val="0"/>
+              </a:ext>
+            </a:extLst>
+          </a:blip>
+          <a:srcRect/>
+          <a:stretch>
+            <a:fillRect/>
+          </a:stretch>
+        </p:blipFill>
+        <p:spPr bwMode="auto">
+          <a:xfrm>
+            <a:off x="7323647" y="2305234"/>
+            <a:ext cx="3028051" cy="3187758"/>
+          </a:xfrm>
+          <a:prstGeom prst="rect">
+            <a:avLst/>
+          </a:prstGeom>
+          <a:noFill/>
+          <a:extLst>
+            <a:ext uri="{909E8E84-426E-40DD-AFC4-6F175D3DCCD1}">
+              <a14:hiddenFill xmlns:a14="http://schemas.microsoft.com/office/drawing/2010/main">
+                <a:solidFill>
+                  <a:srgbClr val="FFFFFF"/>
+                </a:solidFill>
+              </a14:hiddenFill>
+            </a:ext>
+          </a:extLst>
+        </p:spPr>
+      </p:pic>
     </p:spTree>
     <p:extLst>
       <p:ext uri="{BB962C8B-B14F-4D97-AF65-F5344CB8AC3E}">
@@ -21689,7 +13842,10 @@
             <a:pPr marL="0" indent="0">
               <a:buNone/>
             </a:pPr>
-            <a:endParaRPr lang="en-US" sz="2000" dirty="0"/>
+            <a:r>
+              <a:rPr lang="en-US" sz="2000" dirty="0"/>
+              <a:t>Emails are essential for a company</a:t>
+            </a:r>
           </a:p>
           <a:p>
             <a:pPr marL="0" indent="0">
@@ -21716,7 +13872,10 @@
             <a:pPr marL="0" indent="0">
               <a:buNone/>
             </a:pPr>
-            <a:endParaRPr lang="en-US" sz="2000" dirty="0"/>
+            <a:r>
+              <a:rPr lang="en-US" sz="2000" dirty="0"/>
+              <a:t>Good emails ensure clear communication </a:t>
+            </a:r>
           </a:p>
         </p:txBody>
       </p:sp>
@@ -21928,10 +14087,7 @@
             <a:pPr marL="0" indent="0" algn="ctr">
               <a:buNone/>
             </a:pPr>
-            <a:r>
-              <a:rPr lang="en-US" sz="2000" dirty="0"/>
-              <a:t>[Add a graphic that provides view of how Shell implements this learning]</a:t>
-            </a:r>
+            <a:endParaRPr lang="en-US" sz="2000" dirty="0"/>
           </a:p>
         </p:txBody>
       </p:sp>
@@ -21969,6 +14125,53 @@
           <a:prstGeom prst="rect">
             <a:avLst/>
           </a:prstGeom>
+        </p:spPr>
+      </p:pic>
+      <p:pic>
+        <p:nvPicPr>
+          <p:cNvPr id="1026" name="Picture 2" descr="Happy Mail by Katie McArthur on Dribbble">
+            <a:extLst>
+              <a:ext uri="{FF2B5EF4-FFF2-40B4-BE49-F238E27FC236}">
+                <a16:creationId xmlns:a16="http://schemas.microsoft.com/office/drawing/2014/main" id="{FFDA9939-53D8-8DBA-AF17-209972855A6D}"/>
+              </a:ext>
+            </a:extLst>
+          </p:cNvPr>
+          <p:cNvPicPr>
+            <a:picLocks noChangeAspect="1" noChangeArrowheads="1"/>
+          </p:cNvPicPr>
+          <p:nvPr/>
+        </p:nvPicPr>
+        <p:blipFill>
+          <a:blip r:embed="rId7" cstate="screen">
+            <a:extLst>
+              <a:ext uri="{28A0092B-C50C-407E-A947-70E740481C1C}">
+                <a14:useLocalDpi xmlns:a14="http://schemas.microsoft.com/office/drawing/2010/main" val="0"/>
+              </a:ext>
+            </a:extLst>
+          </a:blip>
+          <a:srcRect/>
+          <a:stretch>
+            <a:fillRect/>
+          </a:stretch>
+        </p:blipFill>
+        <p:spPr bwMode="auto">
+          <a:xfrm>
+            <a:off x="7056858" y="2302185"/>
+            <a:ext cx="4038587" cy="3028940"/>
+          </a:xfrm>
+          <a:prstGeom prst="rect">
+            <a:avLst/>
+          </a:prstGeom>
+          <a:noFill/>
+          <a:extLst>
+            <a:ext uri="{909E8E84-426E-40DD-AFC4-6F175D3DCCD1}">
+              <a14:hiddenFill xmlns:a14="http://schemas.microsoft.com/office/drawing/2010/main">
+                <a:solidFill>
+                  <a:srgbClr val="FFFFFF"/>
+                </a:solidFill>
+              </a14:hiddenFill>
+            </a:ext>
+          </a:extLst>
         </p:spPr>
       </p:pic>
     </p:spTree>
@@ -22422,7 +14625,10 @@
             <a:pPr marL="0" indent="0">
               <a:buNone/>
             </a:pPr>
-            <a:endParaRPr lang="en-US" sz="2000" dirty="0"/>
+            <a:r>
+              <a:rPr lang="en-US" sz="2000" dirty="0"/>
+              <a:t>Stakeholders are important to have your priorities right</a:t>
+            </a:r>
           </a:p>
           <a:p>
             <a:pPr marL="0" indent="0">
@@ -22435,15 +14641,6 @@
               <a:buNone/>
             </a:pPr>
             <a:endParaRPr lang="en-US" sz="2000" dirty="0"/>
-          </a:p>
-          <a:p>
-            <a:pPr marL="0" indent="0">
-              <a:buNone/>
-            </a:pPr>
-            <a:r>
-              <a:rPr lang="en-US" sz="2000" dirty="0"/>
-              <a:t>How I feel Shell benefits from this learning (in your own words)</a:t>
-            </a:r>
           </a:p>
         </p:txBody>
       </p:sp>
@@ -22655,10 +14852,7 @@
             <a:pPr marL="0" indent="0" algn="ctr">
               <a:buNone/>
             </a:pPr>
-            <a:r>
-              <a:rPr lang="en-US" sz="2000" dirty="0"/>
-              <a:t>[Add a graphic that provides view of how Shell implements this learning]</a:t>
-            </a:r>
+            <a:endParaRPr lang="en-US" sz="2000" dirty="0"/>
           </a:p>
         </p:txBody>
       </p:sp>
@@ -22696,6 +14890,53 @@
           <a:prstGeom prst="rect">
             <a:avLst/>
           </a:prstGeom>
+        </p:spPr>
+      </p:pic>
+      <p:pic>
+        <p:nvPicPr>
+          <p:cNvPr id="2052" name="Picture 4" descr="How To Run A More Effective Board Meeting - Forbes India Blogs">
+            <a:extLst>
+              <a:ext uri="{FF2B5EF4-FFF2-40B4-BE49-F238E27FC236}">
+                <a16:creationId xmlns:a16="http://schemas.microsoft.com/office/drawing/2014/main" id="{4BF78DDE-8F07-5B43-0DF3-3AC3F78A354B}"/>
+              </a:ext>
+            </a:extLst>
+          </p:cNvPr>
+          <p:cNvPicPr>
+            <a:picLocks noChangeAspect="1" noChangeArrowheads="1"/>
+          </p:cNvPicPr>
+          <p:nvPr/>
+        </p:nvPicPr>
+        <p:blipFill>
+          <a:blip r:embed="rId7" cstate="screen">
+            <a:extLst>
+              <a:ext uri="{28A0092B-C50C-407E-A947-70E740481C1C}">
+                <a14:useLocalDpi xmlns:a14="http://schemas.microsoft.com/office/drawing/2010/main" val="0"/>
+              </a:ext>
+            </a:extLst>
+          </a:blip>
+          <a:srcRect/>
+          <a:stretch>
+            <a:fillRect/>
+          </a:stretch>
+        </p:blipFill>
+        <p:spPr bwMode="auto">
+          <a:xfrm>
+            <a:off x="6526053" y="2132115"/>
+            <a:ext cx="5197775" cy="3465183"/>
+          </a:xfrm>
+          <a:prstGeom prst="rect">
+            <a:avLst/>
+          </a:prstGeom>
+          <a:noFill/>
+          <a:extLst>
+            <a:ext uri="{909E8E84-426E-40DD-AFC4-6F175D3DCCD1}">
+              <a14:hiddenFill xmlns:a14="http://schemas.microsoft.com/office/drawing/2010/main">
+                <a:solidFill>
+                  <a:srgbClr val="FFFFFF"/>
+                </a:solidFill>
+              </a14:hiddenFill>
+            </a:ext>
+          </a:extLst>
         </p:spPr>
       </p:pic>
     </p:spTree>
@@ -22722,36 +14963,6 @@
 </file>
 
 <file path=ppt/tags/tag10.xml><?xml version="1.0" encoding="utf-8"?>
-<p:tagLst xmlns:a="http://schemas.openxmlformats.org/drawingml/2006/main" xmlns:r="http://schemas.openxmlformats.org/officeDocument/2006/relationships" xmlns:p="http://schemas.openxmlformats.org/presentationml/2006/main">
-  <p:tag name="THINKCELLSHAPEDONOTDELETE" val="thinkcellActiveDocDoNotDelete"/>
-</p:tagLst>
-</file>
-
-<file path=ppt/tags/tag11.xml><?xml version="1.0" encoding="utf-8"?>
-<p:tagLst xmlns:a="http://schemas.openxmlformats.org/drawingml/2006/main" xmlns:r="http://schemas.openxmlformats.org/officeDocument/2006/relationships" xmlns:p="http://schemas.openxmlformats.org/presentationml/2006/main">
-  <p:tag name="THINKCELLSHAPEDONOTDELETE" val="thinkcellActiveDocDoNotDelete"/>
-</p:tagLst>
-</file>
-
-<file path=ppt/tags/tag12.xml><?xml version="1.0" encoding="utf-8"?>
-<p:tagLst xmlns:a="http://schemas.openxmlformats.org/drawingml/2006/main" xmlns:r="http://schemas.openxmlformats.org/officeDocument/2006/relationships" xmlns:p="http://schemas.openxmlformats.org/presentationml/2006/main">
-  <p:tag name="THINKCELLSHAPEDONOTDELETE" val="thinkcellActiveDocDoNotDelete"/>
-</p:tagLst>
-</file>
-
-<file path=ppt/tags/tag13.xml><?xml version="1.0" encoding="utf-8"?>
-<p:tagLst xmlns:a="http://schemas.openxmlformats.org/drawingml/2006/main" xmlns:r="http://schemas.openxmlformats.org/officeDocument/2006/relationships" xmlns:p="http://schemas.openxmlformats.org/presentationml/2006/main">
-  <p:tag name="THINKCELLSHAPEDONOTDELETE" val="thinkcellActiveDocDoNotDelete"/>
-</p:tagLst>
-</file>
-
-<file path=ppt/tags/tag14.xml><?xml version="1.0" encoding="utf-8"?>
-<p:tagLst xmlns:a="http://schemas.openxmlformats.org/drawingml/2006/main" xmlns:r="http://schemas.openxmlformats.org/officeDocument/2006/relationships" xmlns:p="http://schemas.openxmlformats.org/presentationml/2006/main">
-  <p:tag name="THINKCELLSHAPEDONOTDELETE" val="thinkcellActiveDocDoNotDelete"/>
-</p:tagLst>
-</file>
-
-<file path=ppt/tags/tag15.xml><?xml version="1.0" encoding="utf-8"?>
 <p:tagLst xmlns:a="http://schemas.openxmlformats.org/drawingml/2006/main" xmlns:r="http://schemas.openxmlformats.org/officeDocument/2006/relationships" xmlns:p="http://schemas.openxmlformats.org/presentationml/2006/main">
   <p:tag name="THINKCELLSHAPEDONOTDELETE" val="thinkcellActiveDocDoNotDelete"/>
 </p:tagLst>
@@ -23850,20 +16061,20 @@
 </file>
 
 <file path=customXml/item2.xml><?xml version="1.0" encoding="utf-8"?>
-<p:properties xmlns:p="http://schemas.microsoft.com/office/2006/metadata/properties" xmlns:xsi="http://www.w3.org/2001/XMLSchema-instance" xmlns:pc="http://schemas.microsoft.com/office/infopath/2007/PartnerControls">
-  <documentManagement>
-    <_activity xmlns="d64320fb-f9a3-4131-8206-9d18da17abe9" xsi:nil="true"/>
-  </documentManagement>
-</p:properties>
-</file>
-
-<file path=customXml/item3.xml><?xml version="1.0" encoding="utf-8"?>
 <?mso-contentType ?>
 <FormTemplates xmlns="http://schemas.microsoft.com/sharepoint/v3/contenttype/forms">
   <Display>DocumentLibraryForm</Display>
   <Edit>DocumentLibraryForm</Edit>
   <New>DocumentLibraryForm</New>
 </FormTemplates>
+</file>
+
+<file path=customXml/item3.xml><?xml version="1.0" encoding="utf-8"?>
+<p:properties xmlns:p="http://schemas.microsoft.com/office/2006/metadata/properties" xmlns:xsi="http://www.w3.org/2001/XMLSchema-instance" xmlns:pc="http://schemas.microsoft.com/office/infopath/2007/PartnerControls">
+  <documentManagement>
+    <_activity xmlns="d64320fb-f9a3-4131-8206-9d18da17abe9" xsi:nil="true"/>
+  </documentManagement>
+</p:properties>
 </file>
 
 <file path=customXml/itemProps1.xml><?xml version="1.0" encoding="utf-8"?>
@@ -23886,6 +16097,14 @@
 </file>
 
 <file path=customXml/itemProps2.xml><?xml version="1.0" encoding="utf-8"?>
+<ds:datastoreItem xmlns:ds="http://schemas.openxmlformats.org/officeDocument/2006/customXml" ds:itemID="{911617EF-9A33-49DD-BF18-3F75C7B3CC29}">
+  <ds:schemaRefs>
+    <ds:schemaRef ds:uri="http://schemas.microsoft.com/sharepoint/v3/contenttype/forms"/>
+  </ds:schemaRefs>
+</ds:datastoreItem>
+</file>
+
+<file path=customXml/itemProps3.xml><?xml version="1.0" encoding="utf-8"?>
 <ds:datastoreItem xmlns:ds="http://schemas.openxmlformats.org/officeDocument/2006/customXml" ds:itemID="{1DADF44A-8650-472F-B2D9-50E27F0769F7}">
   <ds:schemaRefs>
     <ds:schemaRef ds:uri="http://purl.org/dc/terms/"/>
@@ -23902,14 +16121,6 @@
 </ds:datastoreItem>
 </file>
 
-<file path=customXml/itemProps3.xml><?xml version="1.0" encoding="utf-8"?>
-<ds:datastoreItem xmlns:ds="http://schemas.openxmlformats.org/officeDocument/2006/customXml" ds:itemID="{911617EF-9A33-49DD-BF18-3F75C7B3CC29}">
-  <ds:schemaRefs>
-    <ds:schemaRef ds:uri="http://schemas.microsoft.com/sharepoint/v3/contenttype/forms"/>
-  </ds:schemaRefs>
-</ds:datastoreItem>
-</file>
-
 <file path=docMetadata/LabelInfo.xml><?xml version="1.0" encoding="utf-8"?>
 <clbl:labelList xmlns:clbl="http://schemas.microsoft.com/office/2020/mipLabelMetadata">
   <clbl:label id="{d0cb1e24-a0e2-4a4c-9340-733297c9cd7c}" enabled="1" method="Privileged" siteId="{db1e96a8-a3da-442a-930b-235cac24cd5c}" contentBits="0" removed="0"/>
